--- a/semi_projects/보안탐지 및 SMS 알람/snort 프로젝트.pptx
+++ b/semi_projects/보안탐지 및 SMS 알람/snort 프로젝트.pptx
@@ -6,8 +6,11 @@
   </p:sldMasterIdLst>
   <p:sldIdLst>
     <p:sldId id="256" r:id="rId2"/>
-    <p:sldId id="257" r:id="rId3"/>
-    <p:sldId id="258" r:id="rId4"/>
+    <p:sldId id="259" r:id="rId3"/>
+    <p:sldId id="257" r:id="rId4"/>
+    <p:sldId id="260" r:id="rId5"/>
+    <p:sldId id="261" r:id="rId6"/>
+    <p:sldId id="262" r:id="rId7"/>
   </p:sldIdLst>
   <p:sldSz cx="12192000" cy="6858000"/>
   <p:notesSz cx="6858000" cy="9144000"/>
@@ -272,7 +275,7 @@
           <a:p>
             <a:fld id="{D512FCAD-8E72-4490-9D67-FF3ADE8F49C3}" type="datetimeFigureOut">
               <a:rPr lang="ko-KR" altLang="en-US" smtClean="0"/>
-              <a:t>2021-07-13</a:t>
+              <a:t>2021-07-14</a:t>
             </a:fld>
             <a:endParaRPr lang="ko-KR" altLang="en-US"/>
           </a:p>
@@ -470,7 +473,7 @@
           <a:p>
             <a:fld id="{D512FCAD-8E72-4490-9D67-FF3ADE8F49C3}" type="datetimeFigureOut">
               <a:rPr lang="ko-KR" altLang="en-US" smtClean="0"/>
-              <a:t>2021-07-13</a:t>
+              <a:t>2021-07-14</a:t>
             </a:fld>
             <a:endParaRPr lang="ko-KR" altLang="en-US"/>
           </a:p>
@@ -678,7 +681,7 @@
           <a:p>
             <a:fld id="{D512FCAD-8E72-4490-9D67-FF3ADE8F49C3}" type="datetimeFigureOut">
               <a:rPr lang="ko-KR" altLang="en-US" smtClean="0"/>
-              <a:t>2021-07-13</a:t>
+              <a:t>2021-07-14</a:t>
             </a:fld>
             <a:endParaRPr lang="ko-KR" altLang="en-US"/>
           </a:p>
@@ -876,7 +879,7 @@
           <a:p>
             <a:fld id="{D512FCAD-8E72-4490-9D67-FF3ADE8F49C3}" type="datetimeFigureOut">
               <a:rPr lang="ko-KR" altLang="en-US" smtClean="0"/>
-              <a:t>2021-07-13</a:t>
+              <a:t>2021-07-14</a:t>
             </a:fld>
             <a:endParaRPr lang="ko-KR" altLang="en-US"/>
           </a:p>
@@ -1151,7 +1154,7 @@
           <a:p>
             <a:fld id="{D512FCAD-8E72-4490-9D67-FF3ADE8F49C3}" type="datetimeFigureOut">
               <a:rPr lang="ko-KR" altLang="en-US" smtClean="0"/>
-              <a:t>2021-07-13</a:t>
+              <a:t>2021-07-14</a:t>
             </a:fld>
             <a:endParaRPr lang="ko-KR" altLang="en-US"/>
           </a:p>
@@ -1416,7 +1419,7 @@
           <a:p>
             <a:fld id="{D512FCAD-8E72-4490-9D67-FF3ADE8F49C3}" type="datetimeFigureOut">
               <a:rPr lang="ko-KR" altLang="en-US" smtClean="0"/>
-              <a:t>2021-07-13</a:t>
+              <a:t>2021-07-14</a:t>
             </a:fld>
             <a:endParaRPr lang="ko-KR" altLang="en-US"/>
           </a:p>
@@ -1828,7 +1831,7 @@
           <a:p>
             <a:fld id="{D512FCAD-8E72-4490-9D67-FF3ADE8F49C3}" type="datetimeFigureOut">
               <a:rPr lang="ko-KR" altLang="en-US" smtClean="0"/>
-              <a:t>2021-07-13</a:t>
+              <a:t>2021-07-14</a:t>
             </a:fld>
             <a:endParaRPr lang="ko-KR" altLang="en-US"/>
           </a:p>
@@ -1969,7 +1972,7 @@
           <a:p>
             <a:fld id="{D512FCAD-8E72-4490-9D67-FF3ADE8F49C3}" type="datetimeFigureOut">
               <a:rPr lang="ko-KR" altLang="en-US" smtClean="0"/>
-              <a:t>2021-07-13</a:t>
+              <a:t>2021-07-14</a:t>
             </a:fld>
             <a:endParaRPr lang="ko-KR" altLang="en-US"/>
           </a:p>
@@ -2082,7 +2085,7 @@
           <a:p>
             <a:fld id="{D512FCAD-8E72-4490-9D67-FF3ADE8F49C3}" type="datetimeFigureOut">
               <a:rPr lang="ko-KR" altLang="en-US" smtClean="0"/>
-              <a:t>2021-07-13</a:t>
+              <a:t>2021-07-14</a:t>
             </a:fld>
             <a:endParaRPr lang="ko-KR" altLang="en-US"/>
           </a:p>
@@ -2393,7 +2396,7 @@
           <a:p>
             <a:fld id="{D512FCAD-8E72-4490-9D67-FF3ADE8F49C3}" type="datetimeFigureOut">
               <a:rPr lang="ko-KR" altLang="en-US" smtClean="0"/>
-              <a:t>2021-07-13</a:t>
+              <a:t>2021-07-14</a:t>
             </a:fld>
             <a:endParaRPr lang="ko-KR" altLang="en-US"/>
           </a:p>
@@ -2681,7 +2684,7 @@
           <a:p>
             <a:fld id="{D512FCAD-8E72-4490-9D67-FF3ADE8F49C3}" type="datetimeFigureOut">
               <a:rPr lang="ko-KR" altLang="en-US" smtClean="0"/>
-              <a:t>2021-07-13</a:t>
+              <a:t>2021-07-14</a:t>
             </a:fld>
             <a:endParaRPr lang="ko-KR" altLang="en-US"/>
           </a:p>
@@ -2922,7 +2925,7 @@
           <a:p>
             <a:fld id="{D512FCAD-8E72-4490-9D67-FF3ADE8F49C3}" type="datetimeFigureOut">
               <a:rPr lang="ko-KR" altLang="en-US" smtClean="0"/>
-              <a:t>2021-07-13</a:t>
+              <a:t>2021-07-14</a:t>
             </a:fld>
             <a:endParaRPr lang="ko-KR" altLang="en-US"/>
           </a:p>
@@ -3435,7 +3438,7 @@
           <p:cNvPr id="2" name="제목 1">
             <a:extLst>
               <a:ext uri="{FF2B5EF4-FFF2-40B4-BE49-F238E27FC236}">
-                <a16:creationId xmlns:a16="http://schemas.microsoft.com/office/drawing/2014/main" id="{3687D5C3-FD77-409D-9E6F-3374E84F699D}"/>
+                <a16:creationId xmlns:a16="http://schemas.microsoft.com/office/drawing/2014/main" id="{C9F286B6-A08B-49AC-9405-78E923D3A4A3}"/>
               </a:ext>
             </a:extLst>
           </p:cNvPr>
@@ -3452,8 +3455,8 @@
           <a:lstStyle/>
           <a:p>
             <a:r>
-              <a:rPr lang="ko-KR" altLang="en-US" dirty="0" err="1"/>
-              <a:t>플젝</a:t>
+              <a:rPr lang="en-US" altLang="ko-KR" dirty="0"/>
+              <a:t>Twilio</a:t>
             </a:r>
             <a:endParaRPr lang="ko-KR" altLang="en-US" dirty="0"/>
           </a:p>
@@ -3464,7 +3467,7 @@
           <p:cNvPr id="3" name="내용 개체 틀 2">
             <a:extLst>
               <a:ext uri="{FF2B5EF4-FFF2-40B4-BE49-F238E27FC236}">
-                <a16:creationId xmlns:a16="http://schemas.microsoft.com/office/drawing/2014/main" id="{C902EAF9-939B-428D-963F-55B6FDD18900}"/>
+                <a16:creationId xmlns:a16="http://schemas.microsoft.com/office/drawing/2014/main" id="{53BE17FE-E9A9-4400-BD08-A873042DCD2F}"/>
               </a:ext>
             </a:extLst>
           </p:cNvPr>
@@ -3480,18 +3483,49 @@
           <a:bodyPr/>
           <a:lstStyle/>
           <a:p>
-            <a:r>
-              <a:rPr lang="ko-KR" altLang="en-US" dirty="0" err="1"/>
-              <a:t>플젝</a:t>
-            </a:r>
-            <a:endParaRPr lang="ko-KR" altLang="en-US" dirty="0"/>
+            <a:pPr marL="514350" indent="-514350">
+              <a:buAutoNum type="arabicPeriod"/>
+            </a:pPr>
+            <a:r>
+              <a:rPr lang="ko-KR" altLang="en-US" dirty="0"/>
+              <a:t>회원가입</a:t>
+            </a:r>
+            <a:endParaRPr lang="en-US" altLang="ko-KR" dirty="0"/>
+          </a:p>
+          <a:p>
+            <a:pPr marL="514350" indent="-514350">
+              <a:buAutoNum type="arabicPeriod"/>
+            </a:pPr>
+            <a:r>
+              <a:rPr lang="en-US" altLang="ko-KR" dirty="0"/>
+              <a:t>SID/Token </a:t>
+            </a:r>
+            <a:r>
+              <a:rPr lang="ko-KR" altLang="en-US" dirty="0"/>
+              <a:t>확인</a:t>
+            </a:r>
+            <a:endParaRPr lang="en-US" altLang="ko-KR" dirty="0"/>
+          </a:p>
+          <a:p>
+            <a:pPr marL="514350" indent="-514350">
+              <a:buAutoNum type="arabicPeriod"/>
+            </a:pPr>
+            <a:r>
+              <a:rPr lang="en-US" altLang="ko-KR" dirty="0"/>
+              <a:t>Test </a:t>
+            </a:r>
+            <a:r>
+              <a:rPr lang="ko-KR" altLang="en-US" dirty="0"/>
+              <a:t>번호 확인</a:t>
+            </a:r>
+            <a:endParaRPr lang="en-US" altLang="ko-KR" dirty="0"/>
           </a:p>
         </p:txBody>
       </p:sp>
     </p:spTree>
     <p:extLst>
       <p:ext uri="{BB962C8B-B14F-4D97-AF65-F5344CB8AC3E}">
-        <p14:creationId xmlns:p14="http://schemas.microsoft.com/office/powerpoint/2010/main" val="1119241358"/>
+        <p14:creationId xmlns:p14="http://schemas.microsoft.com/office/powerpoint/2010/main" val="2209386221"/>
       </p:ext>
     </p:extLst>
   </p:cSld>
@@ -3520,10 +3554,38 @@
       </p:grpSpPr>
       <p:sp>
         <p:nvSpPr>
+          <p:cNvPr id="2" name="제목 1">
+            <a:extLst>
+              <a:ext uri="{FF2B5EF4-FFF2-40B4-BE49-F238E27FC236}">
+                <a16:creationId xmlns:a16="http://schemas.microsoft.com/office/drawing/2014/main" id="{3687D5C3-FD77-409D-9E6F-3374E84F699D}"/>
+              </a:ext>
+            </a:extLst>
+          </p:cNvPr>
+          <p:cNvSpPr>
+            <a:spLocks noGrp="1"/>
+          </p:cNvSpPr>
+          <p:nvPr>
+            <p:ph type="title"/>
+          </p:nvPr>
+        </p:nvSpPr>
+        <p:spPr/>
+        <p:txBody>
+          <a:bodyPr/>
+          <a:lstStyle/>
+          <a:p>
+            <a:r>
+              <a:rPr lang="ko-KR" altLang="en-US" dirty="0"/>
+              <a:t>코드 설정</a:t>
+            </a:r>
+          </a:p>
+        </p:txBody>
+      </p:sp>
+      <p:sp>
+        <p:nvSpPr>
           <p:cNvPr id="3" name="내용 개체 틀 2">
             <a:extLst>
               <a:ext uri="{FF2B5EF4-FFF2-40B4-BE49-F238E27FC236}">
-                <a16:creationId xmlns:a16="http://schemas.microsoft.com/office/drawing/2014/main" id="{22F8BF99-86A7-4E52-A26A-6BFCF5077DAF}"/>
+                <a16:creationId xmlns:a16="http://schemas.microsoft.com/office/drawing/2014/main" id="{C902EAF9-939B-428D-963F-55B6FDD18900}"/>
               </a:ext>
             </a:extLst>
           </p:cNvPr>
@@ -3539,38 +3601,77 @@
           <a:bodyPr/>
           <a:lstStyle/>
           <a:p>
-            <a:endParaRPr lang="ko-KR" altLang="en-US" dirty="0"/>
-          </a:p>
-        </p:txBody>
-      </p:sp>
-      <p:sp>
-        <p:nvSpPr>
-          <p:cNvPr id="4" name="TextBox 3">
-            <a:extLst>
-              <a:ext uri="{FF2B5EF4-FFF2-40B4-BE49-F238E27FC236}">
-                <a16:creationId xmlns:a16="http://schemas.microsoft.com/office/drawing/2014/main" id="{0F13BCDC-2742-45C0-83A9-0D94BAECB3FC}"/>
-              </a:ext>
-            </a:extLst>
-          </p:cNvPr>
-          <p:cNvSpPr txBox="1"/>
-          <p:nvPr/>
-        </p:nvSpPr>
-        <p:spPr>
-          <a:xfrm>
-            <a:off x="115410" y="221942"/>
-            <a:ext cx="1979720" cy="459095"/>
-          </a:xfrm>
-          <a:prstGeom prst="rect">
-            <a:avLst/>
-          </a:prstGeom>
-          <a:noFill/>
-        </p:spPr>
-        <p:txBody>
-          <a:bodyPr wrap="square" rtlCol="0">
-            <a:spAutoFit/>
-          </a:bodyPr>
-          <a:lstStyle/>
-          <a:p>
+            <a:pPr marL="514350" indent="-514350">
+              <a:buAutoNum type="arabicPeriod"/>
+            </a:pPr>
+            <a:r>
+              <a:rPr lang="en-US" altLang="ko-KR" dirty="0"/>
+              <a:t>Pip install </a:t>
+            </a:r>
+            <a:r>
+              <a:rPr lang="en-US" altLang="ko-KR" dirty="0" err="1"/>
+              <a:t>twilio</a:t>
+            </a:r>
+            <a:r>
+              <a:rPr lang="en-US" altLang="ko-KR" dirty="0"/>
+              <a:t> </a:t>
+            </a:r>
+            <a:r>
+              <a:rPr lang="ko-KR" altLang="en-US" dirty="0"/>
+              <a:t>모듈 설치</a:t>
+            </a:r>
+            <a:endParaRPr lang="en-US" altLang="ko-KR" dirty="0"/>
+          </a:p>
+          <a:p>
+            <a:pPr marL="514350" indent="-514350">
+              <a:buAutoNum type="arabicPeriod"/>
+            </a:pPr>
+            <a:r>
+              <a:rPr lang="en-US" altLang="ko-KR" dirty="0"/>
+              <a:t>Vim SMS-alert.py </a:t>
+            </a:r>
+            <a:r>
+              <a:rPr lang="ko-KR" altLang="en-US" dirty="0"/>
+              <a:t>코딩 파일 편집</a:t>
+            </a:r>
+            <a:endParaRPr lang="en-US" altLang="ko-KR" dirty="0"/>
+          </a:p>
+          <a:p>
+            <a:pPr marL="514350" indent="-514350">
+              <a:buAutoNum type="arabicPeriod"/>
+            </a:pPr>
+            <a:r>
+              <a:rPr lang="ko-KR" altLang="en-US" dirty="0"/>
+              <a:t>코드 입력</a:t>
+            </a:r>
+            <a:endParaRPr lang="en-US" altLang="ko-KR" dirty="0"/>
+          </a:p>
+          <a:p>
+            <a:pPr marL="514350" indent="-514350">
+              <a:buAutoNum type="arabicPeriod"/>
+            </a:pPr>
+            <a:r>
+              <a:rPr lang="en-US" altLang="ko-KR" dirty="0"/>
+              <a:t>Python</a:t>
+            </a:r>
+            <a:r>
+              <a:rPr lang="ko-KR" altLang="en-US" dirty="0"/>
+              <a:t> </a:t>
+            </a:r>
+            <a:r>
+              <a:rPr lang="en-US" altLang="ko-KR" dirty="0"/>
+              <a:t>sms-alert.py</a:t>
+            </a:r>
+            <a:r>
+              <a:rPr lang="ko-KR" altLang="en-US" dirty="0"/>
+              <a:t>로 테스트 실행</a:t>
+            </a:r>
+            <a:endParaRPr lang="en-US" altLang="ko-KR" dirty="0"/>
+          </a:p>
+          <a:p>
+            <a:pPr marL="514350" indent="-514350">
+              <a:buAutoNum type="arabicPeriod"/>
+            </a:pPr>
             <a:endParaRPr lang="ko-KR" altLang="en-US" dirty="0"/>
           </a:p>
         </p:txBody>
@@ -3578,7 +3679,387 @@
     </p:spTree>
     <p:extLst>
       <p:ext uri="{BB962C8B-B14F-4D97-AF65-F5344CB8AC3E}">
-        <p14:creationId xmlns:p14="http://schemas.microsoft.com/office/powerpoint/2010/main" val="815994153"/>
+        <p14:creationId xmlns:p14="http://schemas.microsoft.com/office/powerpoint/2010/main" val="1119241358"/>
+      </p:ext>
+    </p:extLst>
+  </p:cSld>
+  <p:clrMapOvr>
+    <a:masterClrMapping/>
+  </p:clrMapOvr>
+</p:sld>
+</file>
+
+<file path=ppt/slides/slide4.xml><?xml version="1.0" encoding="utf-8"?>
+<p:sld xmlns:a="http://schemas.openxmlformats.org/drawingml/2006/main" xmlns:r="http://schemas.openxmlformats.org/officeDocument/2006/relationships" xmlns:p="http://schemas.openxmlformats.org/presentationml/2006/main">
+  <p:cSld>
+    <p:spTree>
+      <p:nvGrpSpPr>
+        <p:cNvPr id="1" name=""/>
+        <p:cNvGrpSpPr/>
+        <p:nvPr/>
+      </p:nvGrpSpPr>
+      <p:grpSpPr>
+        <a:xfrm>
+          <a:off x="0" y="0"/>
+          <a:ext cx="0" cy="0"/>
+          <a:chOff x="0" y="0"/>
+          <a:chExt cx="0" cy="0"/>
+        </a:xfrm>
+      </p:grpSpPr>
+      <p:sp>
+        <p:nvSpPr>
+          <p:cNvPr id="2" name="제목 1">
+            <a:extLst>
+              <a:ext uri="{FF2B5EF4-FFF2-40B4-BE49-F238E27FC236}">
+                <a16:creationId xmlns:a16="http://schemas.microsoft.com/office/drawing/2014/main" id="{3687D5C3-FD77-409D-9E6F-3374E84F699D}"/>
+              </a:ext>
+            </a:extLst>
+          </p:cNvPr>
+          <p:cNvSpPr>
+            <a:spLocks noGrp="1"/>
+          </p:cNvSpPr>
+          <p:nvPr>
+            <p:ph type="title"/>
+          </p:nvPr>
+        </p:nvSpPr>
+        <p:spPr/>
+        <p:txBody>
+          <a:bodyPr/>
+          <a:lstStyle/>
+          <a:p>
+            <a:r>
+              <a:rPr lang="en-US" altLang="ko-KR" dirty="0"/>
+              <a:t>DVWA </a:t>
+            </a:r>
+            <a:r>
+              <a:rPr lang="ko-KR" altLang="en-US" dirty="0"/>
+              <a:t>설정</a:t>
+            </a:r>
+          </a:p>
+        </p:txBody>
+      </p:sp>
+      <p:sp>
+        <p:nvSpPr>
+          <p:cNvPr id="3" name="내용 개체 틀 2">
+            <a:extLst>
+              <a:ext uri="{FF2B5EF4-FFF2-40B4-BE49-F238E27FC236}">
+                <a16:creationId xmlns:a16="http://schemas.microsoft.com/office/drawing/2014/main" id="{C902EAF9-939B-428D-963F-55B6FDD18900}"/>
+              </a:ext>
+            </a:extLst>
+          </p:cNvPr>
+          <p:cNvSpPr>
+            <a:spLocks noGrp="1"/>
+          </p:cNvSpPr>
+          <p:nvPr>
+            <p:ph idx="1"/>
+          </p:nvPr>
+        </p:nvSpPr>
+        <p:spPr/>
+        <p:txBody>
+          <a:bodyPr/>
+          <a:lstStyle/>
+          <a:p>
+            <a:pPr marL="514350" indent="-514350">
+              <a:buAutoNum type="arabicPeriod"/>
+            </a:pPr>
+            <a:r>
+              <a:rPr lang="en-US" altLang="ko-KR" dirty="0"/>
+              <a:t>Pip install </a:t>
+            </a:r>
+            <a:r>
+              <a:rPr lang="en-US" altLang="ko-KR" dirty="0" err="1"/>
+              <a:t>twilio</a:t>
+            </a:r>
+            <a:r>
+              <a:rPr lang="en-US" altLang="ko-KR" dirty="0"/>
+              <a:t> </a:t>
+            </a:r>
+            <a:r>
+              <a:rPr lang="ko-KR" altLang="en-US" dirty="0"/>
+              <a:t>모듈 설치</a:t>
+            </a:r>
+            <a:endParaRPr lang="en-US" altLang="ko-KR" dirty="0"/>
+          </a:p>
+          <a:p>
+            <a:pPr marL="514350" indent="-514350">
+              <a:buAutoNum type="arabicPeriod"/>
+            </a:pPr>
+            <a:r>
+              <a:rPr lang="en-US" altLang="ko-KR" dirty="0"/>
+              <a:t>Vim SMS-alert.py </a:t>
+            </a:r>
+            <a:r>
+              <a:rPr lang="ko-KR" altLang="en-US" dirty="0"/>
+              <a:t>코딩 파일 편집</a:t>
+            </a:r>
+            <a:endParaRPr lang="en-US" altLang="ko-KR" dirty="0"/>
+          </a:p>
+          <a:p>
+            <a:pPr marL="514350" indent="-514350">
+              <a:buAutoNum type="arabicPeriod"/>
+            </a:pPr>
+            <a:r>
+              <a:rPr lang="ko-KR" altLang="en-US" dirty="0"/>
+              <a:t>코드 입력</a:t>
+            </a:r>
+            <a:endParaRPr lang="en-US" altLang="ko-KR" dirty="0"/>
+          </a:p>
+          <a:p>
+            <a:pPr marL="514350" indent="-514350">
+              <a:buAutoNum type="arabicPeriod"/>
+            </a:pPr>
+            <a:r>
+              <a:rPr lang="en-US" altLang="ko-KR" dirty="0"/>
+              <a:t>Python</a:t>
+            </a:r>
+            <a:r>
+              <a:rPr lang="ko-KR" altLang="en-US" dirty="0"/>
+              <a:t> </a:t>
+            </a:r>
+            <a:r>
+              <a:rPr lang="en-US" altLang="ko-KR" dirty="0"/>
+              <a:t>sms-alert.py</a:t>
+            </a:r>
+            <a:r>
+              <a:rPr lang="ko-KR" altLang="en-US" dirty="0"/>
+              <a:t>로 테스트 실행</a:t>
+            </a:r>
+            <a:endParaRPr lang="en-US" altLang="ko-KR" dirty="0"/>
+          </a:p>
+          <a:p>
+            <a:pPr marL="514350" indent="-514350">
+              <a:buAutoNum type="arabicPeriod"/>
+            </a:pPr>
+            <a:endParaRPr lang="ko-KR" altLang="en-US" dirty="0"/>
+          </a:p>
+        </p:txBody>
+      </p:sp>
+    </p:spTree>
+    <p:extLst>
+      <p:ext uri="{BB962C8B-B14F-4D97-AF65-F5344CB8AC3E}">
+        <p14:creationId xmlns:p14="http://schemas.microsoft.com/office/powerpoint/2010/main" val="253706828"/>
+      </p:ext>
+    </p:extLst>
+  </p:cSld>
+  <p:clrMapOvr>
+    <a:masterClrMapping/>
+  </p:clrMapOvr>
+</p:sld>
+</file>
+
+<file path=ppt/slides/slide5.xml><?xml version="1.0" encoding="utf-8"?>
+<p:sld xmlns:a="http://schemas.openxmlformats.org/drawingml/2006/main" xmlns:r="http://schemas.openxmlformats.org/officeDocument/2006/relationships" xmlns:p="http://schemas.openxmlformats.org/presentationml/2006/main">
+  <p:cSld>
+    <p:spTree>
+      <p:nvGrpSpPr>
+        <p:cNvPr id="1" name=""/>
+        <p:cNvGrpSpPr/>
+        <p:nvPr/>
+      </p:nvGrpSpPr>
+      <p:grpSpPr>
+        <a:xfrm>
+          <a:off x="0" y="0"/>
+          <a:ext cx="0" cy="0"/>
+          <a:chOff x="0" y="0"/>
+          <a:chExt cx="0" cy="0"/>
+        </a:xfrm>
+      </p:grpSpPr>
+      <p:sp>
+        <p:nvSpPr>
+          <p:cNvPr id="2" name="제목 1">
+            <a:extLst>
+              <a:ext uri="{FF2B5EF4-FFF2-40B4-BE49-F238E27FC236}">
+                <a16:creationId xmlns:a16="http://schemas.microsoft.com/office/drawing/2014/main" id="{3687D5C3-FD77-409D-9E6F-3374E84F699D}"/>
+              </a:ext>
+            </a:extLst>
+          </p:cNvPr>
+          <p:cNvSpPr>
+            <a:spLocks noGrp="1"/>
+          </p:cNvSpPr>
+          <p:nvPr>
+            <p:ph type="title"/>
+          </p:nvPr>
+        </p:nvSpPr>
+        <p:spPr/>
+        <p:txBody>
+          <a:bodyPr/>
+          <a:lstStyle/>
+          <a:p>
+            <a:r>
+              <a:rPr lang="ko-KR" altLang="en-US" dirty="0"/>
+              <a:t>로그 분석</a:t>
+            </a:r>
+          </a:p>
+        </p:txBody>
+      </p:sp>
+      <p:sp>
+        <p:nvSpPr>
+          <p:cNvPr id="3" name="내용 개체 틀 2">
+            <a:extLst>
+              <a:ext uri="{FF2B5EF4-FFF2-40B4-BE49-F238E27FC236}">
+                <a16:creationId xmlns:a16="http://schemas.microsoft.com/office/drawing/2014/main" id="{C902EAF9-939B-428D-963F-55B6FDD18900}"/>
+              </a:ext>
+            </a:extLst>
+          </p:cNvPr>
+          <p:cNvSpPr>
+            <a:spLocks noGrp="1"/>
+          </p:cNvSpPr>
+          <p:nvPr>
+            <p:ph idx="1"/>
+          </p:nvPr>
+        </p:nvSpPr>
+        <p:spPr/>
+        <p:txBody>
+          <a:bodyPr/>
+          <a:lstStyle/>
+          <a:p>
+            <a:pPr marL="514350" indent="-514350">
+              <a:buAutoNum type="arabicPeriod"/>
+            </a:pPr>
+            <a:r>
+              <a:rPr lang="en-US" altLang="ko-KR" dirty="0"/>
+              <a:t>Log</a:t>
+            </a:r>
+            <a:r>
+              <a:rPr lang="ko-KR" altLang="en-US" dirty="0"/>
+              <a:t>를 </a:t>
+            </a:r>
+            <a:r>
+              <a:rPr lang="en-US" altLang="ko-KR" dirty="0"/>
+              <a:t>diff </a:t>
+            </a:r>
+            <a:r>
+              <a:rPr lang="ko-KR" altLang="en-US" dirty="0"/>
+              <a:t>명령어로 비교하고 저장</a:t>
+            </a:r>
+            <a:r>
+              <a:rPr lang="en-US" altLang="ko-KR" dirty="0"/>
+              <a:t>.</a:t>
+            </a:r>
+          </a:p>
+          <a:p>
+            <a:pPr marL="514350" indent="-514350">
+              <a:buAutoNum type="arabicPeriod"/>
+            </a:pPr>
+            <a:r>
+              <a:rPr lang="ko-KR" altLang="en-US" dirty="0"/>
+              <a:t>저장된 </a:t>
+            </a:r>
+            <a:r>
+              <a:rPr lang="en-US" altLang="ko-KR" dirty="0"/>
+              <a:t>txt </a:t>
+            </a:r>
+            <a:r>
+              <a:rPr lang="ko-KR" altLang="en-US" dirty="0"/>
+              <a:t>파일을 </a:t>
+            </a:r>
+            <a:r>
+              <a:rPr lang="ko-KR" altLang="en-US" dirty="0" err="1"/>
+              <a:t>파이썬으로</a:t>
+            </a:r>
+            <a:r>
+              <a:rPr lang="ko-KR" altLang="en-US" dirty="0"/>
+              <a:t> 로딩 후 실행</a:t>
+            </a:r>
+            <a:endParaRPr lang="en-US" altLang="ko-KR" dirty="0"/>
+          </a:p>
+        </p:txBody>
+      </p:sp>
+    </p:spTree>
+    <p:extLst>
+      <p:ext uri="{BB962C8B-B14F-4D97-AF65-F5344CB8AC3E}">
+        <p14:creationId xmlns:p14="http://schemas.microsoft.com/office/powerpoint/2010/main" val="1820252798"/>
+      </p:ext>
+    </p:extLst>
+  </p:cSld>
+  <p:clrMapOvr>
+    <a:masterClrMapping/>
+  </p:clrMapOvr>
+</p:sld>
+</file>
+
+<file path=ppt/slides/slide6.xml><?xml version="1.0" encoding="utf-8"?>
+<p:sld xmlns:a="http://schemas.openxmlformats.org/drawingml/2006/main" xmlns:r="http://schemas.openxmlformats.org/officeDocument/2006/relationships" xmlns:p="http://schemas.openxmlformats.org/presentationml/2006/main">
+  <p:cSld>
+    <p:spTree>
+      <p:nvGrpSpPr>
+        <p:cNvPr id="1" name=""/>
+        <p:cNvGrpSpPr/>
+        <p:nvPr/>
+      </p:nvGrpSpPr>
+      <p:grpSpPr>
+        <a:xfrm>
+          <a:off x="0" y="0"/>
+          <a:ext cx="0" cy="0"/>
+          <a:chOff x="0" y="0"/>
+          <a:chExt cx="0" cy="0"/>
+        </a:xfrm>
+      </p:grpSpPr>
+      <p:sp>
+        <p:nvSpPr>
+          <p:cNvPr id="2" name="제목 1">
+            <a:extLst>
+              <a:ext uri="{FF2B5EF4-FFF2-40B4-BE49-F238E27FC236}">
+                <a16:creationId xmlns:a16="http://schemas.microsoft.com/office/drawing/2014/main" id="{BB7EB0AD-9381-4400-B254-479995C13447}"/>
+              </a:ext>
+            </a:extLst>
+          </p:cNvPr>
+          <p:cNvSpPr>
+            <a:spLocks noGrp="1"/>
+          </p:cNvSpPr>
+          <p:nvPr>
+            <p:ph type="title"/>
+          </p:nvPr>
+        </p:nvSpPr>
+        <p:spPr/>
+        <p:txBody>
+          <a:bodyPr/>
+          <a:lstStyle/>
+          <a:p>
+            <a:r>
+              <a:rPr lang="en-US" altLang="ko-KR" dirty="0" err="1"/>
+              <a:t>Crond</a:t>
+            </a:r>
+            <a:r>
+              <a:rPr lang="en-US" altLang="ko-KR" dirty="0"/>
+              <a:t> </a:t>
+            </a:r>
+            <a:r>
+              <a:rPr lang="ko-KR" altLang="en-US" dirty="0"/>
+              <a:t>설정</a:t>
+            </a:r>
+          </a:p>
+        </p:txBody>
+      </p:sp>
+      <p:sp>
+        <p:nvSpPr>
+          <p:cNvPr id="3" name="내용 개체 틀 2">
+            <a:extLst>
+              <a:ext uri="{FF2B5EF4-FFF2-40B4-BE49-F238E27FC236}">
+                <a16:creationId xmlns:a16="http://schemas.microsoft.com/office/drawing/2014/main" id="{35A683FC-3F38-408E-99DF-1E2E10C3AF31}"/>
+              </a:ext>
+            </a:extLst>
+          </p:cNvPr>
+          <p:cNvSpPr>
+            <a:spLocks noGrp="1"/>
+          </p:cNvSpPr>
+          <p:nvPr>
+            <p:ph idx="1"/>
+          </p:nvPr>
+        </p:nvSpPr>
+        <p:spPr/>
+        <p:txBody>
+          <a:bodyPr/>
+          <a:lstStyle/>
+          <a:p>
+            <a:endParaRPr lang="ko-KR" altLang="en-US" dirty="0"/>
+          </a:p>
+        </p:txBody>
+      </p:sp>
+    </p:spTree>
+    <p:extLst>
+      <p:ext uri="{BB962C8B-B14F-4D97-AF65-F5344CB8AC3E}">
+        <p14:creationId xmlns:p14="http://schemas.microsoft.com/office/powerpoint/2010/main" val="3301335121"/>
       </p:ext>
     </p:extLst>
   </p:cSld>

--- a/semi_projects/보안탐지 및 SMS 알람/snort 프로젝트.pptx
+++ b/semi_projects/보안탐지 및 SMS 알람/snort 프로젝트.pptx
@@ -2,15 +2,24 @@
 <file path=ppt/presentation.xml><?xml version="1.0" encoding="utf-8"?>
 <p:presentation xmlns:a="http://schemas.openxmlformats.org/drawingml/2006/main" xmlns:r="http://schemas.openxmlformats.org/officeDocument/2006/relationships" xmlns:p="http://schemas.openxmlformats.org/presentationml/2006/main" saveSubsetFonts="1">
   <p:sldMasterIdLst>
-    <p:sldMasterId id="2147483648" r:id="rId1"/>
+    <p:sldMasterId id="2147483779" r:id="rId1"/>
   </p:sldMasterIdLst>
   <p:sldIdLst>
     <p:sldId id="256" r:id="rId2"/>
-    <p:sldId id="259" r:id="rId3"/>
-    <p:sldId id="257" r:id="rId4"/>
-    <p:sldId id="260" r:id="rId5"/>
-    <p:sldId id="261" r:id="rId6"/>
-    <p:sldId id="262" r:id="rId7"/>
+    <p:sldId id="263" r:id="rId3"/>
+    <p:sldId id="264" r:id="rId4"/>
+    <p:sldId id="265" r:id="rId5"/>
+    <p:sldId id="266" r:id="rId6"/>
+    <p:sldId id="259" r:id="rId7"/>
+    <p:sldId id="267" r:id="rId8"/>
+    <p:sldId id="257" r:id="rId9"/>
+    <p:sldId id="269" r:id="rId10"/>
+    <p:sldId id="271" r:id="rId11"/>
+    <p:sldId id="270" r:id="rId12"/>
+    <p:sldId id="272" r:id="rId13"/>
+    <p:sldId id="273" r:id="rId14"/>
+    <p:sldId id="275" r:id="rId15"/>
+    <p:sldId id="274" r:id="rId16"/>
   </p:sldIdLst>
   <p:sldSz cx="12192000" cy="6858000"/>
   <p:notesSz cx="6858000" cy="9144000"/>
@@ -112,7 +121,7 @@
   <p:extLst>
     <p:ext uri="{EFAFB233-063F-42B5-8137-9DF3F51BA10A}">
       <p15:sldGuideLst xmlns:p15="http://schemas.microsoft.com/office/powerpoint/2012/main">
-        <p15:guide id="1" orient="horz" pos="2160" userDrawn="1">
+        <p15:guide id="1" orient="horz" pos="2137" userDrawn="1">
           <p15:clr>
             <a:srgbClr val="A4A3A4"/>
           </p15:clr>
@@ -150,7 +159,7 @@
           <p:cNvPr id="2" name="제목 1">
             <a:extLst>
               <a:ext uri="{FF2B5EF4-FFF2-40B4-BE49-F238E27FC236}">
-                <a16:creationId xmlns:a16="http://schemas.microsoft.com/office/drawing/2014/main" id="{942B4F53-7244-48BF-B554-3093D9EB2665}"/>
+                <a16:creationId xmlns:a16="http://schemas.microsoft.com/office/drawing/2014/main" id="{E009B910-B472-4689-85A4-7514D8E710A2}"/>
               </a:ext>
             </a:extLst>
           </p:cNvPr>
@@ -187,7 +196,7 @@
           <p:cNvPr id="3" name="부제목 2">
             <a:extLst>
               <a:ext uri="{FF2B5EF4-FFF2-40B4-BE49-F238E27FC236}">
-                <a16:creationId xmlns:a16="http://schemas.microsoft.com/office/drawing/2014/main" id="{94E6036A-08AB-4124-AAD9-BFF5075E312B}"/>
+                <a16:creationId xmlns:a16="http://schemas.microsoft.com/office/drawing/2014/main" id="{351E8427-5B21-4555-B46D-68FDCDB66E1E}"/>
               </a:ext>
             </a:extLst>
           </p:cNvPr>
@@ -257,7 +266,7 @@
           <p:cNvPr id="4" name="날짜 개체 틀 3">
             <a:extLst>
               <a:ext uri="{FF2B5EF4-FFF2-40B4-BE49-F238E27FC236}">
-                <a16:creationId xmlns:a16="http://schemas.microsoft.com/office/drawing/2014/main" id="{C152A814-8058-40B5-BD79-6B1B5E192615}"/>
+                <a16:creationId xmlns:a16="http://schemas.microsoft.com/office/drawing/2014/main" id="{E20A9ECC-24D9-42BE-95C9-5C9215A1460C}"/>
               </a:ext>
             </a:extLst>
           </p:cNvPr>
@@ -275,7 +284,7 @@
           <a:p>
             <a:fld id="{D512FCAD-8E72-4490-9D67-FF3ADE8F49C3}" type="datetimeFigureOut">
               <a:rPr lang="ko-KR" altLang="en-US" smtClean="0"/>
-              <a:t>2021-07-14</a:t>
+              <a:t>2021-07-15</a:t>
             </a:fld>
             <a:endParaRPr lang="ko-KR" altLang="en-US"/>
           </a:p>
@@ -286,7 +295,7 @@
           <p:cNvPr id="5" name="바닥글 개체 틀 4">
             <a:extLst>
               <a:ext uri="{FF2B5EF4-FFF2-40B4-BE49-F238E27FC236}">
-                <a16:creationId xmlns:a16="http://schemas.microsoft.com/office/drawing/2014/main" id="{F52C8EDD-E9F8-4B5B-9F2D-6027438AA2D1}"/>
+                <a16:creationId xmlns:a16="http://schemas.microsoft.com/office/drawing/2014/main" id="{E5E135C8-9679-4535-823F-0216E0BECA95}"/>
               </a:ext>
             </a:extLst>
           </p:cNvPr>
@@ -311,7 +320,7 @@
           <p:cNvPr id="6" name="슬라이드 번호 개체 틀 5">
             <a:extLst>
               <a:ext uri="{FF2B5EF4-FFF2-40B4-BE49-F238E27FC236}">
-                <a16:creationId xmlns:a16="http://schemas.microsoft.com/office/drawing/2014/main" id="{A6098A38-5C58-41D2-8B15-8F8190CAAD93}"/>
+                <a16:creationId xmlns:a16="http://schemas.microsoft.com/office/drawing/2014/main" id="{1BA44CB5-4837-46E0-A8DC-750183DCF60E}"/>
               </a:ext>
             </a:extLst>
           </p:cNvPr>
@@ -338,7 +347,7 @@
     </p:spTree>
     <p:extLst>
       <p:ext uri="{BB962C8B-B14F-4D97-AF65-F5344CB8AC3E}">
-        <p14:creationId xmlns:p14="http://schemas.microsoft.com/office/powerpoint/2010/main" val="2906269401"/>
+        <p14:creationId xmlns:p14="http://schemas.microsoft.com/office/powerpoint/2010/main" val="2519253028"/>
       </p:ext>
     </p:extLst>
   </p:cSld>
@@ -370,7 +379,7 @@
           <p:cNvPr id="2" name="제목 1">
             <a:extLst>
               <a:ext uri="{FF2B5EF4-FFF2-40B4-BE49-F238E27FC236}">
-                <a16:creationId xmlns:a16="http://schemas.microsoft.com/office/drawing/2014/main" id="{B08D67ED-EA34-4699-90BE-737234C41881}"/>
+                <a16:creationId xmlns:a16="http://schemas.microsoft.com/office/drawing/2014/main" id="{47548B5C-59D8-4F3A-9A99-4287F438F3A1}"/>
               </a:ext>
             </a:extLst>
           </p:cNvPr>
@@ -398,7 +407,7 @@
           <p:cNvPr id="3" name="세로 텍스트 개체 틀 2">
             <a:extLst>
               <a:ext uri="{FF2B5EF4-FFF2-40B4-BE49-F238E27FC236}">
-                <a16:creationId xmlns:a16="http://schemas.microsoft.com/office/drawing/2014/main" id="{E0BB2136-27F1-4371-A039-3CA439A44E5C}"/>
+                <a16:creationId xmlns:a16="http://schemas.microsoft.com/office/drawing/2014/main" id="{2C02FA9D-C140-49D7-9791-990E904DD67A}"/>
               </a:ext>
             </a:extLst>
           </p:cNvPr>
@@ -455,7 +464,7 @@
           <p:cNvPr id="4" name="날짜 개체 틀 3">
             <a:extLst>
               <a:ext uri="{FF2B5EF4-FFF2-40B4-BE49-F238E27FC236}">
-                <a16:creationId xmlns:a16="http://schemas.microsoft.com/office/drawing/2014/main" id="{57DC18C6-CD15-4A8D-8007-F822A425428B}"/>
+                <a16:creationId xmlns:a16="http://schemas.microsoft.com/office/drawing/2014/main" id="{E0B1A887-EFAF-4107-A07A-17B5A7424E76}"/>
               </a:ext>
             </a:extLst>
           </p:cNvPr>
@@ -473,7 +482,7 @@
           <a:p>
             <a:fld id="{D512FCAD-8E72-4490-9D67-FF3ADE8F49C3}" type="datetimeFigureOut">
               <a:rPr lang="ko-KR" altLang="en-US" smtClean="0"/>
-              <a:t>2021-07-14</a:t>
+              <a:t>2021-07-15</a:t>
             </a:fld>
             <a:endParaRPr lang="ko-KR" altLang="en-US"/>
           </a:p>
@@ -484,7 +493,7 @@
           <p:cNvPr id="5" name="바닥글 개체 틀 4">
             <a:extLst>
               <a:ext uri="{FF2B5EF4-FFF2-40B4-BE49-F238E27FC236}">
-                <a16:creationId xmlns:a16="http://schemas.microsoft.com/office/drawing/2014/main" id="{AC15B2A7-A69B-4EAA-B45D-F4994A152124}"/>
+                <a16:creationId xmlns:a16="http://schemas.microsoft.com/office/drawing/2014/main" id="{9D17A852-EF4F-459E-90B9-AF1CC67E4B22}"/>
               </a:ext>
             </a:extLst>
           </p:cNvPr>
@@ -509,7 +518,7 @@
           <p:cNvPr id="6" name="슬라이드 번호 개체 틀 5">
             <a:extLst>
               <a:ext uri="{FF2B5EF4-FFF2-40B4-BE49-F238E27FC236}">
-                <a16:creationId xmlns:a16="http://schemas.microsoft.com/office/drawing/2014/main" id="{24EF2A75-5BDF-473B-9FD0-4340598E1D51}"/>
+                <a16:creationId xmlns:a16="http://schemas.microsoft.com/office/drawing/2014/main" id="{B29CDCE9-DA69-4D4D-BE08-4FD752B51E57}"/>
               </a:ext>
             </a:extLst>
           </p:cNvPr>
@@ -536,7 +545,7 @@
     </p:spTree>
     <p:extLst>
       <p:ext uri="{BB962C8B-B14F-4D97-AF65-F5344CB8AC3E}">
-        <p14:creationId xmlns:p14="http://schemas.microsoft.com/office/powerpoint/2010/main" val="3199092398"/>
+        <p14:creationId xmlns:p14="http://schemas.microsoft.com/office/powerpoint/2010/main" val="3439146063"/>
       </p:ext>
     </p:extLst>
   </p:cSld>
@@ -568,7 +577,7 @@
           <p:cNvPr id="2" name="세로 제목 1">
             <a:extLst>
               <a:ext uri="{FF2B5EF4-FFF2-40B4-BE49-F238E27FC236}">
-                <a16:creationId xmlns:a16="http://schemas.microsoft.com/office/drawing/2014/main" id="{310B9B16-F636-4CA1-A825-5A06D000FCA6}"/>
+                <a16:creationId xmlns:a16="http://schemas.microsoft.com/office/drawing/2014/main" id="{AAD59966-0BCF-498D-810B-19C1F9A37113}"/>
               </a:ext>
             </a:extLst>
           </p:cNvPr>
@@ -601,7 +610,7 @@
           <p:cNvPr id="3" name="세로 텍스트 개체 틀 2">
             <a:extLst>
               <a:ext uri="{FF2B5EF4-FFF2-40B4-BE49-F238E27FC236}">
-                <a16:creationId xmlns:a16="http://schemas.microsoft.com/office/drawing/2014/main" id="{B85D8C3F-663F-4FCF-B18A-08D7E2EE3142}"/>
+                <a16:creationId xmlns:a16="http://schemas.microsoft.com/office/drawing/2014/main" id="{4501F4E3-3306-4445-B29B-27997623D3C7}"/>
               </a:ext>
             </a:extLst>
           </p:cNvPr>
@@ -663,7 +672,7 @@
           <p:cNvPr id="4" name="날짜 개체 틀 3">
             <a:extLst>
               <a:ext uri="{FF2B5EF4-FFF2-40B4-BE49-F238E27FC236}">
-                <a16:creationId xmlns:a16="http://schemas.microsoft.com/office/drawing/2014/main" id="{77F108EC-4E96-407E-9E5E-81A72B7FFAF3}"/>
+                <a16:creationId xmlns:a16="http://schemas.microsoft.com/office/drawing/2014/main" id="{33E97007-2E66-4B01-A113-E5247D8BE4D3}"/>
               </a:ext>
             </a:extLst>
           </p:cNvPr>
@@ -681,7 +690,7 @@
           <a:p>
             <a:fld id="{D512FCAD-8E72-4490-9D67-FF3ADE8F49C3}" type="datetimeFigureOut">
               <a:rPr lang="ko-KR" altLang="en-US" smtClean="0"/>
-              <a:t>2021-07-14</a:t>
+              <a:t>2021-07-15</a:t>
             </a:fld>
             <a:endParaRPr lang="ko-KR" altLang="en-US"/>
           </a:p>
@@ -692,7 +701,7 @@
           <p:cNvPr id="5" name="바닥글 개체 틀 4">
             <a:extLst>
               <a:ext uri="{FF2B5EF4-FFF2-40B4-BE49-F238E27FC236}">
-                <a16:creationId xmlns:a16="http://schemas.microsoft.com/office/drawing/2014/main" id="{2B62E8BE-E32B-490D-8DC5-4BA3AD22F3AE}"/>
+                <a16:creationId xmlns:a16="http://schemas.microsoft.com/office/drawing/2014/main" id="{D6CF559B-A733-4BD2-B3E4-9AE5DC044353}"/>
               </a:ext>
             </a:extLst>
           </p:cNvPr>
@@ -717,7 +726,7 @@
           <p:cNvPr id="6" name="슬라이드 번호 개체 틀 5">
             <a:extLst>
               <a:ext uri="{FF2B5EF4-FFF2-40B4-BE49-F238E27FC236}">
-                <a16:creationId xmlns:a16="http://schemas.microsoft.com/office/drawing/2014/main" id="{B7738E53-2EF0-417D-980B-07798F4E8A79}"/>
+                <a16:creationId xmlns:a16="http://schemas.microsoft.com/office/drawing/2014/main" id="{F7C086AD-B134-472E-8954-4DE7B60870EC}"/>
               </a:ext>
             </a:extLst>
           </p:cNvPr>
@@ -744,7 +753,7 @@
     </p:spTree>
     <p:extLst>
       <p:ext uri="{BB962C8B-B14F-4D97-AF65-F5344CB8AC3E}">
-        <p14:creationId xmlns:p14="http://schemas.microsoft.com/office/powerpoint/2010/main" val="2112295555"/>
+        <p14:creationId xmlns:p14="http://schemas.microsoft.com/office/powerpoint/2010/main" val="4052786939"/>
       </p:ext>
     </p:extLst>
   </p:cSld>
@@ -776,7 +785,7 @@
           <p:cNvPr id="2" name="제목 1">
             <a:extLst>
               <a:ext uri="{FF2B5EF4-FFF2-40B4-BE49-F238E27FC236}">
-                <a16:creationId xmlns:a16="http://schemas.microsoft.com/office/drawing/2014/main" id="{DBD9DEE8-D529-4DD2-9D6C-F737BF28A0D4}"/>
+                <a16:creationId xmlns:a16="http://schemas.microsoft.com/office/drawing/2014/main" id="{74574C90-3BCA-43A2-9F83-06735ADF9CA2}"/>
               </a:ext>
             </a:extLst>
           </p:cNvPr>
@@ -804,7 +813,7 @@
           <p:cNvPr id="3" name="내용 개체 틀 2">
             <a:extLst>
               <a:ext uri="{FF2B5EF4-FFF2-40B4-BE49-F238E27FC236}">
-                <a16:creationId xmlns:a16="http://schemas.microsoft.com/office/drawing/2014/main" id="{DFEF1B23-43A1-48CF-AAB8-ECB87C93CB18}"/>
+                <a16:creationId xmlns:a16="http://schemas.microsoft.com/office/drawing/2014/main" id="{06EF1518-AFBC-4574-8C89-1B1C2B1EE95C}"/>
               </a:ext>
             </a:extLst>
           </p:cNvPr>
@@ -861,7 +870,7 @@
           <p:cNvPr id="4" name="날짜 개체 틀 3">
             <a:extLst>
               <a:ext uri="{FF2B5EF4-FFF2-40B4-BE49-F238E27FC236}">
-                <a16:creationId xmlns:a16="http://schemas.microsoft.com/office/drawing/2014/main" id="{C16CC2DC-F2A9-407E-8719-635F7B0A7CA9}"/>
+                <a16:creationId xmlns:a16="http://schemas.microsoft.com/office/drawing/2014/main" id="{39D8E291-4852-4A8D-A5CD-C5C8F0225543}"/>
               </a:ext>
             </a:extLst>
           </p:cNvPr>
@@ -879,7 +888,7 @@
           <a:p>
             <a:fld id="{D512FCAD-8E72-4490-9D67-FF3ADE8F49C3}" type="datetimeFigureOut">
               <a:rPr lang="ko-KR" altLang="en-US" smtClean="0"/>
-              <a:t>2021-07-14</a:t>
+              <a:t>2021-07-15</a:t>
             </a:fld>
             <a:endParaRPr lang="ko-KR" altLang="en-US"/>
           </a:p>
@@ -890,7 +899,7 @@
           <p:cNvPr id="5" name="바닥글 개체 틀 4">
             <a:extLst>
               <a:ext uri="{FF2B5EF4-FFF2-40B4-BE49-F238E27FC236}">
-                <a16:creationId xmlns:a16="http://schemas.microsoft.com/office/drawing/2014/main" id="{915EAD70-91E3-4523-AA5F-38C688980D25}"/>
+                <a16:creationId xmlns:a16="http://schemas.microsoft.com/office/drawing/2014/main" id="{1800E7DF-ECC9-4716-AD35-FE34CA20B0B3}"/>
               </a:ext>
             </a:extLst>
           </p:cNvPr>
@@ -915,7 +924,7 @@
           <p:cNvPr id="6" name="슬라이드 번호 개체 틀 5">
             <a:extLst>
               <a:ext uri="{FF2B5EF4-FFF2-40B4-BE49-F238E27FC236}">
-                <a16:creationId xmlns:a16="http://schemas.microsoft.com/office/drawing/2014/main" id="{FF09D0A6-5724-4D71-9269-FEBA202B43AE}"/>
+                <a16:creationId xmlns:a16="http://schemas.microsoft.com/office/drawing/2014/main" id="{35461964-EF1E-48EA-AA55-CD0E88343145}"/>
               </a:ext>
             </a:extLst>
           </p:cNvPr>
@@ -942,7 +951,7 @@
     </p:spTree>
     <p:extLst>
       <p:ext uri="{BB962C8B-B14F-4D97-AF65-F5344CB8AC3E}">
-        <p14:creationId xmlns:p14="http://schemas.microsoft.com/office/powerpoint/2010/main" val="899142323"/>
+        <p14:creationId xmlns:p14="http://schemas.microsoft.com/office/powerpoint/2010/main" val="1051149033"/>
       </p:ext>
     </p:extLst>
   </p:cSld>
@@ -974,7 +983,7 @@
           <p:cNvPr id="2" name="제목 1">
             <a:extLst>
               <a:ext uri="{FF2B5EF4-FFF2-40B4-BE49-F238E27FC236}">
-                <a16:creationId xmlns:a16="http://schemas.microsoft.com/office/drawing/2014/main" id="{9925A417-3B63-4566-8FA7-4EEE7D75FCA5}"/>
+                <a16:creationId xmlns:a16="http://schemas.microsoft.com/office/drawing/2014/main" id="{6910F8D6-E6DD-49F0-93B4-65728470695C}"/>
               </a:ext>
             </a:extLst>
           </p:cNvPr>
@@ -1011,7 +1020,7 @@
           <p:cNvPr id="3" name="텍스트 개체 틀 2">
             <a:extLst>
               <a:ext uri="{FF2B5EF4-FFF2-40B4-BE49-F238E27FC236}">
-                <a16:creationId xmlns:a16="http://schemas.microsoft.com/office/drawing/2014/main" id="{60BF785F-F5BC-46B8-B99C-B13605B5A3B1}"/>
+                <a16:creationId xmlns:a16="http://schemas.microsoft.com/office/drawing/2014/main" id="{77D9660C-FCBA-4A80-A6D9-BF1FC78C6894}"/>
               </a:ext>
             </a:extLst>
           </p:cNvPr>
@@ -1136,7 +1145,7 @@
           <p:cNvPr id="4" name="날짜 개체 틀 3">
             <a:extLst>
               <a:ext uri="{FF2B5EF4-FFF2-40B4-BE49-F238E27FC236}">
-                <a16:creationId xmlns:a16="http://schemas.microsoft.com/office/drawing/2014/main" id="{806A1E82-4A6F-4563-8158-3EE36EDAB6FE}"/>
+                <a16:creationId xmlns:a16="http://schemas.microsoft.com/office/drawing/2014/main" id="{B916C798-8CE4-40A5-BD6B-ACD575BD6D9F}"/>
               </a:ext>
             </a:extLst>
           </p:cNvPr>
@@ -1154,7 +1163,7 @@
           <a:p>
             <a:fld id="{D512FCAD-8E72-4490-9D67-FF3ADE8F49C3}" type="datetimeFigureOut">
               <a:rPr lang="ko-KR" altLang="en-US" smtClean="0"/>
-              <a:t>2021-07-14</a:t>
+              <a:t>2021-07-15</a:t>
             </a:fld>
             <a:endParaRPr lang="ko-KR" altLang="en-US"/>
           </a:p>
@@ -1165,7 +1174,7 @@
           <p:cNvPr id="5" name="바닥글 개체 틀 4">
             <a:extLst>
               <a:ext uri="{FF2B5EF4-FFF2-40B4-BE49-F238E27FC236}">
-                <a16:creationId xmlns:a16="http://schemas.microsoft.com/office/drawing/2014/main" id="{11DCEE2F-E78B-425C-A954-7B493F92DBE7}"/>
+                <a16:creationId xmlns:a16="http://schemas.microsoft.com/office/drawing/2014/main" id="{8DBA6C09-041E-48AA-B088-5819F58BA7C2}"/>
               </a:ext>
             </a:extLst>
           </p:cNvPr>
@@ -1190,7 +1199,7 @@
           <p:cNvPr id="6" name="슬라이드 번호 개체 틀 5">
             <a:extLst>
               <a:ext uri="{FF2B5EF4-FFF2-40B4-BE49-F238E27FC236}">
-                <a16:creationId xmlns:a16="http://schemas.microsoft.com/office/drawing/2014/main" id="{B257877D-B773-4481-B3C4-0A3163617B9F}"/>
+                <a16:creationId xmlns:a16="http://schemas.microsoft.com/office/drawing/2014/main" id="{7D2DFEF5-E2F7-4456-A2A7-F55696D04005}"/>
               </a:ext>
             </a:extLst>
           </p:cNvPr>
@@ -1217,7 +1226,7 @@
     </p:spTree>
     <p:extLst>
       <p:ext uri="{BB962C8B-B14F-4D97-AF65-F5344CB8AC3E}">
-        <p14:creationId xmlns:p14="http://schemas.microsoft.com/office/powerpoint/2010/main" val="3125578421"/>
+        <p14:creationId xmlns:p14="http://schemas.microsoft.com/office/powerpoint/2010/main" val="2151625615"/>
       </p:ext>
     </p:extLst>
   </p:cSld>
@@ -1249,7 +1258,7 @@
           <p:cNvPr id="2" name="제목 1">
             <a:extLst>
               <a:ext uri="{FF2B5EF4-FFF2-40B4-BE49-F238E27FC236}">
-                <a16:creationId xmlns:a16="http://schemas.microsoft.com/office/drawing/2014/main" id="{CC11E56D-B227-4989-BAC7-BC14BC353A12}"/>
+                <a16:creationId xmlns:a16="http://schemas.microsoft.com/office/drawing/2014/main" id="{AE068C03-58F6-4E15-B3FB-BE032AD7E92A}"/>
               </a:ext>
             </a:extLst>
           </p:cNvPr>
@@ -1277,7 +1286,7 @@
           <p:cNvPr id="3" name="내용 개체 틀 2">
             <a:extLst>
               <a:ext uri="{FF2B5EF4-FFF2-40B4-BE49-F238E27FC236}">
-                <a16:creationId xmlns:a16="http://schemas.microsoft.com/office/drawing/2014/main" id="{96056881-1A15-4B7B-8913-23A702115996}"/>
+                <a16:creationId xmlns:a16="http://schemas.microsoft.com/office/drawing/2014/main" id="{FB816CD7-8927-42D5-9120-EF40733C06BD}"/>
               </a:ext>
             </a:extLst>
           </p:cNvPr>
@@ -1339,7 +1348,7 @@
           <p:cNvPr id="4" name="내용 개체 틀 3">
             <a:extLst>
               <a:ext uri="{FF2B5EF4-FFF2-40B4-BE49-F238E27FC236}">
-                <a16:creationId xmlns:a16="http://schemas.microsoft.com/office/drawing/2014/main" id="{BCBD541C-4652-4CBF-A37A-1432199D6B36}"/>
+                <a16:creationId xmlns:a16="http://schemas.microsoft.com/office/drawing/2014/main" id="{50EEA0E5-70C6-4423-89A0-5677D3EFF871}"/>
               </a:ext>
             </a:extLst>
           </p:cNvPr>
@@ -1401,7 +1410,7 @@
           <p:cNvPr id="5" name="날짜 개체 틀 4">
             <a:extLst>
               <a:ext uri="{FF2B5EF4-FFF2-40B4-BE49-F238E27FC236}">
-                <a16:creationId xmlns:a16="http://schemas.microsoft.com/office/drawing/2014/main" id="{33C81185-B740-43B1-89E0-2957D1A054C5}"/>
+                <a16:creationId xmlns:a16="http://schemas.microsoft.com/office/drawing/2014/main" id="{EA89A869-7E1B-41E9-A3F6-18277DC7D679}"/>
               </a:ext>
             </a:extLst>
           </p:cNvPr>
@@ -1419,7 +1428,7 @@
           <a:p>
             <a:fld id="{D512FCAD-8E72-4490-9D67-FF3ADE8F49C3}" type="datetimeFigureOut">
               <a:rPr lang="ko-KR" altLang="en-US" smtClean="0"/>
-              <a:t>2021-07-14</a:t>
+              <a:t>2021-07-15</a:t>
             </a:fld>
             <a:endParaRPr lang="ko-KR" altLang="en-US"/>
           </a:p>
@@ -1430,7 +1439,7 @@
           <p:cNvPr id="6" name="바닥글 개체 틀 5">
             <a:extLst>
               <a:ext uri="{FF2B5EF4-FFF2-40B4-BE49-F238E27FC236}">
-                <a16:creationId xmlns:a16="http://schemas.microsoft.com/office/drawing/2014/main" id="{7038E56F-2124-4569-9E3F-54A8C350D578}"/>
+                <a16:creationId xmlns:a16="http://schemas.microsoft.com/office/drawing/2014/main" id="{5AAAF977-2CC6-4224-B853-CA4756DD7AF3}"/>
               </a:ext>
             </a:extLst>
           </p:cNvPr>
@@ -1455,7 +1464,7 @@
           <p:cNvPr id="7" name="슬라이드 번호 개체 틀 6">
             <a:extLst>
               <a:ext uri="{FF2B5EF4-FFF2-40B4-BE49-F238E27FC236}">
-                <a16:creationId xmlns:a16="http://schemas.microsoft.com/office/drawing/2014/main" id="{98C81D6C-EC8C-4CD5-B9FD-5EB7408AF1AB}"/>
+                <a16:creationId xmlns:a16="http://schemas.microsoft.com/office/drawing/2014/main" id="{C51F6D95-39CA-43E7-A570-12AF88E34860}"/>
               </a:ext>
             </a:extLst>
           </p:cNvPr>
@@ -1482,7 +1491,7 @@
     </p:spTree>
     <p:extLst>
       <p:ext uri="{BB962C8B-B14F-4D97-AF65-F5344CB8AC3E}">
-        <p14:creationId xmlns:p14="http://schemas.microsoft.com/office/powerpoint/2010/main" val="3255227666"/>
+        <p14:creationId xmlns:p14="http://schemas.microsoft.com/office/powerpoint/2010/main" val="1533679349"/>
       </p:ext>
     </p:extLst>
   </p:cSld>
@@ -1514,7 +1523,7 @@
           <p:cNvPr id="2" name="제목 1">
             <a:extLst>
               <a:ext uri="{FF2B5EF4-FFF2-40B4-BE49-F238E27FC236}">
-                <a16:creationId xmlns:a16="http://schemas.microsoft.com/office/drawing/2014/main" id="{738765D2-BC86-442C-B963-C3C527FEC3F8}"/>
+                <a16:creationId xmlns:a16="http://schemas.microsoft.com/office/drawing/2014/main" id="{696D6011-87E4-48F0-98E7-05769482C5CF}"/>
               </a:ext>
             </a:extLst>
           </p:cNvPr>
@@ -1547,7 +1556,7 @@
           <p:cNvPr id="3" name="텍스트 개체 틀 2">
             <a:extLst>
               <a:ext uri="{FF2B5EF4-FFF2-40B4-BE49-F238E27FC236}">
-                <a16:creationId xmlns:a16="http://schemas.microsoft.com/office/drawing/2014/main" id="{55BE5559-0785-4D04-A9B7-100CA1A8136A}"/>
+                <a16:creationId xmlns:a16="http://schemas.microsoft.com/office/drawing/2014/main" id="{B3296A35-CB3A-4770-A4CE-CEBEDD76DD38}"/>
               </a:ext>
             </a:extLst>
           </p:cNvPr>
@@ -1618,7 +1627,7 @@
           <p:cNvPr id="4" name="내용 개체 틀 3">
             <a:extLst>
               <a:ext uri="{FF2B5EF4-FFF2-40B4-BE49-F238E27FC236}">
-                <a16:creationId xmlns:a16="http://schemas.microsoft.com/office/drawing/2014/main" id="{6822CC72-A6B7-41F3-9D2A-A1F31F5C491A}"/>
+                <a16:creationId xmlns:a16="http://schemas.microsoft.com/office/drawing/2014/main" id="{85DE76CC-E72D-4DFB-9B5E-0F72334CB536}"/>
               </a:ext>
             </a:extLst>
           </p:cNvPr>
@@ -1680,7 +1689,7 @@
           <p:cNvPr id="5" name="텍스트 개체 틀 4">
             <a:extLst>
               <a:ext uri="{FF2B5EF4-FFF2-40B4-BE49-F238E27FC236}">
-                <a16:creationId xmlns:a16="http://schemas.microsoft.com/office/drawing/2014/main" id="{A78D4E92-89ED-4760-9F3E-3A0B44B9C899}"/>
+                <a16:creationId xmlns:a16="http://schemas.microsoft.com/office/drawing/2014/main" id="{417B290D-7797-40E2-B860-BD0AD2E2FAF5}"/>
               </a:ext>
             </a:extLst>
           </p:cNvPr>
@@ -1751,7 +1760,7 @@
           <p:cNvPr id="6" name="내용 개체 틀 5">
             <a:extLst>
               <a:ext uri="{FF2B5EF4-FFF2-40B4-BE49-F238E27FC236}">
-                <a16:creationId xmlns:a16="http://schemas.microsoft.com/office/drawing/2014/main" id="{E2B6E101-91DB-4CCF-AB03-D4D92EB10330}"/>
+                <a16:creationId xmlns:a16="http://schemas.microsoft.com/office/drawing/2014/main" id="{94BA181F-14EB-43FC-9BA5-23AB8DED99BA}"/>
               </a:ext>
             </a:extLst>
           </p:cNvPr>
@@ -1813,7 +1822,7 @@
           <p:cNvPr id="7" name="날짜 개체 틀 6">
             <a:extLst>
               <a:ext uri="{FF2B5EF4-FFF2-40B4-BE49-F238E27FC236}">
-                <a16:creationId xmlns:a16="http://schemas.microsoft.com/office/drawing/2014/main" id="{EF0CDE0B-E232-4489-8328-8BF19511451E}"/>
+                <a16:creationId xmlns:a16="http://schemas.microsoft.com/office/drawing/2014/main" id="{ED9D5837-1CF7-419F-AFC3-7191ED87ED8E}"/>
               </a:ext>
             </a:extLst>
           </p:cNvPr>
@@ -1831,7 +1840,7 @@
           <a:p>
             <a:fld id="{D512FCAD-8E72-4490-9D67-FF3ADE8F49C3}" type="datetimeFigureOut">
               <a:rPr lang="ko-KR" altLang="en-US" smtClean="0"/>
-              <a:t>2021-07-14</a:t>
+              <a:t>2021-07-15</a:t>
             </a:fld>
             <a:endParaRPr lang="ko-KR" altLang="en-US"/>
           </a:p>
@@ -1842,7 +1851,7 @@
           <p:cNvPr id="8" name="바닥글 개체 틀 7">
             <a:extLst>
               <a:ext uri="{FF2B5EF4-FFF2-40B4-BE49-F238E27FC236}">
-                <a16:creationId xmlns:a16="http://schemas.microsoft.com/office/drawing/2014/main" id="{1285B764-280E-43DA-AA5B-6B171DABA8C4}"/>
+                <a16:creationId xmlns:a16="http://schemas.microsoft.com/office/drawing/2014/main" id="{7D67E457-8BCC-4943-83BA-A4ADCF38E0C5}"/>
               </a:ext>
             </a:extLst>
           </p:cNvPr>
@@ -1867,7 +1876,7 @@
           <p:cNvPr id="9" name="슬라이드 번호 개체 틀 8">
             <a:extLst>
               <a:ext uri="{FF2B5EF4-FFF2-40B4-BE49-F238E27FC236}">
-                <a16:creationId xmlns:a16="http://schemas.microsoft.com/office/drawing/2014/main" id="{E527B729-1F6B-4F4D-803F-79E14049E693}"/>
+                <a16:creationId xmlns:a16="http://schemas.microsoft.com/office/drawing/2014/main" id="{B015D798-800D-4E8F-AEF0-F7D1649764BE}"/>
               </a:ext>
             </a:extLst>
           </p:cNvPr>
@@ -1894,7 +1903,7 @@
     </p:spTree>
     <p:extLst>
       <p:ext uri="{BB962C8B-B14F-4D97-AF65-F5344CB8AC3E}">
-        <p14:creationId xmlns:p14="http://schemas.microsoft.com/office/powerpoint/2010/main" val="2140139068"/>
+        <p14:creationId xmlns:p14="http://schemas.microsoft.com/office/powerpoint/2010/main" val="1937118633"/>
       </p:ext>
     </p:extLst>
   </p:cSld>
@@ -1926,7 +1935,7 @@
           <p:cNvPr id="2" name="제목 1">
             <a:extLst>
               <a:ext uri="{FF2B5EF4-FFF2-40B4-BE49-F238E27FC236}">
-                <a16:creationId xmlns:a16="http://schemas.microsoft.com/office/drawing/2014/main" id="{D00E312D-3D35-4CDD-8FB4-768CD34319A4}"/>
+                <a16:creationId xmlns:a16="http://schemas.microsoft.com/office/drawing/2014/main" id="{26F83C31-0EDC-4500-8855-B1EE38D37207}"/>
               </a:ext>
             </a:extLst>
           </p:cNvPr>
@@ -1954,7 +1963,7 @@
           <p:cNvPr id="3" name="날짜 개체 틀 2">
             <a:extLst>
               <a:ext uri="{FF2B5EF4-FFF2-40B4-BE49-F238E27FC236}">
-                <a16:creationId xmlns:a16="http://schemas.microsoft.com/office/drawing/2014/main" id="{A59CA2FC-D142-4608-88D9-CC1BB482C3BF}"/>
+                <a16:creationId xmlns:a16="http://schemas.microsoft.com/office/drawing/2014/main" id="{2A940311-EC32-479B-9AAC-A2B0725C7E25}"/>
               </a:ext>
             </a:extLst>
           </p:cNvPr>
@@ -1972,7 +1981,7 @@
           <a:p>
             <a:fld id="{D512FCAD-8E72-4490-9D67-FF3ADE8F49C3}" type="datetimeFigureOut">
               <a:rPr lang="ko-KR" altLang="en-US" smtClean="0"/>
-              <a:t>2021-07-14</a:t>
+              <a:t>2021-07-15</a:t>
             </a:fld>
             <a:endParaRPr lang="ko-KR" altLang="en-US"/>
           </a:p>
@@ -1983,7 +1992,7 @@
           <p:cNvPr id="4" name="바닥글 개체 틀 3">
             <a:extLst>
               <a:ext uri="{FF2B5EF4-FFF2-40B4-BE49-F238E27FC236}">
-                <a16:creationId xmlns:a16="http://schemas.microsoft.com/office/drawing/2014/main" id="{A8008034-8F74-4657-86BF-E1C9DAA7D1C7}"/>
+                <a16:creationId xmlns:a16="http://schemas.microsoft.com/office/drawing/2014/main" id="{952F0F7C-2ADC-4F99-B977-1C69050E4555}"/>
               </a:ext>
             </a:extLst>
           </p:cNvPr>
@@ -2008,7 +2017,7 @@
           <p:cNvPr id="5" name="슬라이드 번호 개체 틀 4">
             <a:extLst>
               <a:ext uri="{FF2B5EF4-FFF2-40B4-BE49-F238E27FC236}">
-                <a16:creationId xmlns:a16="http://schemas.microsoft.com/office/drawing/2014/main" id="{26309BA1-5805-43A6-A3C5-773B937531F3}"/>
+                <a16:creationId xmlns:a16="http://schemas.microsoft.com/office/drawing/2014/main" id="{38F8B9F4-3928-40DD-B458-259B465A039E}"/>
               </a:ext>
             </a:extLst>
           </p:cNvPr>
@@ -2035,7 +2044,7 @@
     </p:spTree>
     <p:extLst>
       <p:ext uri="{BB962C8B-B14F-4D97-AF65-F5344CB8AC3E}">
-        <p14:creationId xmlns:p14="http://schemas.microsoft.com/office/powerpoint/2010/main" val="3223340703"/>
+        <p14:creationId xmlns:p14="http://schemas.microsoft.com/office/powerpoint/2010/main" val="9700929"/>
       </p:ext>
     </p:extLst>
   </p:cSld>
@@ -2067,7 +2076,7 @@
           <p:cNvPr id="2" name="날짜 개체 틀 1">
             <a:extLst>
               <a:ext uri="{FF2B5EF4-FFF2-40B4-BE49-F238E27FC236}">
-                <a16:creationId xmlns:a16="http://schemas.microsoft.com/office/drawing/2014/main" id="{45E8B3E8-B226-43F4-ABEA-C0FEE53BD599}"/>
+                <a16:creationId xmlns:a16="http://schemas.microsoft.com/office/drawing/2014/main" id="{BD629F2C-3C72-4E42-808B-2DD1A5C91F4D}"/>
               </a:ext>
             </a:extLst>
           </p:cNvPr>
@@ -2085,7 +2094,7 @@
           <a:p>
             <a:fld id="{D512FCAD-8E72-4490-9D67-FF3ADE8F49C3}" type="datetimeFigureOut">
               <a:rPr lang="ko-KR" altLang="en-US" smtClean="0"/>
-              <a:t>2021-07-14</a:t>
+              <a:t>2021-07-15</a:t>
             </a:fld>
             <a:endParaRPr lang="ko-KR" altLang="en-US"/>
           </a:p>
@@ -2096,7 +2105,7 @@
           <p:cNvPr id="3" name="바닥글 개체 틀 2">
             <a:extLst>
               <a:ext uri="{FF2B5EF4-FFF2-40B4-BE49-F238E27FC236}">
-                <a16:creationId xmlns:a16="http://schemas.microsoft.com/office/drawing/2014/main" id="{6B58BBBF-F235-45AD-BDD6-2126203548B0}"/>
+                <a16:creationId xmlns:a16="http://schemas.microsoft.com/office/drawing/2014/main" id="{D908B981-33EC-4E45-841E-E367C25BBE63}"/>
               </a:ext>
             </a:extLst>
           </p:cNvPr>
@@ -2121,7 +2130,7 @@
           <p:cNvPr id="4" name="슬라이드 번호 개체 틀 3">
             <a:extLst>
               <a:ext uri="{FF2B5EF4-FFF2-40B4-BE49-F238E27FC236}">
-                <a16:creationId xmlns:a16="http://schemas.microsoft.com/office/drawing/2014/main" id="{58E9583F-3908-4EC9-9154-C088C0BB4AF1}"/>
+                <a16:creationId xmlns:a16="http://schemas.microsoft.com/office/drawing/2014/main" id="{6CB7FC29-31F8-4C07-8D5B-9038F60B7D53}"/>
               </a:ext>
             </a:extLst>
           </p:cNvPr>
@@ -2148,7 +2157,7 @@
     </p:spTree>
     <p:extLst>
       <p:ext uri="{BB962C8B-B14F-4D97-AF65-F5344CB8AC3E}">
-        <p14:creationId xmlns:p14="http://schemas.microsoft.com/office/powerpoint/2010/main" val="1208885395"/>
+        <p14:creationId xmlns:p14="http://schemas.microsoft.com/office/powerpoint/2010/main" val="1305537914"/>
       </p:ext>
     </p:extLst>
   </p:cSld>
@@ -2180,7 +2189,7 @@
           <p:cNvPr id="2" name="제목 1">
             <a:extLst>
               <a:ext uri="{FF2B5EF4-FFF2-40B4-BE49-F238E27FC236}">
-                <a16:creationId xmlns:a16="http://schemas.microsoft.com/office/drawing/2014/main" id="{DA522968-722D-49FF-935E-DEFE073EB969}"/>
+                <a16:creationId xmlns:a16="http://schemas.microsoft.com/office/drawing/2014/main" id="{869BC5AE-EDB8-465B-8D48-BD701D08FD32}"/>
               </a:ext>
             </a:extLst>
           </p:cNvPr>
@@ -2217,7 +2226,7 @@
           <p:cNvPr id="3" name="내용 개체 틀 2">
             <a:extLst>
               <a:ext uri="{FF2B5EF4-FFF2-40B4-BE49-F238E27FC236}">
-                <a16:creationId xmlns:a16="http://schemas.microsoft.com/office/drawing/2014/main" id="{22EC76E0-C760-4441-BE1C-7A6D3E54F6F3}"/>
+                <a16:creationId xmlns:a16="http://schemas.microsoft.com/office/drawing/2014/main" id="{3942298E-7A44-4593-87B4-8529928FA9D4}"/>
               </a:ext>
             </a:extLst>
           </p:cNvPr>
@@ -2307,7 +2316,7 @@
           <p:cNvPr id="4" name="텍스트 개체 틀 3">
             <a:extLst>
               <a:ext uri="{FF2B5EF4-FFF2-40B4-BE49-F238E27FC236}">
-                <a16:creationId xmlns:a16="http://schemas.microsoft.com/office/drawing/2014/main" id="{AC9BC92A-F37D-4020-AE98-33BC0FBA5235}"/>
+                <a16:creationId xmlns:a16="http://schemas.microsoft.com/office/drawing/2014/main" id="{B667004E-D839-41E3-801E-7E398C17732A}"/>
               </a:ext>
             </a:extLst>
           </p:cNvPr>
@@ -2378,7 +2387,7 @@
           <p:cNvPr id="5" name="날짜 개체 틀 4">
             <a:extLst>
               <a:ext uri="{FF2B5EF4-FFF2-40B4-BE49-F238E27FC236}">
-                <a16:creationId xmlns:a16="http://schemas.microsoft.com/office/drawing/2014/main" id="{E0E1B2FD-0890-4E14-959B-DF8B4D73DFB5}"/>
+                <a16:creationId xmlns:a16="http://schemas.microsoft.com/office/drawing/2014/main" id="{F6D8FC1B-C959-4EA6-83AE-5960B4A1E691}"/>
               </a:ext>
             </a:extLst>
           </p:cNvPr>
@@ -2396,7 +2405,7 @@
           <a:p>
             <a:fld id="{D512FCAD-8E72-4490-9D67-FF3ADE8F49C3}" type="datetimeFigureOut">
               <a:rPr lang="ko-KR" altLang="en-US" smtClean="0"/>
-              <a:t>2021-07-14</a:t>
+              <a:t>2021-07-15</a:t>
             </a:fld>
             <a:endParaRPr lang="ko-KR" altLang="en-US"/>
           </a:p>
@@ -2407,7 +2416,7 @@
           <p:cNvPr id="6" name="바닥글 개체 틀 5">
             <a:extLst>
               <a:ext uri="{FF2B5EF4-FFF2-40B4-BE49-F238E27FC236}">
-                <a16:creationId xmlns:a16="http://schemas.microsoft.com/office/drawing/2014/main" id="{2F92B831-D7F4-4DFF-9C60-9BDB7C836073}"/>
+                <a16:creationId xmlns:a16="http://schemas.microsoft.com/office/drawing/2014/main" id="{8B283ACE-7400-4B1F-9104-DE4CCBC10F19}"/>
               </a:ext>
             </a:extLst>
           </p:cNvPr>
@@ -2432,7 +2441,7 @@
           <p:cNvPr id="7" name="슬라이드 번호 개체 틀 6">
             <a:extLst>
               <a:ext uri="{FF2B5EF4-FFF2-40B4-BE49-F238E27FC236}">
-                <a16:creationId xmlns:a16="http://schemas.microsoft.com/office/drawing/2014/main" id="{DBA7C45B-1210-49C0-B250-40F9E0253C4C}"/>
+                <a16:creationId xmlns:a16="http://schemas.microsoft.com/office/drawing/2014/main" id="{1893A9C2-B954-4FD0-94F2-47D2A6577384}"/>
               </a:ext>
             </a:extLst>
           </p:cNvPr>
@@ -2459,7 +2468,7 @@
     </p:spTree>
     <p:extLst>
       <p:ext uri="{BB962C8B-B14F-4D97-AF65-F5344CB8AC3E}">
-        <p14:creationId xmlns:p14="http://schemas.microsoft.com/office/powerpoint/2010/main" val="2703658108"/>
+        <p14:creationId xmlns:p14="http://schemas.microsoft.com/office/powerpoint/2010/main" val="765413183"/>
       </p:ext>
     </p:extLst>
   </p:cSld>
@@ -2491,7 +2500,7 @@
           <p:cNvPr id="2" name="제목 1">
             <a:extLst>
               <a:ext uri="{FF2B5EF4-FFF2-40B4-BE49-F238E27FC236}">
-                <a16:creationId xmlns:a16="http://schemas.microsoft.com/office/drawing/2014/main" id="{9A0D3AFB-0906-4267-A9CB-F9BA996238ED}"/>
+                <a16:creationId xmlns:a16="http://schemas.microsoft.com/office/drawing/2014/main" id="{F249D8CC-9E0E-4A7D-A8BD-6935C2775C69}"/>
               </a:ext>
             </a:extLst>
           </p:cNvPr>
@@ -2528,7 +2537,7 @@
           <p:cNvPr id="3" name="그림 개체 틀 2">
             <a:extLst>
               <a:ext uri="{FF2B5EF4-FFF2-40B4-BE49-F238E27FC236}">
-                <a16:creationId xmlns:a16="http://schemas.microsoft.com/office/drawing/2014/main" id="{0D4428C8-BDBF-4BDB-83EC-04F574739E8D}"/>
+                <a16:creationId xmlns:a16="http://schemas.microsoft.com/office/drawing/2014/main" id="{78527641-DFBB-4479-96D6-0BB009E489CB}"/>
               </a:ext>
             </a:extLst>
           </p:cNvPr>
@@ -2595,7 +2604,7 @@
           <p:cNvPr id="4" name="텍스트 개체 틀 3">
             <a:extLst>
               <a:ext uri="{FF2B5EF4-FFF2-40B4-BE49-F238E27FC236}">
-                <a16:creationId xmlns:a16="http://schemas.microsoft.com/office/drawing/2014/main" id="{76C926DC-A977-4073-AAE1-81B4D1FD9955}"/>
+                <a16:creationId xmlns:a16="http://schemas.microsoft.com/office/drawing/2014/main" id="{A200343B-DDF6-424B-91CB-5FE63D54DC37}"/>
               </a:ext>
             </a:extLst>
           </p:cNvPr>
@@ -2666,7 +2675,7 @@
           <p:cNvPr id="5" name="날짜 개체 틀 4">
             <a:extLst>
               <a:ext uri="{FF2B5EF4-FFF2-40B4-BE49-F238E27FC236}">
-                <a16:creationId xmlns:a16="http://schemas.microsoft.com/office/drawing/2014/main" id="{576ED3F7-0A9C-45D7-9F11-D2996D9DDFF2}"/>
+                <a16:creationId xmlns:a16="http://schemas.microsoft.com/office/drawing/2014/main" id="{F04DA080-C48C-4FD6-8574-76D22A5E2E71}"/>
               </a:ext>
             </a:extLst>
           </p:cNvPr>
@@ -2684,7 +2693,7 @@
           <a:p>
             <a:fld id="{D512FCAD-8E72-4490-9D67-FF3ADE8F49C3}" type="datetimeFigureOut">
               <a:rPr lang="ko-KR" altLang="en-US" smtClean="0"/>
-              <a:t>2021-07-14</a:t>
+              <a:t>2021-07-15</a:t>
             </a:fld>
             <a:endParaRPr lang="ko-KR" altLang="en-US"/>
           </a:p>
@@ -2695,7 +2704,7 @@
           <p:cNvPr id="6" name="바닥글 개체 틀 5">
             <a:extLst>
               <a:ext uri="{FF2B5EF4-FFF2-40B4-BE49-F238E27FC236}">
-                <a16:creationId xmlns:a16="http://schemas.microsoft.com/office/drawing/2014/main" id="{B08E451F-BA0E-4041-B6E6-1C8AF78F84F8}"/>
+                <a16:creationId xmlns:a16="http://schemas.microsoft.com/office/drawing/2014/main" id="{769D597F-6819-48BF-90E9-1920CB451A6B}"/>
               </a:ext>
             </a:extLst>
           </p:cNvPr>
@@ -2720,7 +2729,7 @@
           <p:cNvPr id="7" name="슬라이드 번호 개체 틀 6">
             <a:extLst>
               <a:ext uri="{FF2B5EF4-FFF2-40B4-BE49-F238E27FC236}">
-                <a16:creationId xmlns:a16="http://schemas.microsoft.com/office/drawing/2014/main" id="{5DE258E3-2467-4F75-9AEF-F1867306CB60}"/>
+                <a16:creationId xmlns:a16="http://schemas.microsoft.com/office/drawing/2014/main" id="{D9ADB3E1-4764-4A13-85C8-788FD09E0C57}"/>
               </a:ext>
             </a:extLst>
           </p:cNvPr>
@@ -2747,7 +2756,7 @@
     </p:spTree>
     <p:extLst>
       <p:ext uri="{BB962C8B-B14F-4D97-AF65-F5344CB8AC3E}">
-        <p14:creationId xmlns:p14="http://schemas.microsoft.com/office/powerpoint/2010/main" val="1512179075"/>
+        <p14:creationId xmlns:p14="http://schemas.microsoft.com/office/powerpoint/2010/main" val="3091473428"/>
       </p:ext>
     </p:extLst>
   </p:cSld>
@@ -2784,7 +2793,7 @@
           <p:cNvPr id="2" name="제목 개체 틀 1">
             <a:extLst>
               <a:ext uri="{FF2B5EF4-FFF2-40B4-BE49-F238E27FC236}">
-                <a16:creationId xmlns:a16="http://schemas.microsoft.com/office/drawing/2014/main" id="{B2D1657E-0781-4132-AEE3-850B5EA20347}"/>
+                <a16:creationId xmlns:a16="http://schemas.microsoft.com/office/drawing/2014/main" id="{23A3B182-E6C8-42F1-BF81-990A772CEAD4}"/>
               </a:ext>
             </a:extLst>
           </p:cNvPr>
@@ -2822,7 +2831,7 @@
           <p:cNvPr id="3" name="텍스트 개체 틀 2">
             <a:extLst>
               <a:ext uri="{FF2B5EF4-FFF2-40B4-BE49-F238E27FC236}">
-                <a16:creationId xmlns:a16="http://schemas.microsoft.com/office/drawing/2014/main" id="{DF80D518-283E-4709-8008-4243696F9087}"/>
+                <a16:creationId xmlns:a16="http://schemas.microsoft.com/office/drawing/2014/main" id="{D6BE0D19-6925-4E84-9514-CE45ADFF8D93}"/>
               </a:ext>
             </a:extLst>
           </p:cNvPr>
@@ -2889,7 +2898,7 @@
           <p:cNvPr id="4" name="날짜 개체 틀 3">
             <a:extLst>
               <a:ext uri="{FF2B5EF4-FFF2-40B4-BE49-F238E27FC236}">
-                <a16:creationId xmlns:a16="http://schemas.microsoft.com/office/drawing/2014/main" id="{CDE4F39C-A001-4C06-8D2A-CB39A0F048B5}"/>
+                <a16:creationId xmlns:a16="http://schemas.microsoft.com/office/drawing/2014/main" id="{F347F5D5-D9CD-4A49-84FD-3BB26FA07C77}"/>
               </a:ext>
             </a:extLst>
           </p:cNvPr>
@@ -2925,7 +2934,7 @@
           <a:p>
             <a:fld id="{D512FCAD-8E72-4490-9D67-FF3ADE8F49C3}" type="datetimeFigureOut">
               <a:rPr lang="ko-KR" altLang="en-US" smtClean="0"/>
-              <a:t>2021-07-14</a:t>
+              <a:t>2021-07-15</a:t>
             </a:fld>
             <a:endParaRPr lang="ko-KR" altLang="en-US"/>
           </a:p>
@@ -2936,7 +2945,7 @@
           <p:cNvPr id="5" name="바닥글 개체 틀 4">
             <a:extLst>
               <a:ext uri="{FF2B5EF4-FFF2-40B4-BE49-F238E27FC236}">
-                <a16:creationId xmlns:a16="http://schemas.microsoft.com/office/drawing/2014/main" id="{C06355BB-9038-495E-9EB4-54F8279E09D3}"/>
+                <a16:creationId xmlns:a16="http://schemas.microsoft.com/office/drawing/2014/main" id="{92FED6EB-7EA7-4285-B356-4C49F1F57D26}"/>
               </a:ext>
             </a:extLst>
           </p:cNvPr>
@@ -2979,7 +2988,7 @@
           <p:cNvPr id="6" name="슬라이드 번호 개체 틀 5">
             <a:extLst>
               <a:ext uri="{FF2B5EF4-FFF2-40B4-BE49-F238E27FC236}">
-                <a16:creationId xmlns:a16="http://schemas.microsoft.com/office/drawing/2014/main" id="{22F7B735-2A71-41BD-B76E-64A0C1D455B1}"/>
+                <a16:creationId xmlns:a16="http://schemas.microsoft.com/office/drawing/2014/main" id="{537A5C84-E3CA-4866-863A-F9DD323E5F77}"/>
               </a:ext>
             </a:extLst>
           </p:cNvPr>
@@ -3024,23 +3033,23 @@
     </p:spTree>
     <p:extLst>
       <p:ext uri="{BB962C8B-B14F-4D97-AF65-F5344CB8AC3E}">
-        <p14:creationId xmlns:p14="http://schemas.microsoft.com/office/powerpoint/2010/main" val="2302251519"/>
+        <p14:creationId xmlns:p14="http://schemas.microsoft.com/office/powerpoint/2010/main" val="260580506"/>
       </p:ext>
     </p:extLst>
   </p:cSld>
   <p:clrMap bg1="lt1" tx1="dk1" bg2="lt2" tx2="dk2" accent1="accent1" accent2="accent2" accent3="accent3" accent4="accent4" accent5="accent5" accent6="accent6" hlink="hlink" folHlink="folHlink"/>
   <p:sldLayoutIdLst>
-    <p:sldLayoutId id="2147483649" r:id="rId1"/>
-    <p:sldLayoutId id="2147483650" r:id="rId2"/>
-    <p:sldLayoutId id="2147483651" r:id="rId3"/>
-    <p:sldLayoutId id="2147483652" r:id="rId4"/>
-    <p:sldLayoutId id="2147483653" r:id="rId5"/>
-    <p:sldLayoutId id="2147483654" r:id="rId6"/>
-    <p:sldLayoutId id="2147483655" r:id="rId7"/>
-    <p:sldLayoutId id="2147483656" r:id="rId8"/>
-    <p:sldLayoutId id="2147483657" r:id="rId9"/>
-    <p:sldLayoutId id="2147483658" r:id="rId10"/>
-    <p:sldLayoutId id="2147483659" r:id="rId11"/>
+    <p:sldLayoutId id="2147483780" r:id="rId1"/>
+    <p:sldLayoutId id="2147483781" r:id="rId2"/>
+    <p:sldLayoutId id="2147483782" r:id="rId3"/>
+    <p:sldLayoutId id="2147483783" r:id="rId4"/>
+    <p:sldLayoutId id="2147483784" r:id="rId5"/>
+    <p:sldLayoutId id="2147483785" r:id="rId6"/>
+    <p:sldLayoutId id="2147483786" r:id="rId7"/>
+    <p:sldLayoutId id="2147483787" r:id="rId8"/>
+    <p:sldLayoutId id="2147483788" r:id="rId9"/>
+    <p:sldLayoutId id="2147483789" r:id="rId10"/>
+    <p:sldLayoutId id="2147483790" r:id="rId11"/>
   </p:sldLayoutIdLst>
   <p:txStyles>
     <p:titleStyle>
@@ -3328,6 +3337,14 @@
 <file path=ppt/slides/slide1.xml><?xml version="1.0" encoding="utf-8"?>
 <p:sld xmlns:a="http://schemas.openxmlformats.org/drawingml/2006/main" xmlns:r="http://schemas.openxmlformats.org/officeDocument/2006/relationships" xmlns:p="http://schemas.openxmlformats.org/presentationml/2006/main">
   <p:cSld>
+    <p:bg>
+      <p:bgPr>
+        <a:solidFill>
+          <a:schemeClr val="bg1"/>
+        </a:solidFill>
+        <a:effectLst/>
+      </p:bgPr>
+    </p:bg>
     <p:spTree>
       <p:nvGrpSpPr>
         <p:cNvPr id="1" name=""/>
@@ -3360,7 +3377,7 @@
         </p:nvSpPr>
         <p:spPr/>
         <p:txBody>
-          <a:bodyPr/>
+          <a:bodyPr anchor="ctr"/>
           <a:lstStyle/>
           <a:p>
             <a:r>
@@ -3392,7 +3409,7 @@
         </p:nvSpPr>
         <p:spPr/>
         <p:txBody>
-          <a:bodyPr/>
+          <a:bodyPr anchor="ctr"/>
           <a:lstStyle/>
           <a:p>
             <a:r>
@@ -3407,6 +3424,3144 @@
     <p:extLst>
       <p:ext uri="{BB962C8B-B14F-4D97-AF65-F5344CB8AC3E}">
         <p14:creationId xmlns:p14="http://schemas.microsoft.com/office/powerpoint/2010/main" val="1497036759"/>
+      </p:ext>
+    </p:extLst>
+  </p:cSld>
+  <p:clrMapOvr>
+    <a:masterClrMapping/>
+  </p:clrMapOvr>
+</p:sld>
+</file>
+
+<file path=ppt/slides/slide10.xml><?xml version="1.0" encoding="utf-8"?>
+<p:sld xmlns:a="http://schemas.openxmlformats.org/drawingml/2006/main" xmlns:r="http://schemas.openxmlformats.org/officeDocument/2006/relationships" xmlns:p="http://schemas.openxmlformats.org/presentationml/2006/main">
+  <p:cSld>
+    <p:spTree>
+      <p:nvGrpSpPr>
+        <p:cNvPr id="1" name=""/>
+        <p:cNvGrpSpPr/>
+        <p:nvPr/>
+      </p:nvGrpSpPr>
+      <p:grpSpPr>
+        <a:xfrm>
+          <a:off x="0" y="0"/>
+          <a:ext cx="0" cy="0"/>
+          <a:chOff x="0" y="0"/>
+          <a:chExt cx="0" cy="0"/>
+        </a:xfrm>
+      </p:grpSpPr>
+      <p:sp>
+        <p:nvSpPr>
+          <p:cNvPr id="2" name="제목 1">
+            <a:extLst>
+              <a:ext uri="{FF2B5EF4-FFF2-40B4-BE49-F238E27FC236}">
+                <a16:creationId xmlns:a16="http://schemas.microsoft.com/office/drawing/2014/main" id="{3687D5C3-FD77-409D-9E6F-3374E84F699D}"/>
+              </a:ext>
+            </a:extLst>
+          </p:cNvPr>
+          <p:cNvSpPr>
+            <a:spLocks noGrp="1"/>
+          </p:cNvSpPr>
+          <p:nvPr>
+            <p:ph type="title"/>
+          </p:nvPr>
+        </p:nvSpPr>
+        <p:spPr>
+          <a:xfrm>
+            <a:off x="720000" y="-36000"/>
+            <a:ext cx="10515600" cy="1325563"/>
+          </a:xfrm>
+        </p:spPr>
+        <p:txBody>
+          <a:bodyPr/>
+          <a:lstStyle/>
+          <a:p>
+            <a:r>
+              <a:rPr lang="ko-KR" altLang="en-US" dirty="0"/>
+              <a:t>세부 내용 </a:t>
+            </a:r>
+            <a:r>
+              <a:rPr lang="en-US" altLang="ko-KR" dirty="0"/>
+              <a:t>- </a:t>
+            </a:r>
+            <a:r>
+              <a:rPr lang="ko-KR" altLang="en-US" dirty="0"/>
+              <a:t>코드</a:t>
+            </a:r>
+          </a:p>
+        </p:txBody>
+      </p:sp>
+      <p:sp>
+        <p:nvSpPr>
+          <p:cNvPr id="6" name="내용 개체 틀 2">
+            <a:extLst>
+              <a:ext uri="{FF2B5EF4-FFF2-40B4-BE49-F238E27FC236}">
+                <a16:creationId xmlns:a16="http://schemas.microsoft.com/office/drawing/2014/main" id="{58AF069C-4215-4B61-ADD8-25EDD8602F25}"/>
+              </a:ext>
+            </a:extLst>
+          </p:cNvPr>
+          <p:cNvSpPr txBox="1">
+            <a:spLocks/>
+          </p:cNvSpPr>
+          <p:nvPr/>
+        </p:nvSpPr>
+        <p:spPr>
+          <a:xfrm>
+            <a:off x="6463034" y="5097314"/>
+            <a:ext cx="5166805" cy="1232466"/>
+          </a:xfrm>
+          <a:prstGeom prst="rect">
+            <a:avLst/>
+          </a:prstGeom>
+        </p:spPr>
+        <p:txBody>
+          <a:bodyPr vert="horz" lIns="91440" tIns="45720" rIns="91440" bIns="45720" rtlCol="0">
+            <a:normAutofit fontScale="85000" lnSpcReduction="10000"/>
+          </a:bodyPr>
+          <a:lstStyle>
+            <a:lvl1pPr marL="228600" indent="-228600" algn="l" defTabSz="914400" rtl="0" eaLnBrk="1" latinLnBrk="1" hangingPunct="1">
+              <a:lnSpc>
+                <a:spcPct val="90000"/>
+              </a:lnSpc>
+              <a:spcBef>
+                <a:spcPts val="1000"/>
+              </a:spcBef>
+              <a:buFont typeface="Arial" panose="020B0604020202020204" pitchFamily="34" charset="0"/>
+              <a:buChar char="•"/>
+              <a:defRPr sz="2800" kern="1200">
+                <a:solidFill>
+                  <a:schemeClr val="tx1"/>
+                </a:solidFill>
+                <a:latin typeface="+mn-lt"/>
+                <a:ea typeface="+mn-ea"/>
+                <a:cs typeface="+mn-cs"/>
+              </a:defRPr>
+            </a:lvl1pPr>
+            <a:lvl2pPr marL="685800" indent="-228600" algn="l" defTabSz="914400" rtl="0" eaLnBrk="1" latinLnBrk="1" hangingPunct="1">
+              <a:lnSpc>
+                <a:spcPct val="90000"/>
+              </a:lnSpc>
+              <a:spcBef>
+                <a:spcPts val="500"/>
+              </a:spcBef>
+              <a:buFont typeface="Arial" panose="020B0604020202020204" pitchFamily="34" charset="0"/>
+              <a:buChar char="•"/>
+              <a:defRPr sz="2400" kern="1200">
+                <a:solidFill>
+                  <a:schemeClr val="tx1"/>
+                </a:solidFill>
+                <a:latin typeface="+mn-lt"/>
+                <a:ea typeface="+mn-ea"/>
+                <a:cs typeface="+mn-cs"/>
+              </a:defRPr>
+            </a:lvl2pPr>
+            <a:lvl3pPr marL="1143000" indent="-228600" algn="l" defTabSz="914400" rtl="0" eaLnBrk="1" latinLnBrk="1" hangingPunct="1">
+              <a:lnSpc>
+                <a:spcPct val="90000"/>
+              </a:lnSpc>
+              <a:spcBef>
+                <a:spcPts val="500"/>
+              </a:spcBef>
+              <a:buFont typeface="Arial" panose="020B0604020202020204" pitchFamily="34" charset="0"/>
+              <a:buChar char="•"/>
+              <a:defRPr sz="2000" kern="1200">
+                <a:solidFill>
+                  <a:schemeClr val="tx1"/>
+                </a:solidFill>
+                <a:latin typeface="+mn-lt"/>
+                <a:ea typeface="+mn-ea"/>
+                <a:cs typeface="+mn-cs"/>
+              </a:defRPr>
+            </a:lvl3pPr>
+            <a:lvl4pPr marL="1600200" indent="-228600" algn="l" defTabSz="914400" rtl="0" eaLnBrk="1" latinLnBrk="1" hangingPunct="1">
+              <a:lnSpc>
+                <a:spcPct val="90000"/>
+              </a:lnSpc>
+              <a:spcBef>
+                <a:spcPts val="500"/>
+              </a:spcBef>
+              <a:buFont typeface="Arial" panose="020B0604020202020204" pitchFamily="34" charset="0"/>
+              <a:buChar char="•"/>
+              <a:defRPr sz="1800" kern="1200">
+                <a:solidFill>
+                  <a:schemeClr val="tx1"/>
+                </a:solidFill>
+                <a:latin typeface="+mn-lt"/>
+                <a:ea typeface="+mn-ea"/>
+                <a:cs typeface="+mn-cs"/>
+              </a:defRPr>
+            </a:lvl4pPr>
+            <a:lvl5pPr marL="2057400" indent="-228600" algn="l" defTabSz="914400" rtl="0" eaLnBrk="1" latinLnBrk="1" hangingPunct="1">
+              <a:lnSpc>
+                <a:spcPct val="90000"/>
+              </a:lnSpc>
+              <a:spcBef>
+                <a:spcPts val="500"/>
+              </a:spcBef>
+              <a:buFont typeface="Arial" panose="020B0604020202020204" pitchFamily="34" charset="0"/>
+              <a:buChar char="•"/>
+              <a:defRPr sz="1800" kern="1200">
+                <a:solidFill>
+                  <a:schemeClr val="tx1"/>
+                </a:solidFill>
+                <a:latin typeface="+mn-lt"/>
+                <a:ea typeface="+mn-ea"/>
+                <a:cs typeface="+mn-cs"/>
+              </a:defRPr>
+            </a:lvl5pPr>
+            <a:lvl6pPr marL="2514600" indent="-228600" algn="l" defTabSz="914400" rtl="0" eaLnBrk="1" latinLnBrk="1" hangingPunct="1">
+              <a:lnSpc>
+                <a:spcPct val="90000"/>
+              </a:lnSpc>
+              <a:spcBef>
+                <a:spcPts val="500"/>
+              </a:spcBef>
+              <a:buFont typeface="Arial" panose="020B0604020202020204" pitchFamily="34" charset="0"/>
+              <a:buChar char="•"/>
+              <a:defRPr sz="1800" kern="1200">
+                <a:solidFill>
+                  <a:schemeClr val="tx1"/>
+                </a:solidFill>
+                <a:latin typeface="+mn-lt"/>
+                <a:ea typeface="+mn-ea"/>
+                <a:cs typeface="+mn-cs"/>
+              </a:defRPr>
+            </a:lvl6pPr>
+            <a:lvl7pPr marL="2971800" indent="-228600" algn="l" defTabSz="914400" rtl="0" eaLnBrk="1" latinLnBrk="1" hangingPunct="1">
+              <a:lnSpc>
+                <a:spcPct val="90000"/>
+              </a:lnSpc>
+              <a:spcBef>
+                <a:spcPts val="500"/>
+              </a:spcBef>
+              <a:buFont typeface="Arial" panose="020B0604020202020204" pitchFamily="34" charset="0"/>
+              <a:buChar char="•"/>
+              <a:defRPr sz="1800" kern="1200">
+                <a:solidFill>
+                  <a:schemeClr val="tx1"/>
+                </a:solidFill>
+                <a:latin typeface="+mn-lt"/>
+                <a:ea typeface="+mn-ea"/>
+                <a:cs typeface="+mn-cs"/>
+              </a:defRPr>
+            </a:lvl7pPr>
+            <a:lvl8pPr marL="3429000" indent="-228600" algn="l" defTabSz="914400" rtl="0" eaLnBrk="1" latinLnBrk="1" hangingPunct="1">
+              <a:lnSpc>
+                <a:spcPct val="90000"/>
+              </a:lnSpc>
+              <a:spcBef>
+                <a:spcPts val="500"/>
+              </a:spcBef>
+              <a:buFont typeface="Arial" panose="020B0604020202020204" pitchFamily="34" charset="0"/>
+              <a:buChar char="•"/>
+              <a:defRPr sz="1800" kern="1200">
+                <a:solidFill>
+                  <a:schemeClr val="tx1"/>
+                </a:solidFill>
+                <a:latin typeface="+mn-lt"/>
+                <a:ea typeface="+mn-ea"/>
+                <a:cs typeface="+mn-cs"/>
+              </a:defRPr>
+            </a:lvl8pPr>
+            <a:lvl9pPr marL="3886200" indent="-228600" algn="l" defTabSz="914400" rtl="0" eaLnBrk="1" latinLnBrk="1" hangingPunct="1">
+              <a:lnSpc>
+                <a:spcPct val="90000"/>
+              </a:lnSpc>
+              <a:spcBef>
+                <a:spcPts val="500"/>
+              </a:spcBef>
+              <a:buFont typeface="Arial" panose="020B0604020202020204" pitchFamily="34" charset="0"/>
+              <a:buChar char="•"/>
+              <a:defRPr sz="1800" kern="1200">
+                <a:solidFill>
+                  <a:schemeClr val="tx1"/>
+                </a:solidFill>
+                <a:latin typeface="+mn-lt"/>
+                <a:ea typeface="+mn-ea"/>
+                <a:cs typeface="+mn-cs"/>
+              </a:defRPr>
+            </a:lvl9pPr>
+          </a:lstStyle>
+          <a:p>
+            <a:r>
+              <a:rPr lang="en-US" altLang="ko-KR" dirty="0"/>
+              <a:t>Time </a:t>
+            </a:r>
+            <a:r>
+              <a:rPr lang="ko-KR" altLang="en-US" dirty="0"/>
+              <a:t>파일 생성 후 로그 시간 붙여넣기</a:t>
+            </a:r>
+            <a:endParaRPr lang="en-US" altLang="ko-KR" dirty="0"/>
+          </a:p>
+          <a:p>
+            <a:pPr marL="0" indent="0">
+              <a:buNone/>
+            </a:pPr>
+            <a:r>
+              <a:rPr lang="en-US" altLang="ko-KR" dirty="0"/>
+              <a:t> (log</a:t>
+            </a:r>
+            <a:r>
+              <a:rPr lang="ko-KR" altLang="en-US" dirty="0"/>
+              <a:t>의 내용과 </a:t>
+            </a:r>
+            <a:r>
+              <a:rPr lang="en-US" altLang="ko-KR" dirty="0"/>
+              <a:t>time</a:t>
+            </a:r>
+            <a:r>
+              <a:rPr lang="ko-KR" altLang="en-US" dirty="0"/>
+              <a:t>의 내용을 비교</a:t>
+            </a:r>
+            <a:r>
+              <a:rPr lang="en-US" altLang="ko-KR" dirty="0"/>
+              <a:t>)</a:t>
+            </a:r>
+          </a:p>
+        </p:txBody>
+      </p:sp>
+      <p:pic>
+        <p:nvPicPr>
+          <p:cNvPr id="7" name="그림 6">
+            <a:extLst>
+              <a:ext uri="{FF2B5EF4-FFF2-40B4-BE49-F238E27FC236}">
+                <a16:creationId xmlns:a16="http://schemas.microsoft.com/office/drawing/2014/main" id="{6584E66A-5642-4533-80BD-F7D624DEF682}"/>
+              </a:ext>
+            </a:extLst>
+          </p:cNvPr>
+          <p:cNvPicPr>
+            <a:picLocks noChangeAspect="1"/>
+          </p:cNvPicPr>
+          <p:nvPr/>
+        </p:nvPicPr>
+        <p:blipFill>
+          <a:blip r:embed="rId2"/>
+          <a:stretch>
+            <a:fillRect/>
+          </a:stretch>
+        </p:blipFill>
+        <p:spPr>
+          <a:xfrm>
+            <a:off x="1999601" y="4745881"/>
+            <a:ext cx="2724150" cy="1971675"/>
+          </a:xfrm>
+          <a:prstGeom prst="rect">
+            <a:avLst/>
+          </a:prstGeom>
+          <a:ln>
+            <a:solidFill>
+              <a:schemeClr val="tx1"/>
+            </a:solidFill>
+          </a:ln>
+        </p:spPr>
+      </p:pic>
+      <p:pic>
+        <p:nvPicPr>
+          <p:cNvPr id="8" name="그림 7">
+            <a:extLst>
+              <a:ext uri="{FF2B5EF4-FFF2-40B4-BE49-F238E27FC236}">
+                <a16:creationId xmlns:a16="http://schemas.microsoft.com/office/drawing/2014/main" id="{91B03C98-57EF-4AF3-A7F2-296FEEF68703}"/>
+              </a:ext>
+            </a:extLst>
+          </p:cNvPr>
+          <p:cNvPicPr>
+            <a:picLocks noChangeAspect="1"/>
+          </p:cNvPicPr>
+          <p:nvPr/>
+        </p:nvPicPr>
+        <p:blipFill>
+          <a:blip r:embed="rId3"/>
+          <a:stretch>
+            <a:fillRect/>
+          </a:stretch>
+        </p:blipFill>
+        <p:spPr>
+          <a:xfrm>
+            <a:off x="689914" y="1393054"/>
+            <a:ext cx="5343525" cy="2438400"/>
+          </a:xfrm>
+          <a:prstGeom prst="rect">
+            <a:avLst/>
+          </a:prstGeom>
+          <a:ln>
+            <a:solidFill>
+              <a:schemeClr val="tx1"/>
+            </a:solidFill>
+          </a:ln>
+        </p:spPr>
+      </p:pic>
+      <p:sp>
+        <p:nvSpPr>
+          <p:cNvPr id="9" name="화살표: 아래쪽 8">
+            <a:extLst>
+              <a:ext uri="{FF2B5EF4-FFF2-40B4-BE49-F238E27FC236}">
+                <a16:creationId xmlns:a16="http://schemas.microsoft.com/office/drawing/2014/main" id="{C44C8701-77A3-4BB3-8958-278EC1BBBEAD}"/>
+              </a:ext>
+            </a:extLst>
+          </p:cNvPr>
+          <p:cNvSpPr/>
+          <p:nvPr/>
+        </p:nvSpPr>
+        <p:spPr>
+          <a:xfrm>
+            <a:off x="3095346" y="4023090"/>
+            <a:ext cx="532660" cy="514905"/>
+          </a:xfrm>
+          <a:prstGeom prst="downArrow">
+            <a:avLst/>
+          </a:prstGeom>
+          <a:solidFill>
+            <a:srgbClr val="0069B8"/>
+          </a:solidFill>
+        </p:spPr>
+        <p:style>
+          <a:lnRef idx="2">
+            <a:schemeClr val="accent1">
+              <a:shade val="50000"/>
+            </a:schemeClr>
+          </a:lnRef>
+          <a:fillRef idx="1">
+            <a:schemeClr val="accent1"/>
+          </a:fillRef>
+          <a:effectRef idx="0">
+            <a:schemeClr val="accent1"/>
+          </a:effectRef>
+          <a:fontRef idx="minor">
+            <a:schemeClr val="lt1"/>
+          </a:fontRef>
+        </p:style>
+        <p:txBody>
+          <a:bodyPr rtlCol="0" anchor="ctr"/>
+          <a:lstStyle/>
+          <a:p>
+            <a:pPr algn="ctr"/>
+            <a:endParaRPr lang="ko-KR" altLang="en-US"/>
+          </a:p>
+        </p:txBody>
+      </p:sp>
+      <p:sp>
+        <p:nvSpPr>
+          <p:cNvPr id="10" name="내용 개체 틀 2">
+            <a:extLst>
+              <a:ext uri="{FF2B5EF4-FFF2-40B4-BE49-F238E27FC236}">
+                <a16:creationId xmlns:a16="http://schemas.microsoft.com/office/drawing/2014/main" id="{CEF90079-3D4E-4112-BCBB-B7D34BC940AA}"/>
+              </a:ext>
+            </a:extLst>
+          </p:cNvPr>
+          <p:cNvSpPr txBox="1">
+            <a:spLocks/>
+          </p:cNvSpPr>
+          <p:nvPr/>
+        </p:nvSpPr>
+        <p:spPr>
+          <a:xfrm>
+            <a:off x="6463034" y="1718826"/>
+            <a:ext cx="5166805" cy="1232466"/>
+          </a:xfrm>
+          <a:prstGeom prst="rect">
+            <a:avLst/>
+          </a:prstGeom>
+        </p:spPr>
+        <p:txBody>
+          <a:bodyPr vert="horz" lIns="91440" tIns="45720" rIns="91440" bIns="45720" rtlCol="0">
+            <a:normAutofit/>
+          </a:bodyPr>
+          <a:lstStyle>
+            <a:lvl1pPr marL="228600" indent="-228600" algn="l" defTabSz="914400" rtl="0" eaLnBrk="1" latinLnBrk="1" hangingPunct="1">
+              <a:lnSpc>
+                <a:spcPct val="90000"/>
+              </a:lnSpc>
+              <a:spcBef>
+                <a:spcPts val="1000"/>
+              </a:spcBef>
+              <a:buFont typeface="Arial" panose="020B0604020202020204" pitchFamily="34" charset="0"/>
+              <a:buChar char="•"/>
+              <a:defRPr sz="2800" kern="1200">
+                <a:solidFill>
+                  <a:schemeClr val="tx1"/>
+                </a:solidFill>
+                <a:latin typeface="+mn-lt"/>
+                <a:ea typeface="+mn-ea"/>
+                <a:cs typeface="+mn-cs"/>
+              </a:defRPr>
+            </a:lvl1pPr>
+            <a:lvl2pPr marL="685800" indent="-228600" algn="l" defTabSz="914400" rtl="0" eaLnBrk="1" latinLnBrk="1" hangingPunct="1">
+              <a:lnSpc>
+                <a:spcPct val="90000"/>
+              </a:lnSpc>
+              <a:spcBef>
+                <a:spcPts val="500"/>
+              </a:spcBef>
+              <a:buFont typeface="Arial" panose="020B0604020202020204" pitchFamily="34" charset="0"/>
+              <a:buChar char="•"/>
+              <a:defRPr sz="2400" kern="1200">
+                <a:solidFill>
+                  <a:schemeClr val="tx1"/>
+                </a:solidFill>
+                <a:latin typeface="+mn-lt"/>
+                <a:ea typeface="+mn-ea"/>
+                <a:cs typeface="+mn-cs"/>
+              </a:defRPr>
+            </a:lvl2pPr>
+            <a:lvl3pPr marL="1143000" indent="-228600" algn="l" defTabSz="914400" rtl="0" eaLnBrk="1" latinLnBrk="1" hangingPunct="1">
+              <a:lnSpc>
+                <a:spcPct val="90000"/>
+              </a:lnSpc>
+              <a:spcBef>
+                <a:spcPts val="500"/>
+              </a:spcBef>
+              <a:buFont typeface="Arial" panose="020B0604020202020204" pitchFamily="34" charset="0"/>
+              <a:buChar char="•"/>
+              <a:defRPr sz="2000" kern="1200">
+                <a:solidFill>
+                  <a:schemeClr val="tx1"/>
+                </a:solidFill>
+                <a:latin typeface="+mn-lt"/>
+                <a:ea typeface="+mn-ea"/>
+                <a:cs typeface="+mn-cs"/>
+              </a:defRPr>
+            </a:lvl3pPr>
+            <a:lvl4pPr marL="1600200" indent="-228600" algn="l" defTabSz="914400" rtl="0" eaLnBrk="1" latinLnBrk="1" hangingPunct="1">
+              <a:lnSpc>
+                <a:spcPct val="90000"/>
+              </a:lnSpc>
+              <a:spcBef>
+                <a:spcPts val="500"/>
+              </a:spcBef>
+              <a:buFont typeface="Arial" panose="020B0604020202020204" pitchFamily="34" charset="0"/>
+              <a:buChar char="•"/>
+              <a:defRPr sz="1800" kern="1200">
+                <a:solidFill>
+                  <a:schemeClr val="tx1"/>
+                </a:solidFill>
+                <a:latin typeface="+mn-lt"/>
+                <a:ea typeface="+mn-ea"/>
+                <a:cs typeface="+mn-cs"/>
+              </a:defRPr>
+            </a:lvl4pPr>
+            <a:lvl5pPr marL="2057400" indent="-228600" algn="l" defTabSz="914400" rtl="0" eaLnBrk="1" latinLnBrk="1" hangingPunct="1">
+              <a:lnSpc>
+                <a:spcPct val="90000"/>
+              </a:lnSpc>
+              <a:spcBef>
+                <a:spcPts val="500"/>
+              </a:spcBef>
+              <a:buFont typeface="Arial" panose="020B0604020202020204" pitchFamily="34" charset="0"/>
+              <a:buChar char="•"/>
+              <a:defRPr sz="1800" kern="1200">
+                <a:solidFill>
+                  <a:schemeClr val="tx1"/>
+                </a:solidFill>
+                <a:latin typeface="+mn-lt"/>
+                <a:ea typeface="+mn-ea"/>
+                <a:cs typeface="+mn-cs"/>
+              </a:defRPr>
+            </a:lvl5pPr>
+            <a:lvl6pPr marL="2514600" indent="-228600" algn="l" defTabSz="914400" rtl="0" eaLnBrk="1" latinLnBrk="1" hangingPunct="1">
+              <a:lnSpc>
+                <a:spcPct val="90000"/>
+              </a:lnSpc>
+              <a:spcBef>
+                <a:spcPts val="500"/>
+              </a:spcBef>
+              <a:buFont typeface="Arial" panose="020B0604020202020204" pitchFamily="34" charset="0"/>
+              <a:buChar char="•"/>
+              <a:defRPr sz="1800" kern="1200">
+                <a:solidFill>
+                  <a:schemeClr val="tx1"/>
+                </a:solidFill>
+                <a:latin typeface="+mn-lt"/>
+                <a:ea typeface="+mn-ea"/>
+                <a:cs typeface="+mn-cs"/>
+              </a:defRPr>
+            </a:lvl6pPr>
+            <a:lvl7pPr marL="2971800" indent="-228600" algn="l" defTabSz="914400" rtl="0" eaLnBrk="1" latinLnBrk="1" hangingPunct="1">
+              <a:lnSpc>
+                <a:spcPct val="90000"/>
+              </a:lnSpc>
+              <a:spcBef>
+                <a:spcPts val="500"/>
+              </a:spcBef>
+              <a:buFont typeface="Arial" panose="020B0604020202020204" pitchFamily="34" charset="0"/>
+              <a:buChar char="•"/>
+              <a:defRPr sz="1800" kern="1200">
+                <a:solidFill>
+                  <a:schemeClr val="tx1"/>
+                </a:solidFill>
+                <a:latin typeface="+mn-lt"/>
+                <a:ea typeface="+mn-ea"/>
+                <a:cs typeface="+mn-cs"/>
+              </a:defRPr>
+            </a:lvl7pPr>
+            <a:lvl8pPr marL="3429000" indent="-228600" algn="l" defTabSz="914400" rtl="0" eaLnBrk="1" latinLnBrk="1" hangingPunct="1">
+              <a:lnSpc>
+                <a:spcPct val="90000"/>
+              </a:lnSpc>
+              <a:spcBef>
+                <a:spcPts val="500"/>
+              </a:spcBef>
+              <a:buFont typeface="Arial" panose="020B0604020202020204" pitchFamily="34" charset="0"/>
+              <a:buChar char="•"/>
+              <a:defRPr sz="1800" kern="1200">
+                <a:solidFill>
+                  <a:schemeClr val="tx1"/>
+                </a:solidFill>
+                <a:latin typeface="+mn-lt"/>
+                <a:ea typeface="+mn-ea"/>
+                <a:cs typeface="+mn-cs"/>
+              </a:defRPr>
+            </a:lvl8pPr>
+            <a:lvl9pPr marL="3886200" indent="-228600" algn="l" defTabSz="914400" rtl="0" eaLnBrk="1" latinLnBrk="1" hangingPunct="1">
+              <a:lnSpc>
+                <a:spcPct val="90000"/>
+              </a:lnSpc>
+              <a:spcBef>
+                <a:spcPts val="500"/>
+              </a:spcBef>
+              <a:buFont typeface="Arial" panose="020B0604020202020204" pitchFamily="34" charset="0"/>
+              <a:buChar char="•"/>
+              <a:defRPr sz="1800" kern="1200">
+                <a:solidFill>
+                  <a:schemeClr val="tx1"/>
+                </a:solidFill>
+                <a:latin typeface="+mn-lt"/>
+                <a:ea typeface="+mn-ea"/>
+                <a:cs typeface="+mn-cs"/>
+              </a:defRPr>
+            </a:lvl9pPr>
+          </a:lstStyle>
+          <a:p>
+            <a:r>
+              <a:rPr lang="en-US" altLang="ko-KR" dirty="0"/>
+              <a:t>Snort/alert </a:t>
+            </a:r>
+            <a:r>
+              <a:rPr lang="ko-KR" altLang="en-US" dirty="0"/>
+              <a:t>로그의 </a:t>
+            </a:r>
+            <a:r>
+              <a:rPr lang="en-US" altLang="ko-KR" dirty="0"/>
+              <a:t>time </a:t>
+            </a:r>
+            <a:r>
+              <a:rPr lang="ko-KR" altLang="en-US" dirty="0"/>
+              <a:t>부분 복사</a:t>
+            </a:r>
+            <a:endParaRPr lang="en-US" altLang="ko-KR" dirty="0"/>
+          </a:p>
+        </p:txBody>
+      </p:sp>
+      <p:sp>
+        <p:nvSpPr>
+          <p:cNvPr id="11" name="직사각형 10">
+            <a:extLst>
+              <a:ext uri="{FF2B5EF4-FFF2-40B4-BE49-F238E27FC236}">
+                <a16:creationId xmlns:a16="http://schemas.microsoft.com/office/drawing/2014/main" id="{043B95E2-228C-4FC9-92D3-A0E9C2049956}"/>
+              </a:ext>
+            </a:extLst>
+          </p:cNvPr>
+          <p:cNvSpPr/>
+          <p:nvPr/>
+        </p:nvSpPr>
+        <p:spPr>
+          <a:xfrm>
+            <a:off x="835743" y="1497449"/>
+            <a:ext cx="2369574" cy="311686"/>
+          </a:xfrm>
+          <a:prstGeom prst="rect">
+            <a:avLst/>
+          </a:prstGeom>
+          <a:noFill/>
+          <a:ln w="25400">
+            <a:solidFill>
+              <a:srgbClr val="FF0000"/>
+            </a:solidFill>
+          </a:ln>
+        </p:spPr>
+        <p:style>
+          <a:lnRef idx="2">
+            <a:schemeClr val="accent1">
+              <a:shade val="50000"/>
+            </a:schemeClr>
+          </a:lnRef>
+          <a:fillRef idx="1">
+            <a:schemeClr val="accent1"/>
+          </a:fillRef>
+          <a:effectRef idx="0">
+            <a:schemeClr val="accent1"/>
+          </a:effectRef>
+          <a:fontRef idx="minor">
+            <a:schemeClr val="lt1"/>
+          </a:fontRef>
+        </p:style>
+        <p:txBody>
+          <a:bodyPr rtlCol="0" anchor="ctr"/>
+          <a:lstStyle/>
+          <a:p>
+            <a:pPr algn="ctr"/>
+            <a:endParaRPr lang="ko-KR" altLang="en-US"/>
+          </a:p>
+        </p:txBody>
+      </p:sp>
+      <p:sp>
+        <p:nvSpPr>
+          <p:cNvPr id="12" name="직사각형 11">
+            <a:extLst>
+              <a:ext uri="{FF2B5EF4-FFF2-40B4-BE49-F238E27FC236}">
+                <a16:creationId xmlns:a16="http://schemas.microsoft.com/office/drawing/2014/main" id="{D5436CA7-9FA2-48D4-B150-112CA1025C6B}"/>
+              </a:ext>
+            </a:extLst>
+          </p:cNvPr>
+          <p:cNvSpPr/>
+          <p:nvPr/>
+        </p:nvSpPr>
+        <p:spPr>
+          <a:xfrm>
+            <a:off x="2121952" y="5204708"/>
+            <a:ext cx="2459880" cy="370182"/>
+          </a:xfrm>
+          <a:prstGeom prst="rect">
+            <a:avLst/>
+          </a:prstGeom>
+          <a:noFill/>
+          <a:ln w="25400">
+            <a:solidFill>
+              <a:srgbClr val="FF0000"/>
+            </a:solidFill>
+          </a:ln>
+        </p:spPr>
+        <p:style>
+          <a:lnRef idx="2">
+            <a:schemeClr val="accent1">
+              <a:shade val="50000"/>
+            </a:schemeClr>
+          </a:lnRef>
+          <a:fillRef idx="1">
+            <a:schemeClr val="accent1"/>
+          </a:fillRef>
+          <a:effectRef idx="0">
+            <a:schemeClr val="accent1"/>
+          </a:effectRef>
+          <a:fontRef idx="minor">
+            <a:schemeClr val="lt1"/>
+          </a:fontRef>
+        </p:style>
+        <p:txBody>
+          <a:bodyPr rtlCol="0" anchor="ctr"/>
+          <a:lstStyle/>
+          <a:p>
+            <a:pPr algn="ctr"/>
+            <a:endParaRPr lang="ko-KR" altLang="en-US"/>
+          </a:p>
+        </p:txBody>
+      </p:sp>
+    </p:spTree>
+    <p:extLst>
+      <p:ext uri="{BB962C8B-B14F-4D97-AF65-F5344CB8AC3E}">
+        <p14:creationId xmlns:p14="http://schemas.microsoft.com/office/powerpoint/2010/main" val="2928021254"/>
+      </p:ext>
+    </p:extLst>
+  </p:cSld>
+  <p:clrMapOvr>
+    <a:masterClrMapping/>
+  </p:clrMapOvr>
+</p:sld>
+</file>
+
+<file path=ppt/slides/slide11.xml><?xml version="1.0" encoding="utf-8"?>
+<p:sld xmlns:a="http://schemas.openxmlformats.org/drawingml/2006/main" xmlns:r="http://schemas.openxmlformats.org/officeDocument/2006/relationships" xmlns:p="http://schemas.openxmlformats.org/presentationml/2006/main">
+  <p:cSld>
+    <p:spTree>
+      <p:nvGrpSpPr>
+        <p:cNvPr id="1" name=""/>
+        <p:cNvGrpSpPr/>
+        <p:nvPr/>
+      </p:nvGrpSpPr>
+      <p:grpSpPr>
+        <a:xfrm>
+          <a:off x="0" y="0"/>
+          <a:ext cx="0" cy="0"/>
+          <a:chOff x="0" y="0"/>
+          <a:chExt cx="0" cy="0"/>
+        </a:xfrm>
+      </p:grpSpPr>
+      <p:sp>
+        <p:nvSpPr>
+          <p:cNvPr id="2" name="제목 1">
+            <a:extLst>
+              <a:ext uri="{FF2B5EF4-FFF2-40B4-BE49-F238E27FC236}">
+                <a16:creationId xmlns:a16="http://schemas.microsoft.com/office/drawing/2014/main" id="{3687D5C3-FD77-409D-9E6F-3374E84F699D}"/>
+              </a:ext>
+            </a:extLst>
+          </p:cNvPr>
+          <p:cNvSpPr>
+            <a:spLocks noGrp="1"/>
+          </p:cNvSpPr>
+          <p:nvPr>
+            <p:ph type="title"/>
+          </p:nvPr>
+        </p:nvSpPr>
+        <p:spPr>
+          <a:xfrm>
+            <a:off x="720000" y="-36000"/>
+            <a:ext cx="10515600" cy="1325563"/>
+          </a:xfrm>
+        </p:spPr>
+        <p:txBody>
+          <a:bodyPr/>
+          <a:lstStyle/>
+          <a:p>
+            <a:r>
+              <a:rPr lang="ko-KR" altLang="en-US" dirty="0"/>
+              <a:t>세부 내용 </a:t>
+            </a:r>
+            <a:r>
+              <a:rPr lang="en-US" altLang="ko-KR" dirty="0"/>
+              <a:t>- </a:t>
+            </a:r>
+            <a:r>
+              <a:rPr lang="ko-KR" altLang="en-US" dirty="0"/>
+              <a:t>테스트</a:t>
+            </a:r>
+          </a:p>
+        </p:txBody>
+      </p:sp>
+      <p:sp>
+        <p:nvSpPr>
+          <p:cNvPr id="10" name="내용 개체 틀 2">
+            <a:extLst>
+              <a:ext uri="{FF2B5EF4-FFF2-40B4-BE49-F238E27FC236}">
+                <a16:creationId xmlns:a16="http://schemas.microsoft.com/office/drawing/2014/main" id="{CEF90079-3D4E-4112-BCBB-B7D34BC940AA}"/>
+              </a:ext>
+            </a:extLst>
+          </p:cNvPr>
+          <p:cNvSpPr txBox="1">
+            <a:spLocks/>
+          </p:cNvSpPr>
+          <p:nvPr/>
+        </p:nvSpPr>
+        <p:spPr>
+          <a:xfrm>
+            <a:off x="6463035" y="2032872"/>
+            <a:ext cx="5166805" cy="1232466"/>
+          </a:xfrm>
+          <a:prstGeom prst="rect">
+            <a:avLst/>
+          </a:prstGeom>
+        </p:spPr>
+        <p:txBody>
+          <a:bodyPr vert="horz" lIns="91440" tIns="45720" rIns="91440" bIns="45720" rtlCol="0">
+            <a:normAutofit/>
+          </a:bodyPr>
+          <a:lstStyle>
+            <a:lvl1pPr marL="228600" indent="-228600" algn="l" defTabSz="914400" rtl="0" eaLnBrk="1" latinLnBrk="1" hangingPunct="1">
+              <a:lnSpc>
+                <a:spcPct val="90000"/>
+              </a:lnSpc>
+              <a:spcBef>
+                <a:spcPts val="1000"/>
+              </a:spcBef>
+              <a:buFont typeface="Arial" panose="020B0604020202020204" pitchFamily="34" charset="0"/>
+              <a:buChar char="•"/>
+              <a:defRPr sz="2800" kern="1200">
+                <a:solidFill>
+                  <a:schemeClr val="tx1"/>
+                </a:solidFill>
+                <a:latin typeface="+mn-lt"/>
+                <a:ea typeface="+mn-ea"/>
+                <a:cs typeface="+mn-cs"/>
+              </a:defRPr>
+            </a:lvl1pPr>
+            <a:lvl2pPr marL="685800" indent="-228600" algn="l" defTabSz="914400" rtl="0" eaLnBrk="1" latinLnBrk="1" hangingPunct="1">
+              <a:lnSpc>
+                <a:spcPct val="90000"/>
+              </a:lnSpc>
+              <a:spcBef>
+                <a:spcPts val="500"/>
+              </a:spcBef>
+              <a:buFont typeface="Arial" panose="020B0604020202020204" pitchFamily="34" charset="0"/>
+              <a:buChar char="•"/>
+              <a:defRPr sz="2400" kern="1200">
+                <a:solidFill>
+                  <a:schemeClr val="tx1"/>
+                </a:solidFill>
+                <a:latin typeface="+mn-lt"/>
+                <a:ea typeface="+mn-ea"/>
+                <a:cs typeface="+mn-cs"/>
+              </a:defRPr>
+            </a:lvl2pPr>
+            <a:lvl3pPr marL="1143000" indent="-228600" algn="l" defTabSz="914400" rtl="0" eaLnBrk="1" latinLnBrk="1" hangingPunct="1">
+              <a:lnSpc>
+                <a:spcPct val="90000"/>
+              </a:lnSpc>
+              <a:spcBef>
+                <a:spcPts val="500"/>
+              </a:spcBef>
+              <a:buFont typeface="Arial" panose="020B0604020202020204" pitchFamily="34" charset="0"/>
+              <a:buChar char="•"/>
+              <a:defRPr sz="2000" kern="1200">
+                <a:solidFill>
+                  <a:schemeClr val="tx1"/>
+                </a:solidFill>
+                <a:latin typeface="+mn-lt"/>
+                <a:ea typeface="+mn-ea"/>
+                <a:cs typeface="+mn-cs"/>
+              </a:defRPr>
+            </a:lvl3pPr>
+            <a:lvl4pPr marL="1600200" indent="-228600" algn="l" defTabSz="914400" rtl="0" eaLnBrk="1" latinLnBrk="1" hangingPunct="1">
+              <a:lnSpc>
+                <a:spcPct val="90000"/>
+              </a:lnSpc>
+              <a:spcBef>
+                <a:spcPts val="500"/>
+              </a:spcBef>
+              <a:buFont typeface="Arial" panose="020B0604020202020204" pitchFamily="34" charset="0"/>
+              <a:buChar char="•"/>
+              <a:defRPr sz="1800" kern="1200">
+                <a:solidFill>
+                  <a:schemeClr val="tx1"/>
+                </a:solidFill>
+                <a:latin typeface="+mn-lt"/>
+                <a:ea typeface="+mn-ea"/>
+                <a:cs typeface="+mn-cs"/>
+              </a:defRPr>
+            </a:lvl4pPr>
+            <a:lvl5pPr marL="2057400" indent="-228600" algn="l" defTabSz="914400" rtl="0" eaLnBrk="1" latinLnBrk="1" hangingPunct="1">
+              <a:lnSpc>
+                <a:spcPct val="90000"/>
+              </a:lnSpc>
+              <a:spcBef>
+                <a:spcPts val="500"/>
+              </a:spcBef>
+              <a:buFont typeface="Arial" panose="020B0604020202020204" pitchFamily="34" charset="0"/>
+              <a:buChar char="•"/>
+              <a:defRPr sz="1800" kern="1200">
+                <a:solidFill>
+                  <a:schemeClr val="tx1"/>
+                </a:solidFill>
+                <a:latin typeface="+mn-lt"/>
+                <a:ea typeface="+mn-ea"/>
+                <a:cs typeface="+mn-cs"/>
+              </a:defRPr>
+            </a:lvl5pPr>
+            <a:lvl6pPr marL="2514600" indent="-228600" algn="l" defTabSz="914400" rtl="0" eaLnBrk="1" latinLnBrk="1" hangingPunct="1">
+              <a:lnSpc>
+                <a:spcPct val="90000"/>
+              </a:lnSpc>
+              <a:spcBef>
+                <a:spcPts val="500"/>
+              </a:spcBef>
+              <a:buFont typeface="Arial" panose="020B0604020202020204" pitchFamily="34" charset="0"/>
+              <a:buChar char="•"/>
+              <a:defRPr sz="1800" kern="1200">
+                <a:solidFill>
+                  <a:schemeClr val="tx1"/>
+                </a:solidFill>
+                <a:latin typeface="+mn-lt"/>
+                <a:ea typeface="+mn-ea"/>
+                <a:cs typeface="+mn-cs"/>
+              </a:defRPr>
+            </a:lvl6pPr>
+            <a:lvl7pPr marL="2971800" indent="-228600" algn="l" defTabSz="914400" rtl="0" eaLnBrk="1" latinLnBrk="1" hangingPunct="1">
+              <a:lnSpc>
+                <a:spcPct val="90000"/>
+              </a:lnSpc>
+              <a:spcBef>
+                <a:spcPts val="500"/>
+              </a:spcBef>
+              <a:buFont typeface="Arial" panose="020B0604020202020204" pitchFamily="34" charset="0"/>
+              <a:buChar char="•"/>
+              <a:defRPr sz="1800" kern="1200">
+                <a:solidFill>
+                  <a:schemeClr val="tx1"/>
+                </a:solidFill>
+                <a:latin typeface="+mn-lt"/>
+                <a:ea typeface="+mn-ea"/>
+                <a:cs typeface="+mn-cs"/>
+              </a:defRPr>
+            </a:lvl7pPr>
+            <a:lvl8pPr marL="3429000" indent="-228600" algn="l" defTabSz="914400" rtl="0" eaLnBrk="1" latinLnBrk="1" hangingPunct="1">
+              <a:lnSpc>
+                <a:spcPct val="90000"/>
+              </a:lnSpc>
+              <a:spcBef>
+                <a:spcPts val="500"/>
+              </a:spcBef>
+              <a:buFont typeface="Arial" panose="020B0604020202020204" pitchFamily="34" charset="0"/>
+              <a:buChar char="•"/>
+              <a:defRPr sz="1800" kern="1200">
+                <a:solidFill>
+                  <a:schemeClr val="tx1"/>
+                </a:solidFill>
+                <a:latin typeface="+mn-lt"/>
+                <a:ea typeface="+mn-ea"/>
+                <a:cs typeface="+mn-cs"/>
+              </a:defRPr>
+            </a:lvl8pPr>
+            <a:lvl9pPr marL="3886200" indent="-228600" algn="l" defTabSz="914400" rtl="0" eaLnBrk="1" latinLnBrk="1" hangingPunct="1">
+              <a:lnSpc>
+                <a:spcPct val="90000"/>
+              </a:lnSpc>
+              <a:spcBef>
+                <a:spcPts val="500"/>
+              </a:spcBef>
+              <a:buFont typeface="Arial" panose="020B0604020202020204" pitchFamily="34" charset="0"/>
+              <a:buChar char="•"/>
+              <a:defRPr sz="1800" kern="1200">
+                <a:solidFill>
+                  <a:schemeClr val="tx1"/>
+                </a:solidFill>
+                <a:latin typeface="+mn-lt"/>
+                <a:ea typeface="+mn-ea"/>
+                <a:cs typeface="+mn-cs"/>
+              </a:defRPr>
+            </a:lvl9pPr>
+          </a:lstStyle>
+          <a:p>
+            <a:r>
+              <a:rPr lang="en-US" altLang="ko-KR" dirty="0"/>
+              <a:t>Alert </a:t>
+            </a:r>
+            <a:r>
+              <a:rPr lang="ko-KR" altLang="en-US" dirty="0"/>
+              <a:t>로그와 </a:t>
+            </a:r>
+            <a:r>
+              <a:rPr lang="en-US" altLang="ko-KR" dirty="0"/>
+              <a:t>time </a:t>
+            </a:r>
+            <a:r>
+              <a:rPr lang="ko-KR" altLang="en-US" dirty="0"/>
+              <a:t>의 시간을 다르게 설정</a:t>
+            </a:r>
+            <a:endParaRPr lang="en-US" altLang="ko-KR" dirty="0"/>
+          </a:p>
+        </p:txBody>
+      </p:sp>
+      <p:pic>
+        <p:nvPicPr>
+          <p:cNvPr id="13" name="그림 12">
+            <a:extLst>
+              <a:ext uri="{FF2B5EF4-FFF2-40B4-BE49-F238E27FC236}">
+                <a16:creationId xmlns:a16="http://schemas.microsoft.com/office/drawing/2014/main" id="{D845CD34-0719-45B3-9CB8-847B2B454A8D}"/>
+              </a:ext>
+            </a:extLst>
+          </p:cNvPr>
+          <p:cNvPicPr>
+            <a:picLocks noChangeAspect="1"/>
+          </p:cNvPicPr>
+          <p:nvPr/>
+        </p:nvPicPr>
+        <p:blipFill>
+          <a:blip r:embed="rId2"/>
+          <a:stretch>
+            <a:fillRect/>
+          </a:stretch>
+        </p:blipFill>
+        <p:spPr>
+          <a:xfrm>
+            <a:off x="614042" y="1606118"/>
+            <a:ext cx="5114925" cy="2085975"/>
+          </a:xfrm>
+          <a:prstGeom prst="rect">
+            <a:avLst/>
+          </a:prstGeom>
+          <a:ln>
+            <a:solidFill>
+              <a:schemeClr val="tx1"/>
+            </a:solidFill>
+          </a:ln>
+        </p:spPr>
+      </p:pic>
+      <p:pic>
+        <p:nvPicPr>
+          <p:cNvPr id="14" name="그림 13">
+            <a:extLst>
+              <a:ext uri="{FF2B5EF4-FFF2-40B4-BE49-F238E27FC236}">
+                <a16:creationId xmlns:a16="http://schemas.microsoft.com/office/drawing/2014/main" id="{7B2BD559-0C76-4E31-A168-532D298A4AA8}"/>
+              </a:ext>
+            </a:extLst>
+          </p:cNvPr>
+          <p:cNvPicPr>
+            <a:picLocks noChangeAspect="1"/>
+          </p:cNvPicPr>
+          <p:nvPr/>
+        </p:nvPicPr>
+        <p:blipFill>
+          <a:blip r:embed="rId3"/>
+          <a:stretch>
+            <a:fillRect/>
+          </a:stretch>
+        </p:blipFill>
+        <p:spPr>
+          <a:xfrm>
+            <a:off x="604517" y="4561611"/>
+            <a:ext cx="5124450" cy="371475"/>
+          </a:xfrm>
+          <a:prstGeom prst="rect">
+            <a:avLst/>
+          </a:prstGeom>
+          <a:ln>
+            <a:solidFill>
+              <a:schemeClr val="tx1"/>
+            </a:solidFill>
+          </a:ln>
+        </p:spPr>
+      </p:pic>
+      <p:sp>
+        <p:nvSpPr>
+          <p:cNvPr id="16" name="직사각형 15">
+            <a:extLst>
+              <a:ext uri="{FF2B5EF4-FFF2-40B4-BE49-F238E27FC236}">
+                <a16:creationId xmlns:a16="http://schemas.microsoft.com/office/drawing/2014/main" id="{5F6B1B6D-EC6B-46EC-A691-19A2D3EF8539}"/>
+              </a:ext>
+            </a:extLst>
+          </p:cNvPr>
+          <p:cNvSpPr/>
+          <p:nvPr/>
+        </p:nvSpPr>
+        <p:spPr>
+          <a:xfrm>
+            <a:off x="604516" y="1721186"/>
+            <a:ext cx="2433651" cy="250724"/>
+          </a:xfrm>
+          <a:prstGeom prst="rect">
+            <a:avLst/>
+          </a:prstGeom>
+          <a:noFill/>
+          <a:ln w="25400">
+            <a:solidFill>
+              <a:srgbClr val="FF0000"/>
+            </a:solidFill>
+          </a:ln>
+        </p:spPr>
+        <p:style>
+          <a:lnRef idx="2">
+            <a:schemeClr val="accent1">
+              <a:shade val="50000"/>
+            </a:schemeClr>
+          </a:lnRef>
+          <a:fillRef idx="1">
+            <a:schemeClr val="accent1"/>
+          </a:fillRef>
+          <a:effectRef idx="0">
+            <a:schemeClr val="accent1"/>
+          </a:effectRef>
+          <a:fontRef idx="minor">
+            <a:schemeClr val="lt1"/>
+          </a:fontRef>
+        </p:style>
+        <p:txBody>
+          <a:bodyPr rtlCol="0" anchor="ctr"/>
+          <a:lstStyle/>
+          <a:p>
+            <a:pPr algn="ctr"/>
+            <a:endParaRPr lang="ko-KR" altLang="en-US"/>
+          </a:p>
+        </p:txBody>
+      </p:sp>
+      <p:sp>
+        <p:nvSpPr>
+          <p:cNvPr id="17" name="직사각형 16">
+            <a:extLst>
+              <a:ext uri="{FF2B5EF4-FFF2-40B4-BE49-F238E27FC236}">
+                <a16:creationId xmlns:a16="http://schemas.microsoft.com/office/drawing/2014/main" id="{B28534BD-49D0-4E08-AE83-7BF676DBBEC3}"/>
+              </a:ext>
+            </a:extLst>
+          </p:cNvPr>
+          <p:cNvSpPr/>
+          <p:nvPr/>
+        </p:nvSpPr>
+        <p:spPr>
+          <a:xfrm>
+            <a:off x="604517" y="4660491"/>
+            <a:ext cx="2354993" cy="250724"/>
+          </a:xfrm>
+          <a:prstGeom prst="rect">
+            <a:avLst/>
+          </a:prstGeom>
+          <a:noFill/>
+          <a:ln w="25400">
+            <a:solidFill>
+              <a:srgbClr val="FF0000"/>
+            </a:solidFill>
+          </a:ln>
+        </p:spPr>
+        <p:style>
+          <a:lnRef idx="2">
+            <a:schemeClr val="accent1">
+              <a:shade val="50000"/>
+            </a:schemeClr>
+          </a:lnRef>
+          <a:fillRef idx="1">
+            <a:schemeClr val="accent1"/>
+          </a:fillRef>
+          <a:effectRef idx="0">
+            <a:schemeClr val="accent1"/>
+          </a:effectRef>
+          <a:fontRef idx="minor">
+            <a:schemeClr val="lt1"/>
+          </a:fontRef>
+        </p:style>
+        <p:txBody>
+          <a:bodyPr rtlCol="0" anchor="ctr"/>
+          <a:lstStyle/>
+          <a:p>
+            <a:pPr algn="ctr"/>
+            <a:endParaRPr lang="ko-KR" altLang="en-US"/>
+          </a:p>
+        </p:txBody>
+      </p:sp>
+    </p:spTree>
+    <p:extLst>
+      <p:ext uri="{BB962C8B-B14F-4D97-AF65-F5344CB8AC3E}">
+        <p14:creationId xmlns:p14="http://schemas.microsoft.com/office/powerpoint/2010/main" val="4273060728"/>
+      </p:ext>
+    </p:extLst>
+  </p:cSld>
+  <p:clrMapOvr>
+    <a:masterClrMapping/>
+  </p:clrMapOvr>
+</p:sld>
+</file>
+
+<file path=ppt/slides/slide12.xml><?xml version="1.0" encoding="utf-8"?>
+<p:sld xmlns:a="http://schemas.openxmlformats.org/drawingml/2006/main" xmlns:r="http://schemas.openxmlformats.org/officeDocument/2006/relationships" xmlns:p="http://schemas.openxmlformats.org/presentationml/2006/main">
+  <p:cSld>
+    <p:spTree>
+      <p:nvGrpSpPr>
+        <p:cNvPr id="1" name=""/>
+        <p:cNvGrpSpPr/>
+        <p:nvPr/>
+      </p:nvGrpSpPr>
+      <p:grpSpPr>
+        <a:xfrm>
+          <a:off x="0" y="0"/>
+          <a:ext cx="0" cy="0"/>
+          <a:chOff x="0" y="0"/>
+          <a:chExt cx="0" cy="0"/>
+        </a:xfrm>
+      </p:grpSpPr>
+      <p:sp>
+        <p:nvSpPr>
+          <p:cNvPr id="2" name="제목 1">
+            <a:extLst>
+              <a:ext uri="{FF2B5EF4-FFF2-40B4-BE49-F238E27FC236}">
+                <a16:creationId xmlns:a16="http://schemas.microsoft.com/office/drawing/2014/main" id="{3687D5C3-FD77-409D-9E6F-3374E84F699D}"/>
+              </a:ext>
+            </a:extLst>
+          </p:cNvPr>
+          <p:cNvSpPr>
+            <a:spLocks noGrp="1"/>
+          </p:cNvSpPr>
+          <p:nvPr>
+            <p:ph type="title"/>
+          </p:nvPr>
+        </p:nvSpPr>
+        <p:spPr>
+          <a:xfrm>
+            <a:off x="720000" y="-36000"/>
+            <a:ext cx="10515600" cy="1325563"/>
+          </a:xfrm>
+        </p:spPr>
+        <p:txBody>
+          <a:bodyPr/>
+          <a:lstStyle/>
+          <a:p>
+            <a:r>
+              <a:rPr lang="ko-KR" altLang="en-US" dirty="0"/>
+              <a:t>세부 내용 </a:t>
+            </a:r>
+            <a:r>
+              <a:rPr lang="en-US" altLang="ko-KR" dirty="0"/>
+              <a:t>- </a:t>
+            </a:r>
+            <a:r>
+              <a:rPr lang="ko-KR" altLang="en-US" dirty="0"/>
+              <a:t>테스트</a:t>
+            </a:r>
+          </a:p>
+        </p:txBody>
+      </p:sp>
+      <p:sp>
+        <p:nvSpPr>
+          <p:cNvPr id="10" name="내용 개체 틀 2">
+            <a:extLst>
+              <a:ext uri="{FF2B5EF4-FFF2-40B4-BE49-F238E27FC236}">
+                <a16:creationId xmlns:a16="http://schemas.microsoft.com/office/drawing/2014/main" id="{CEF90079-3D4E-4112-BCBB-B7D34BC940AA}"/>
+              </a:ext>
+            </a:extLst>
+          </p:cNvPr>
+          <p:cNvSpPr txBox="1">
+            <a:spLocks/>
+          </p:cNvSpPr>
+          <p:nvPr/>
+        </p:nvSpPr>
+        <p:spPr>
+          <a:xfrm>
+            <a:off x="6463035" y="1923013"/>
+            <a:ext cx="5166805" cy="1232466"/>
+          </a:xfrm>
+          <a:prstGeom prst="rect">
+            <a:avLst/>
+          </a:prstGeom>
+        </p:spPr>
+        <p:txBody>
+          <a:bodyPr vert="horz" lIns="91440" tIns="45720" rIns="91440" bIns="45720" rtlCol="0">
+            <a:normAutofit/>
+          </a:bodyPr>
+          <a:lstStyle>
+            <a:lvl1pPr marL="228600" indent="-228600" algn="l" defTabSz="914400" rtl="0" eaLnBrk="1" latinLnBrk="1" hangingPunct="1">
+              <a:lnSpc>
+                <a:spcPct val="90000"/>
+              </a:lnSpc>
+              <a:spcBef>
+                <a:spcPts val="1000"/>
+              </a:spcBef>
+              <a:buFont typeface="Arial" panose="020B0604020202020204" pitchFamily="34" charset="0"/>
+              <a:buChar char="•"/>
+              <a:defRPr sz="2800" kern="1200">
+                <a:solidFill>
+                  <a:schemeClr val="tx1"/>
+                </a:solidFill>
+                <a:latin typeface="+mn-lt"/>
+                <a:ea typeface="+mn-ea"/>
+                <a:cs typeface="+mn-cs"/>
+              </a:defRPr>
+            </a:lvl1pPr>
+            <a:lvl2pPr marL="685800" indent="-228600" algn="l" defTabSz="914400" rtl="0" eaLnBrk="1" latinLnBrk="1" hangingPunct="1">
+              <a:lnSpc>
+                <a:spcPct val="90000"/>
+              </a:lnSpc>
+              <a:spcBef>
+                <a:spcPts val="500"/>
+              </a:spcBef>
+              <a:buFont typeface="Arial" panose="020B0604020202020204" pitchFamily="34" charset="0"/>
+              <a:buChar char="•"/>
+              <a:defRPr sz="2400" kern="1200">
+                <a:solidFill>
+                  <a:schemeClr val="tx1"/>
+                </a:solidFill>
+                <a:latin typeface="+mn-lt"/>
+                <a:ea typeface="+mn-ea"/>
+                <a:cs typeface="+mn-cs"/>
+              </a:defRPr>
+            </a:lvl2pPr>
+            <a:lvl3pPr marL="1143000" indent="-228600" algn="l" defTabSz="914400" rtl="0" eaLnBrk="1" latinLnBrk="1" hangingPunct="1">
+              <a:lnSpc>
+                <a:spcPct val="90000"/>
+              </a:lnSpc>
+              <a:spcBef>
+                <a:spcPts val="500"/>
+              </a:spcBef>
+              <a:buFont typeface="Arial" panose="020B0604020202020204" pitchFamily="34" charset="0"/>
+              <a:buChar char="•"/>
+              <a:defRPr sz="2000" kern="1200">
+                <a:solidFill>
+                  <a:schemeClr val="tx1"/>
+                </a:solidFill>
+                <a:latin typeface="+mn-lt"/>
+                <a:ea typeface="+mn-ea"/>
+                <a:cs typeface="+mn-cs"/>
+              </a:defRPr>
+            </a:lvl3pPr>
+            <a:lvl4pPr marL="1600200" indent="-228600" algn="l" defTabSz="914400" rtl="0" eaLnBrk="1" latinLnBrk="1" hangingPunct="1">
+              <a:lnSpc>
+                <a:spcPct val="90000"/>
+              </a:lnSpc>
+              <a:spcBef>
+                <a:spcPts val="500"/>
+              </a:spcBef>
+              <a:buFont typeface="Arial" panose="020B0604020202020204" pitchFamily="34" charset="0"/>
+              <a:buChar char="•"/>
+              <a:defRPr sz="1800" kern="1200">
+                <a:solidFill>
+                  <a:schemeClr val="tx1"/>
+                </a:solidFill>
+                <a:latin typeface="+mn-lt"/>
+                <a:ea typeface="+mn-ea"/>
+                <a:cs typeface="+mn-cs"/>
+              </a:defRPr>
+            </a:lvl4pPr>
+            <a:lvl5pPr marL="2057400" indent="-228600" algn="l" defTabSz="914400" rtl="0" eaLnBrk="1" latinLnBrk="1" hangingPunct="1">
+              <a:lnSpc>
+                <a:spcPct val="90000"/>
+              </a:lnSpc>
+              <a:spcBef>
+                <a:spcPts val="500"/>
+              </a:spcBef>
+              <a:buFont typeface="Arial" panose="020B0604020202020204" pitchFamily="34" charset="0"/>
+              <a:buChar char="•"/>
+              <a:defRPr sz="1800" kern="1200">
+                <a:solidFill>
+                  <a:schemeClr val="tx1"/>
+                </a:solidFill>
+                <a:latin typeface="+mn-lt"/>
+                <a:ea typeface="+mn-ea"/>
+                <a:cs typeface="+mn-cs"/>
+              </a:defRPr>
+            </a:lvl5pPr>
+            <a:lvl6pPr marL="2514600" indent="-228600" algn="l" defTabSz="914400" rtl="0" eaLnBrk="1" latinLnBrk="1" hangingPunct="1">
+              <a:lnSpc>
+                <a:spcPct val="90000"/>
+              </a:lnSpc>
+              <a:spcBef>
+                <a:spcPts val="500"/>
+              </a:spcBef>
+              <a:buFont typeface="Arial" panose="020B0604020202020204" pitchFamily="34" charset="0"/>
+              <a:buChar char="•"/>
+              <a:defRPr sz="1800" kern="1200">
+                <a:solidFill>
+                  <a:schemeClr val="tx1"/>
+                </a:solidFill>
+                <a:latin typeface="+mn-lt"/>
+                <a:ea typeface="+mn-ea"/>
+                <a:cs typeface="+mn-cs"/>
+              </a:defRPr>
+            </a:lvl6pPr>
+            <a:lvl7pPr marL="2971800" indent="-228600" algn="l" defTabSz="914400" rtl="0" eaLnBrk="1" latinLnBrk="1" hangingPunct="1">
+              <a:lnSpc>
+                <a:spcPct val="90000"/>
+              </a:lnSpc>
+              <a:spcBef>
+                <a:spcPts val="500"/>
+              </a:spcBef>
+              <a:buFont typeface="Arial" panose="020B0604020202020204" pitchFamily="34" charset="0"/>
+              <a:buChar char="•"/>
+              <a:defRPr sz="1800" kern="1200">
+                <a:solidFill>
+                  <a:schemeClr val="tx1"/>
+                </a:solidFill>
+                <a:latin typeface="+mn-lt"/>
+                <a:ea typeface="+mn-ea"/>
+                <a:cs typeface="+mn-cs"/>
+              </a:defRPr>
+            </a:lvl7pPr>
+            <a:lvl8pPr marL="3429000" indent="-228600" algn="l" defTabSz="914400" rtl="0" eaLnBrk="1" latinLnBrk="1" hangingPunct="1">
+              <a:lnSpc>
+                <a:spcPct val="90000"/>
+              </a:lnSpc>
+              <a:spcBef>
+                <a:spcPts val="500"/>
+              </a:spcBef>
+              <a:buFont typeface="Arial" panose="020B0604020202020204" pitchFamily="34" charset="0"/>
+              <a:buChar char="•"/>
+              <a:defRPr sz="1800" kern="1200">
+                <a:solidFill>
+                  <a:schemeClr val="tx1"/>
+                </a:solidFill>
+                <a:latin typeface="+mn-lt"/>
+                <a:ea typeface="+mn-ea"/>
+                <a:cs typeface="+mn-cs"/>
+              </a:defRPr>
+            </a:lvl8pPr>
+            <a:lvl9pPr marL="3886200" indent="-228600" algn="l" defTabSz="914400" rtl="0" eaLnBrk="1" latinLnBrk="1" hangingPunct="1">
+              <a:lnSpc>
+                <a:spcPct val="90000"/>
+              </a:lnSpc>
+              <a:spcBef>
+                <a:spcPts val="500"/>
+              </a:spcBef>
+              <a:buFont typeface="Arial" panose="020B0604020202020204" pitchFamily="34" charset="0"/>
+              <a:buChar char="•"/>
+              <a:defRPr sz="1800" kern="1200">
+                <a:solidFill>
+                  <a:schemeClr val="tx1"/>
+                </a:solidFill>
+                <a:latin typeface="+mn-lt"/>
+                <a:ea typeface="+mn-ea"/>
+                <a:cs typeface="+mn-cs"/>
+              </a:defRPr>
+            </a:lvl9pPr>
+          </a:lstStyle>
+          <a:p>
+            <a:r>
+              <a:rPr lang="en-US" altLang="ko-KR" dirty="0"/>
+              <a:t>python sms_alert.py</a:t>
+            </a:r>
+            <a:r>
+              <a:rPr lang="ko-KR" altLang="en-US" dirty="0"/>
+              <a:t> 실행</a:t>
+            </a:r>
+            <a:endParaRPr lang="en-US" altLang="ko-KR" dirty="0"/>
+          </a:p>
+        </p:txBody>
+      </p:sp>
+      <p:pic>
+        <p:nvPicPr>
+          <p:cNvPr id="15" name="그림 14">
+            <a:extLst>
+              <a:ext uri="{FF2B5EF4-FFF2-40B4-BE49-F238E27FC236}">
+                <a16:creationId xmlns:a16="http://schemas.microsoft.com/office/drawing/2014/main" id="{938B392C-BA11-4867-8ED3-B2EAFBB5F446}"/>
+              </a:ext>
+            </a:extLst>
+          </p:cNvPr>
+          <p:cNvPicPr>
+            <a:picLocks noChangeAspect="1"/>
+          </p:cNvPicPr>
+          <p:nvPr/>
+        </p:nvPicPr>
+        <p:blipFill>
+          <a:blip r:embed="rId2"/>
+          <a:stretch>
+            <a:fillRect/>
+          </a:stretch>
+        </p:blipFill>
+        <p:spPr>
+          <a:xfrm>
+            <a:off x="594992" y="1690688"/>
+            <a:ext cx="5133975" cy="1390650"/>
+          </a:xfrm>
+          <a:prstGeom prst="rect">
+            <a:avLst/>
+          </a:prstGeom>
+          <a:ln>
+            <a:solidFill>
+              <a:schemeClr val="tx1"/>
+            </a:solidFill>
+          </a:ln>
+        </p:spPr>
+      </p:pic>
+      <p:pic>
+        <p:nvPicPr>
+          <p:cNvPr id="4" name="그림 3">
+            <a:extLst>
+              <a:ext uri="{FF2B5EF4-FFF2-40B4-BE49-F238E27FC236}">
+                <a16:creationId xmlns:a16="http://schemas.microsoft.com/office/drawing/2014/main" id="{BF8A5BF8-53BB-4F8C-9C0E-7863A4D59B2F}"/>
+              </a:ext>
+            </a:extLst>
+          </p:cNvPr>
+          <p:cNvPicPr>
+            <a:picLocks noChangeAspect="1"/>
+          </p:cNvPicPr>
+          <p:nvPr/>
+        </p:nvPicPr>
+        <p:blipFill rotWithShape="1">
+          <a:blip r:embed="rId3">
+            <a:extLst>
+              <a:ext uri="{28A0092B-C50C-407E-A947-70E740481C1C}">
+                <a14:useLocalDpi xmlns:a14="http://schemas.microsoft.com/office/drawing/2010/main" val="0"/>
+              </a:ext>
+            </a:extLst>
+          </a:blip>
+          <a:srcRect t="1427" b="63327"/>
+          <a:stretch/>
+        </p:blipFill>
+        <p:spPr>
+          <a:xfrm>
+            <a:off x="1305247" y="3685764"/>
+            <a:ext cx="3888190" cy="2963095"/>
+          </a:xfrm>
+          <a:prstGeom prst="rect">
+            <a:avLst/>
+          </a:prstGeom>
+          <a:ln>
+            <a:solidFill>
+              <a:schemeClr val="tx1"/>
+            </a:solidFill>
+          </a:ln>
+        </p:spPr>
+      </p:pic>
+      <p:sp>
+        <p:nvSpPr>
+          <p:cNvPr id="9" name="내용 개체 틀 2">
+            <a:extLst>
+              <a:ext uri="{FF2B5EF4-FFF2-40B4-BE49-F238E27FC236}">
+                <a16:creationId xmlns:a16="http://schemas.microsoft.com/office/drawing/2014/main" id="{671855BC-C21D-4F85-8BAC-A6E64296972C}"/>
+              </a:ext>
+            </a:extLst>
+          </p:cNvPr>
+          <p:cNvSpPr txBox="1">
+            <a:spLocks/>
+          </p:cNvSpPr>
+          <p:nvPr/>
+        </p:nvSpPr>
+        <p:spPr>
+          <a:xfrm>
+            <a:off x="6463034" y="5167311"/>
+            <a:ext cx="5166805" cy="1232466"/>
+          </a:xfrm>
+          <a:prstGeom prst="rect">
+            <a:avLst/>
+          </a:prstGeom>
+        </p:spPr>
+        <p:txBody>
+          <a:bodyPr vert="horz" lIns="91440" tIns="45720" rIns="91440" bIns="45720" rtlCol="0">
+            <a:normAutofit/>
+          </a:bodyPr>
+          <a:lstStyle>
+            <a:lvl1pPr marL="228600" indent="-228600" algn="l" defTabSz="914400" rtl="0" eaLnBrk="1" latinLnBrk="1" hangingPunct="1">
+              <a:lnSpc>
+                <a:spcPct val="90000"/>
+              </a:lnSpc>
+              <a:spcBef>
+                <a:spcPts val="1000"/>
+              </a:spcBef>
+              <a:buFont typeface="Arial" panose="020B0604020202020204" pitchFamily="34" charset="0"/>
+              <a:buChar char="•"/>
+              <a:defRPr sz="2800" kern="1200">
+                <a:solidFill>
+                  <a:schemeClr val="tx1"/>
+                </a:solidFill>
+                <a:latin typeface="+mn-lt"/>
+                <a:ea typeface="+mn-ea"/>
+                <a:cs typeface="+mn-cs"/>
+              </a:defRPr>
+            </a:lvl1pPr>
+            <a:lvl2pPr marL="685800" indent="-228600" algn="l" defTabSz="914400" rtl="0" eaLnBrk="1" latinLnBrk="1" hangingPunct="1">
+              <a:lnSpc>
+                <a:spcPct val="90000"/>
+              </a:lnSpc>
+              <a:spcBef>
+                <a:spcPts val="500"/>
+              </a:spcBef>
+              <a:buFont typeface="Arial" panose="020B0604020202020204" pitchFamily="34" charset="0"/>
+              <a:buChar char="•"/>
+              <a:defRPr sz="2400" kern="1200">
+                <a:solidFill>
+                  <a:schemeClr val="tx1"/>
+                </a:solidFill>
+                <a:latin typeface="+mn-lt"/>
+                <a:ea typeface="+mn-ea"/>
+                <a:cs typeface="+mn-cs"/>
+              </a:defRPr>
+            </a:lvl2pPr>
+            <a:lvl3pPr marL="1143000" indent="-228600" algn="l" defTabSz="914400" rtl="0" eaLnBrk="1" latinLnBrk="1" hangingPunct="1">
+              <a:lnSpc>
+                <a:spcPct val="90000"/>
+              </a:lnSpc>
+              <a:spcBef>
+                <a:spcPts val="500"/>
+              </a:spcBef>
+              <a:buFont typeface="Arial" panose="020B0604020202020204" pitchFamily="34" charset="0"/>
+              <a:buChar char="•"/>
+              <a:defRPr sz="2000" kern="1200">
+                <a:solidFill>
+                  <a:schemeClr val="tx1"/>
+                </a:solidFill>
+                <a:latin typeface="+mn-lt"/>
+                <a:ea typeface="+mn-ea"/>
+                <a:cs typeface="+mn-cs"/>
+              </a:defRPr>
+            </a:lvl3pPr>
+            <a:lvl4pPr marL="1600200" indent="-228600" algn="l" defTabSz="914400" rtl="0" eaLnBrk="1" latinLnBrk="1" hangingPunct="1">
+              <a:lnSpc>
+                <a:spcPct val="90000"/>
+              </a:lnSpc>
+              <a:spcBef>
+                <a:spcPts val="500"/>
+              </a:spcBef>
+              <a:buFont typeface="Arial" panose="020B0604020202020204" pitchFamily="34" charset="0"/>
+              <a:buChar char="•"/>
+              <a:defRPr sz="1800" kern="1200">
+                <a:solidFill>
+                  <a:schemeClr val="tx1"/>
+                </a:solidFill>
+                <a:latin typeface="+mn-lt"/>
+                <a:ea typeface="+mn-ea"/>
+                <a:cs typeface="+mn-cs"/>
+              </a:defRPr>
+            </a:lvl4pPr>
+            <a:lvl5pPr marL="2057400" indent="-228600" algn="l" defTabSz="914400" rtl="0" eaLnBrk="1" latinLnBrk="1" hangingPunct="1">
+              <a:lnSpc>
+                <a:spcPct val="90000"/>
+              </a:lnSpc>
+              <a:spcBef>
+                <a:spcPts val="500"/>
+              </a:spcBef>
+              <a:buFont typeface="Arial" panose="020B0604020202020204" pitchFamily="34" charset="0"/>
+              <a:buChar char="•"/>
+              <a:defRPr sz="1800" kern="1200">
+                <a:solidFill>
+                  <a:schemeClr val="tx1"/>
+                </a:solidFill>
+                <a:latin typeface="+mn-lt"/>
+                <a:ea typeface="+mn-ea"/>
+                <a:cs typeface="+mn-cs"/>
+              </a:defRPr>
+            </a:lvl5pPr>
+            <a:lvl6pPr marL="2514600" indent="-228600" algn="l" defTabSz="914400" rtl="0" eaLnBrk="1" latinLnBrk="1" hangingPunct="1">
+              <a:lnSpc>
+                <a:spcPct val="90000"/>
+              </a:lnSpc>
+              <a:spcBef>
+                <a:spcPts val="500"/>
+              </a:spcBef>
+              <a:buFont typeface="Arial" panose="020B0604020202020204" pitchFamily="34" charset="0"/>
+              <a:buChar char="•"/>
+              <a:defRPr sz="1800" kern="1200">
+                <a:solidFill>
+                  <a:schemeClr val="tx1"/>
+                </a:solidFill>
+                <a:latin typeface="+mn-lt"/>
+                <a:ea typeface="+mn-ea"/>
+                <a:cs typeface="+mn-cs"/>
+              </a:defRPr>
+            </a:lvl6pPr>
+            <a:lvl7pPr marL="2971800" indent="-228600" algn="l" defTabSz="914400" rtl="0" eaLnBrk="1" latinLnBrk="1" hangingPunct="1">
+              <a:lnSpc>
+                <a:spcPct val="90000"/>
+              </a:lnSpc>
+              <a:spcBef>
+                <a:spcPts val="500"/>
+              </a:spcBef>
+              <a:buFont typeface="Arial" panose="020B0604020202020204" pitchFamily="34" charset="0"/>
+              <a:buChar char="•"/>
+              <a:defRPr sz="1800" kern="1200">
+                <a:solidFill>
+                  <a:schemeClr val="tx1"/>
+                </a:solidFill>
+                <a:latin typeface="+mn-lt"/>
+                <a:ea typeface="+mn-ea"/>
+                <a:cs typeface="+mn-cs"/>
+              </a:defRPr>
+            </a:lvl7pPr>
+            <a:lvl8pPr marL="3429000" indent="-228600" algn="l" defTabSz="914400" rtl="0" eaLnBrk="1" latinLnBrk="1" hangingPunct="1">
+              <a:lnSpc>
+                <a:spcPct val="90000"/>
+              </a:lnSpc>
+              <a:spcBef>
+                <a:spcPts val="500"/>
+              </a:spcBef>
+              <a:buFont typeface="Arial" panose="020B0604020202020204" pitchFamily="34" charset="0"/>
+              <a:buChar char="•"/>
+              <a:defRPr sz="1800" kern="1200">
+                <a:solidFill>
+                  <a:schemeClr val="tx1"/>
+                </a:solidFill>
+                <a:latin typeface="+mn-lt"/>
+                <a:ea typeface="+mn-ea"/>
+                <a:cs typeface="+mn-cs"/>
+              </a:defRPr>
+            </a:lvl8pPr>
+            <a:lvl9pPr marL="3886200" indent="-228600" algn="l" defTabSz="914400" rtl="0" eaLnBrk="1" latinLnBrk="1" hangingPunct="1">
+              <a:lnSpc>
+                <a:spcPct val="90000"/>
+              </a:lnSpc>
+              <a:spcBef>
+                <a:spcPts val="500"/>
+              </a:spcBef>
+              <a:buFont typeface="Arial" panose="020B0604020202020204" pitchFamily="34" charset="0"/>
+              <a:buChar char="•"/>
+              <a:defRPr sz="1800" kern="1200">
+                <a:solidFill>
+                  <a:schemeClr val="tx1"/>
+                </a:solidFill>
+                <a:latin typeface="+mn-lt"/>
+                <a:ea typeface="+mn-ea"/>
+                <a:cs typeface="+mn-cs"/>
+              </a:defRPr>
+            </a:lvl9pPr>
+          </a:lstStyle>
+          <a:p>
+            <a:r>
+              <a:rPr lang="ko-KR" altLang="en-US" dirty="0"/>
+              <a:t>테스트 내용 확인</a:t>
+            </a:r>
+            <a:endParaRPr lang="en-US" altLang="ko-KR" dirty="0"/>
+          </a:p>
+        </p:txBody>
+      </p:sp>
+      <p:sp>
+        <p:nvSpPr>
+          <p:cNvPr id="11" name="직사각형 10">
+            <a:extLst>
+              <a:ext uri="{FF2B5EF4-FFF2-40B4-BE49-F238E27FC236}">
+                <a16:creationId xmlns:a16="http://schemas.microsoft.com/office/drawing/2014/main" id="{1CA3DDF1-0B7F-48CC-8013-A90FA06A7513}"/>
+              </a:ext>
+            </a:extLst>
+          </p:cNvPr>
+          <p:cNvSpPr/>
+          <p:nvPr/>
+        </p:nvSpPr>
+        <p:spPr>
+          <a:xfrm>
+            <a:off x="1535554" y="5660911"/>
+            <a:ext cx="2721814" cy="621902"/>
+          </a:xfrm>
+          <a:prstGeom prst="rect">
+            <a:avLst/>
+          </a:prstGeom>
+          <a:noFill/>
+          <a:ln w="25400">
+            <a:solidFill>
+              <a:srgbClr val="FF0000"/>
+            </a:solidFill>
+          </a:ln>
+        </p:spPr>
+        <p:style>
+          <a:lnRef idx="2">
+            <a:schemeClr val="accent1">
+              <a:shade val="50000"/>
+            </a:schemeClr>
+          </a:lnRef>
+          <a:fillRef idx="1">
+            <a:schemeClr val="accent1"/>
+          </a:fillRef>
+          <a:effectRef idx="0">
+            <a:schemeClr val="accent1"/>
+          </a:effectRef>
+          <a:fontRef idx="minor">
+            <a:schemeClr val="lt1"/>
+          </a:fontRef>
+        </p:style>
+        <p:txBody>
+          <a:bodyPr rtlCol="0" anchor="ctr"/>
+          <a:lstStyle/>
+          <a:p>
+            <a:pPr algn="ctr"/>
+            <a:endParaRPr lang="ko-KR" altLang="en-US"/>
+          </a:p>
+        </p:txBody>
+      </p:sp>
+    </p:spTree>
+    <p:extLst>
+      <p:ext uri="{BB962C8B-B14F-4D97-AF65-F5344CB8AC3E}">
+        <p14:creationId xmlns:p14="http://schemas.microsoft.com/office/powerpoint/2010/main" val="1061631631"/>
+      </p:ext>
+    </p:extLst>
+  </p:cSld>
+  <p:clrMapOvr>
+    <a:masterClrMapping/>
+  </p:clrMapOvr>
+</p:sld>
+</file>
+
+<file path=ppt/slides/slide13.xml><?xml version="1.0" encoding="utf-8"?>
+<p:sld xmlns:a="http://schemas.openxmlformats.org/drawingml/2006/main" xmlns:r="http://schemas.openxmlformats.org/officeDocument/2006/relationships" xmlns:p="http://schemas.openxmlformats.org/presentationml/2006/main">
+  <p:cSld>
+    <p:spTree>
+      <p:nvGrpSpPr>
+        <p:cNvPr id="1" name=""/>
+        <p:cNvGrpSpPr/>
+        <p:nvPr/>
+      </p:nvGrpSpPr>
+      <p:grpSpPr>
+        <a:xfrm>
+          <a:off x="0" y="0"/>
+          <a:ext cx="0" cy="0"/>
+          <a:chOff x="0" y="0"/>
+          <a:chExt cx="0" cy="0"/>
+        </a:xfrm>
+      </p:grpSpPr>
+      <p:sp>
+        <p:nvSpPr>
+          <p:cNvPr id="2" name="제목 1">
+            <a:extLst>
+              <a:ext uri="{FF2B5EF4-FFF2-40B4-BE49-F238E27FC236}">
+                <a16:creationId xmlns:a16="http://schemas.microsoft.com/office/drawing/2014/main" id="{3687D5C3-FD77-409D-9E6F-3374E84F699D}"/>
+              </a:ext>
+            </a:extLst>
+          </p:cNvPr>
+          <p:cNvSpPr>
+            <a:spLocks noGrp="1"/>
+          </p:cNvSpPr>
+          <p:nvPr>
+            <p:ph type="title"/>
+          </p:nvPr>
+        </p:nvSpPr>
+        <p:spPr>
+          <a:xfrm>
+            <a:off x="720000" y="-36000"/>
+            <a:ext cx="10515600" cy="1325563"/>
+          </a:xfrm>
+        </p:spPr>
+        <p:txBody>
+          <a:bodyPr/>
+          <a:lstStyle/>
+          <a:p>
+            <a:r>
+              <a:rPr lang="ko-KR" altLang="en-US" dirty="0"/>
+              <a:t>세부 내용 </a:t>
+            </a:r>
+            <a:r>
+              <a:rPr lang="en-US" altLang="ko-KR" dirty="0"/>
+              <a:t>- Crontab</a:t>
+            </a:r>
+            <a:endParaRPr lang="ko-KR" altLang="en-US" dirty="0"/>
+          </a:p>
+        </p:txBody>
+      </p:sp>
+      <p:sp>
+        <p:nvSpPr>
+          <p:cNvPr id="10" name="내용 개체 틀 2">
+            <a:extLst>
+              <a:ext uri="{FF2B5EF4-FFF2-40B4-BE49-F238E27FC236}">
+                <a16:creationId xmlns:a16="http://schemas.microsoft.com/office/drawing/2014/main" id="{CEF90079-3D4E-4112-BCBB-B7D34BC940AA}"/>
+              </a:ext>
+            </a:extLst>
+          </p:cNvPr>
+          <p:cNvSpPr txBox="1">
+            <a:spLocks/>
+          </p:cNvSpPr>
+          <p:nvPr/>
+        </p:nvSpPr>
+        <p:spPr>
+          <a:xfrm>
+            <a:off x="6463035" y="1923013"/>
+            <a:ext cx="5166805" cy="1232466"/>
+          </a:xfrm>
+          <a:prstGeom prst="rect">
+            <a:avLst/>
+          </a:prstGeom>
+        </p:spPr>
+        <p:txBody>
+          <a:bodyPr vert="horz" lIns="91440" tIns="45720" rIns="91440" bIns="45720" rtlCol="0">
+            <a:normAutofit fontScale="92500" lnSpcReduction="10000"/>
+          </a:bodyPr>
+          <a:lstStyle>
+            <a:lvl1pPr marL="228600" indent="-228600" algn="l" defTabSz="914400" rtl="0" eaLnBrk="1" latinLnBrk="1" hangingPunct="1">
+              <a:lnSpc>
+                <a:spcPct val="90000"/>
+              </a:lnSpc>
+              <a:spcBef>
+                <a:spcPts val="1000"/>
+              </a:spcBef>
+              <a:buFont typeface="Arial" panose="020B0604020202020204" pitchFamily="34" charset="0"/>
+              <a:buChar char="•"/>
+              <a:defRPr sz="2800" kern="1200">
+                <a:solidFill>
+                  <a:schemeClr val="tx1"/>
+                </a:solidFill>
+                <a:latin typeface="+mn-lt"/>
+                <a:ea typeface="+mn-ea"/>
+                <a:cs typeface="+mn-cs"/>
+              </a:defRPr>
+            </a:lvl1pPr>
+            <a:lvl2pPr marL="685800" indent="-228600" algn="l" defTabSz="914400" rtl="0" eaLnBrk="1" latinLnBrk="1" hangingPunct="1">
+              <a:lnSpc>
+                <a:spcPct val="90000"/>
+              </a:lnSpc>
+              <a:spcBef>
+                <a:spcPts val="500"/>
+              </a:spcBef>
+              <a:buFont typeface="Arial" panose="020B0604020202020204" pitchFamily="34" charset="0"/>
+              <a:buChar char="•"/>
+              <a:defRPr sz="2400" kern="1200">
+                <a:solidFill>
+                  <a:schemeClr val="tx1"/>
+                </a:solidFill>
+                <a:latin typeface="+mn-lt"/>
+                <a:ea typeface="+mn-ea"/>
+                <a:cs typeface="+mn-cs"/>
+              </a:defRPr>
+            </a:lvl2pPr>
+            <a:lvl3pPr marL="1143000" indent="-228600" algn="l" defTabSz="914400" rtl="0" eaLnBrk="1" latinLnBrk="1" hangingPunct="1">
+              <a:lnSpc>
+                <a:spcPct val="90000"/>
+              </a:lnSpc>
+              <a:spcBef>
+                <a:spcPts val="500"/>
+              </a:spcBef>
+              <a:buFont typeface="Arial" panose="020B0604020202020204" pitchFamily="34" charset="0"/>
+              <a:buChar char="•"/>
+              <a:defRPr sz="2000" kern="1200">
+                <a:solidFill>
+                  <a:schemeClr val="tx1"/>
+                </a:solidFill>
+                <a:latin typeface="+mn-lt"/>
+                <a:ea typeface="+mn-ea"/>
+                <a:cs typeface="+mn-cs"/>
+              </a:defRPr>
+            </a:lvl3pPr>
+            <a:lvl4pPr marL="1600200" indent="-228600" algn="l" defTabSz="914400" rtl="0" eaLnBrk="1" latinLnBrk="1" hangingPunct="1">
+              <a:lnSpc>
+                <a:spcPct val="90000"/>
+              </a:lnSpc>
+              <a:spcBef>
+                <a:spcPts val="500"/>
+              </a:spcBef>
+              <a:buFont typeface="Arial" panose="020B0604020202020204" pitchFamily="34" charset="0"/>
+              <a:buChar char="•"/>
+              <a:defRPr sz="1800" kern="1200">
+                <a:solidFill>
+                  <a:schemeClr val="tx1"/>
+                </a:solidFill>
+                <a:latin typeface="+mn-lt"/>
+                <a:ea typeface="+mn-ea"/>
+                <a:cs typeface="+mn-cs"/>
+              </a:defRPr>
+            </a:lvl4pPr>
+            <a:lvl5pPr marL="2057400" indent="-228600" algn="l" defTabSz="914400" rtl="0" eaLnBrk="1" latinLnBrk="1" hangingPunct="1">
+              <a:lnSpc>
+                <a:spcPct val="90000"/>
+              </a:lnSpc>
+              <a:spcBef>
+                <a:spcPts val="500"/>
+              </a:spcBef>
+              <a:buFont typeface="Arial" panose="020B0604020202020204" pitchFamily="34" charset="0"/>
+              <a:buChar char="•"/>
+              <a:defRPr sz="1800" kern="1200">
+                <a:solidFill>
+                  <a:schemeClr val="tx1"/>
+                </a:solidFill>
+                <a:latin typeface="+mn-lt"/>
+                <a:ea typeface="+mn-ea"/>
+                <a:cs typeface="+mn-cs"/>
+              </a:defRPr>
+            </a:lvl5pPr>
+            <a:lvl6pPr marL="2514600" indent="-228600" algn="l" defTabSz="914400" rtl="0" eaLnBrk="1" latinLnBrk="1" hangingPunct="1">
+              <a:lnSpc>
+                <a:spcPct val="90000"/>
+              </a:lnSpc>
+              <a:spcBef>
+                <a:spcPts val="500"/>
+              </a:spcBef>
+              <a:buFont typeface="Arial" panose="020B0604020202020204" pitchFamily="34" charset="0"/>
+              <a:buChar char="•"/>
+              <a:defRPr sz="1800" kern="1200">
+                <a:solidFill>
+                  <a:schemeClr val="tx1"/>
+                </a:solidFill>
+                <a:latin typeface="+mn-lt"/>
+                <a:ea typeface="+mn-ea"/>
+                <a:cs typeface="+mn-cs"/>
+              </a:defRPr>
+            </a:lvl6pPr>
+            <a:lvl7pPr marL="2971800" indent="-228600" algn="l" defTabSz="914400" rtl="0" eaLnBrk="1" latinLnBrk="1" hangingPunct="1">
+              <a:lnSpc>
+                <a:spcPct val="90000"/>
+              </a:lnSpc>
+              <a:spcBef>
+                <a:spcPts val="500"/>
+              </a:spcBef>
+              <a:buFont typeface="Arial" panose="020B0604020202020204" pitchFamily="34" charset="0"/>
+              <a:buChar char="•"/>
+              <a:defRPr sz="1800" kern="1200">
+                <a:solidFill>
+                  <a:schemeClr val="tx1"/>
+                </a:solidFill>
+                <a:latin typeface="+mn-lt"/>
+                <a:ea typeface="+mn-ea"/>
+                <a:cs typeface="+mn-cs"/>
+              </a:defRPr>
+            </a:lvl7pPr>
+            <a:lvl8pPr marL="3429000" indent="-228600" algn="l" defTabSz="914400" rtl="0" eaLnBrk="1" latinLnBrk="1" hangingPunct="1">
+              <a:lnSpc>
+                <a:spcPct val="90000"/>
+              </a:lnSpc>
+              <a:spcBef>
+                <a:spcPts val="500"/>
+              </a:spcBef>
+              <a:buFont typeface="Arial" panose="020B0604020202020204" pitchFamily="34" charset="0"/>
+              <a:buChar char="•"/>
+              <a:defRPr sz="1800" kern="1200">
+                <a:solidFill>
+                  <a:schemeClr val="tx1"/>
+                </a:solidFill>
+                <a:latin typeface="+mn-lt"/>
+                <a:ea typeface="+mn-ea"/>
+                <a:cs typeface="+mn-cs"/>
+              </a:defRPr>
+            </a:lvl8pPr>
+            <a:lvl9pPr marL="3886200" indent="-228600" algn="l" defTabSz="914400" rtl="0" eaLnBrk="1" latinLnBrk="1" hangingPunct="1">
+              <a:lnSpc>
+                <a:spcPct val="90000"/>
+              </a:lnSpc>
+              <a:spcBef>
+                <a:spcPts val="500"/>
+              </a:spcBef>
+              <a:buFont typeface="Arial" panose="020B0604020202020204" pitchFamily="34" charset="0"/>
+              <a:buChar char="•"/>
+              <a:defRPr sz="1800" kern="1200">
+                <a:solidFill>
+                  <a:schemeClr val="tx1"/>
+                </a:solidFill>
+                <a:latin typeface="+mn-lt"/>
+                <a:ea typeface="+mn-ea"/>
+                <a:cs typeface="+mn-cs"/>
+              </a:defRPr>
+            </a:lvl9pPr>
+          </a:lstStyle>
+          <a:p>
+            <a:r>
+              <a:rPr lang="en-US" altLang="ko-KR" dirty="0"/>
+              <a:t>Crontab –e </a:t>
+            </a:r>
+            <a:r>
+              <a:rPr lang="ko-KR" altLang="en-US" dirty="0"/>
+              <a:t>명령어 실행</a:t>
+            </a:r>
+            <a:endParaRPr lang="en-US" altLang="ko-KR" dirty="0"/>
+          </a:p>
+          <a:p>
+            <a:r>
+              <a:rPr lang="ko-KR" altLang="en-US" dirty="0"/>
+              <a:t>매 분 </a:t>
+            </a:r>
+            <a:r>
+              <a:rPr lang="en-US" altLang="ko-KR" dirty="0"/>
+              <a:t>sms_alert.py </a:t>
+            </a:r>
+            <a:r>
+              <a:rPr lang="ko-KR" altLang="en-US" dirty="0"/>
+              <a:t>파일이 실행되도록 설정</a:t>
+            </a:r>
+            <a:endParaRPr lang="en-US" altLang="ko-KR" dirty="0"/>
+          </a:p>
+        </p:txBody>
+      </p:sp>
+      <p:sp>
+        <p:nvSpPr>
+          <p:cNvPr id="9" name="내용 개체 틀 2">
+            <a:extLst>
+              <a:ext uri="{FF2B5EF4-FFF2-40B4-BE49-F238E27FC236}">
+                <a16:creationId xmlns:a16="http://schemas.microsoft.com/office/drawing/2014/main" id="{671855BC-C21D-4F85-8BAC-A6E64296972C}"/>
+              </a:ext>
+            </a:extLst>
+          </p:cNvPr>
+          <p:cNvSpPr txBox="1">
+            <a:spLocks/>
+          </p:cNvSpPr>
+          <p:nvPr/>
+        </p:nvSpPr>
+        <p:spPr>
+          <a:xfrm>
+            <a:off x="6463035" y="4233721"/>
+            <a:ext cx="5166805" cy="1232466"/>
+          </a:xfrm>
+          <a:prstGeom prst="rect">
+            <a:avLst/>
+          </a:prstGeom>
+        </p:spPr>
+        <p:txBody>
+          <a:bodyPr vert="horz" lIns="91440" tIns="45720" rIns="91440" bIns="45720" rtlCol="0">
+            <a:normAutofit/>
+          </a:bodyPr>
+          <a:lstStyle>
+            <a:lvl1pPr marL="228600" indent="-228600" algn="l" defTabSz="914400" rtl="0" eaLnBrk="1" latinLnBrk="1" hangingPunct="1">
+              <a:lnSpc>
+                <a:spcPct val="90000"/>
+              </a:lnSpc>
+              <a:spcBef>
+                <a:spcPts val="1000"/>
+              </a:spcBef>
+              <a:buFont typeface="Arial" panose="020B0604020202020204" pitchFamily="34" charset="0"/>
+              <a:buChar char="•"/>
+              <a:defRPr sz="2800" kern="1200">
+                <a:solidFill>
+                  <a:schemeClr val="tx1"/>
+                </a:solidFill>
+                <a:latin typeface="+mn-lt"/>
+                <a:ea typeface="+mn-ea"/>
+                <a:cs typeface="+mn-cs"/>
+              </a:defRPr>
+            </a:lvl1pPr>
+            <a:lvl2pPr marL="685800" indent="-228600" algn="l" defTabSz="914400" rtl="0" eaLnBrk="1" latinLnBrk="1" hangingPunct="1">
+              <a:lnSpc>
+                <a:spcPct val="90000"/>
+              </a:lnSpc>
+              <a:spcBef>
+                <a:spcPts val="500"/>
+              </a:spcBef>
+              <a:buFont typeface="Arial" panose="020B0604020202020204" pitchFamily="34" charset="0"/>
+              <a:buChar char="•"/>
+              <a:defRPr sz="2400" kern="1200">
+                <a:solidFill>
+                  <a:schemeClr val="tx1"/>
+                </a:solidFill>
+                <a:latin typeface="+mn-lt"/>
+                <a:ea typeface="+mn-ea"/>
+                <a:cs typeface="+mn-cs"/>
+              </a:defRPr>
+            </a:lvl2pPr>
+            <a:lvl3pPr marL="1143000" indent="-228600" algn="l" defTabSz="914400" rtl="0" eaLnBrk="1" latinLnBrk="1" hangingPunct="1">
+              <a:lnSpc>
+                <a:spcPct val="90000"/>
+              </a:lnSpc>
+              <a:spcBef>
+                <a:spcPts val="500"/>
+              </a:spcBef>
+              <a:buFont typeface="Arial" panose="020B0604020202020204" pitchFamily="34" charset="0"/>
+              <a:buChar char="•"/>
+              <a:defRPr sz="2000" kern="1200">
+                <a:solidFill>
+                  <a:schemeClr val="tx1"/>
+                </a:solidFill>
+                <a:latin typeface="+mn-lt"/>
+                <a:ea typeface="+mn-ea"/>
+                <a:cs typeface="+mn-cs"/>
+              </a:defRPr>
+            </a:lvl3pPr>
+            <a:lvl4pPr marL="1600200" indent="-228600" algn="l" defTabSz="914400" rtl="0" eaLnBrk="1" latinLnBrk="1" hangingPunct="1">
+              <a:lnSpc>
+                <a:spcPct val="90000"/>
+              </a:lnSpc>
+              <a:spcBef>
+                <a:spcPts val="500"/>
+              </a:spcBef>
+              <a:buFont typeface="Arial" panose="020B0604020202020204" pitchFamily="34" charset="0"/>
+              <a:buChar char="•"/>
+              <a:defRPr sz="1800" kern="1200">
+                <a:solidFill>
+                  <a:schemeClr val="tx1"/>
+                </a:solidFill>
+                <a:latin typeface="+mn-lt"/>
+                <a:ea typeface="+mn-ea"/>
+                <a:cs typeface="+mn-cs"/>
+              </a:defRPr>
+            </a:lvl4pPr>
+            <a:lvl5pPr marL="2057400" indent="-228600" algn="l" defTabSz="914400" rtl="0" eaLnBrk="1" latinLnBrk="1" hangingPunct="1">
+              <a:lnSpc>
+                <a:spcPct val="90000"/>
+              </a:lnSpc>
+              <a:spcBef>
+                <a:spcPts val="500"/>
+              </a:spcBef>
+              <a:buFont typeface="Arial" panose="020B0604020202020204" pitchFamily="34" charset="0"/>
+              <a:buChar char="•"/>
+              <a:defRPr sz="1800" kern="1200">
+                <a:solidFill>
+                  <a:schemeClr val="tx1"/>
+                </a:solidFill>
+                <a:latin typeface="+mn-lt"/>
+                <a:ea typeface="+mn-ea"/>
+                <a:cs typeface="+mn-cs"/>
+              </a:defRPr>
+            </a:lvl5pPr>
+            <a:lvl6pPr marL="2514600" indent="-228600" algn="l" defTabSz="914400" rtl="0" eaLnBrk="1" latinLnBrk="1" hangingPunct="1">
+              <a:lnSpc>
+                <a:spcPct val="90000"/>
+              </a:lnSpc>
+              <a:spcBef>
+                <a:spcPts val="500"/>
+              </a:spcBef>
+              <a:buFont typeface="Arial" panose="020B0604020202020204" pitchFamily="34" charset="0"/>
+              <a:buChar char="•"/>
+              <a:defRPr sz="1800" kern="1200">
+                <a:solidFill>
+                  <a:schemeClr val="tx1"/>
+                </a:solidFill>
+                <a:latin typeface="+mn-lt"/>
+                <a:ea typeface="+mn-ea"/>
+                <a:cs typeface="+mn-cs"/>
+              </a:defRPr>
+            </a:lvl6pPr>
+            <a:lvl7pPr marL="2971800" indent="-228600" algn="l" defTabSz="914400" rtl="0" eaLnBrk="1" latinLnBrk="1" hangingPunct="1">
+              <a:lnSpc>
+                <a:spcPct val="90000"/>
+              </a:lnSpc>
+              <a:spcBef>
+                <a:spcPts val="500"/>
+              </a:spcBef>
+              <a:buFont typeface="Arial" panose="020B0604020202020204" pitchFamily="34" charset="0"/>
+              <a:buChar char="•"/>
+              <a:defRPr sz="1800" kern="1200">
+                <a:solidFill>
+                  <a:schemeClr val="tx1"/>
+                </a:solidFill>
+                <a:latin typeface="+mn-lt"/>
+                <a:ea typeface="+mn-ea"/>
+                <a:cs typeface="+mn-cs"/>
+              </a:defRPr>
+            </a:lvl7pPr>
+            <a:lvl8pPr marL="3429000" indent="-228600" algn="l" defTabSz="914400" rtl="0" eaLnBrk="1" latinLnBrk="1" hangingPunct="1">
+              <a:lnSpc>
+                <a:spcPct val="90000"/>
+              </a:lnSpc>
+              <a:spcBef>
+                <a:spcPts val="500"/>
+              </a:spcBef>
+              <a:buFont typeface="Arial" panose="020B0604020202020204" pitchFamily="34" charset="0"/>
+              <a:buChar char="•"/>
+              <a:defRPr sz="1800" kern="1200">
+                <a:solidFill>
+                  <a:schemeClr val="tx1"/>
+                </a:solidFill>
+                <a:latin typeface="+mn-lt"/>
+                <a:ea typeface="+mn-ea"/>
+                <a:cs typeface="+mn-cs"/>
+              </a:defRPr>
+            </a:lvl8pPr>
+            <a:lvl9pPr marL="3886200" indent="-228600" algn="l" defTabSz="914400" rtl="0" eaLnBrk="1" latinLnBrk="1" hangingPunct="1">
+              <a:lnSpc>
+                <a:spcPct val="90000"/>
+              </a:lnSpc>
+              <a:spcBef>
+                <a:spcPts val="500"/>
+              </a:spcBef>
+              <a:buFont typeface="Arial" panose="020B0604020202020204" pitchFamily="34" charset="0"/>
+              <a:buChar char="•"/>
+              <a:defRPr sz="1800" kern="1200">
+                <a:solidFill>
+                  <a:schemeClr val="tx1"/>
+                </a:solidFill>
+                <a:latin typeface="+mn-lt"/>
+                <a:ea typeface="+mn-ea"/>
+                <a:cs typeface="+mn-cs"/>
+              </a:defRPr>
+            </a:lvl9pPr>
+          </a:lstStyle>
+          <a:p>
+            <a:r>
+              <a:rPr lang="en-US" altLang="ko-KR" dirty="0"/>
+              <a:t>Crontab –l </a:t>
+            </a:r>
+            <a:r>
+              <a:rPr lang="ko-KR" altLang="en-US" dirty="0"/>
+              <a:t>명령어로 내용 확인</a:t>
+            </a:r>
+            <a:endParaRPr lang="en-US" altLang="ko-KR" dirty="0"/>
+          </a:p>
+        </p:txBody>
+      </p:sp>
+      <p:pic>
+        <p:nvPicPr>
+          <p:cNvPr id="3" name="그림 2">
+            <a:extLst>
+              <a:ext uri="{FF2B5EF4-FFF2-40B4-BE49-F238E27FC236}">
+                <a16:creationId xmlns:a16="http://schemas.microsoft.com/office/drawing/2014/main" id="{595FEF56-28E1-432A-9335-AAD26782A532}"/>
+              </a:ext>
+            </a:extLst>
+          </p:cNvPr>
+          <p:cNvPicPr>
+            <a:picLocks noChangeAspect="1"/>
+          </p:cNvPicPr>
+          <p:nvPr/>
+        </p:nvPicPr>
+        <p:blipFill>
+          <a:blip r:embed="rId2"/>
+          <a:stretch>
+            <a:fillRect/>
+          </a:stretch>
+        </p:blipFill>
+        <p:spPr>
+          <a:xfrm>
+            <a:off x="537841" y="1724858"/>
+            <a:ext cx="5191125" cy="1628775"/>
+          </a:xfrm>
+          <a:prstGeom prst="rect">
+            <a:avLst/>
+          </a:prstGeom>
+          <a:ln>
+            <a:solidFill>
+              <a:schemeClr val="tx1"/>
+            </a:solidFill>
+          </a:ln>
+        </p:spPr>
+      </p:pic>
+      <p:pic>
+        <p:nvPicPr>
+          <p:cNvPr id="5" name="그림 4">
+            <a:extLst>
+              <a:ext uri="{FF2B5EF4-FFF2-40B4-BE49-F238E27FC236}">
+                <a16:creationId xmlns:a16="http://schemas.microsoft.com/office/drawing/2014/main" id="{6353DB82-002F-420D-92BD-F8D63F0F89D5}"/>
+              </a:ext>
+            </a:extLst>
+          </p:cNvPr>
+          <p:cNvPicPr>
+            <a:picLocks noChangeAspect="1"/>
+          </p:cNvPicPr>
+          <p:nvPr/>
+        </p:nvPicPr>
+        <p:blipFill>
+          <a:blip r:embed="rId3"/>
+          <a:stretch>
+            <a:fillRect/>
+          </a:stretch>
+        </p:blipFill>
+        <p:spPr>
+          <a:xfrm>
+            <a:off x="562161" y="4224336"/>
+            <a:ext cx="5191125" cy="942975"/>
+          </a:xfrm>
+          <a:prstGeom prst="rect">
+            <a:avLst/>
+          </a:prstGeom>
+        </p:spPr>
+      </p:pic>
+      <p:sp>
+        <p:nvSpPr>
+          <p:cNvPr id="11" name="직사각형 10">
+            <a:extLst>
+              <a:ext uri="{FF2B5EF4-FFF2-40B4-BE49-F238E27FC236}">
+                <a16:creationId xmlns:a16="http://schemas.microsoft.com/office/drawing/2014/main" id="{32E53A2C-18CF-4148-B73A-8F6764C0F17A}"/>
+              </a:ext>
+            </a:extLst>
+          </p:cNvPr>
+          <p:cNvSpPr/>
+          <p:nvPr/>
+        </p:nvSpPr>
+        <p:spPr>
+          <a:xfrm>
+            <a:off x="537840" y="2886439"/>
+            <a:ext cx="3867011" cy="269040"/>
+          </a:xfrm>
+          <a:prstGeom prst="rect">
+            <a:avLst/>
+          </a:prstGeom>
+          <a:noFill/>
+          <a:ln w="25400">
+            <a:solidFill>
+              <a:srgbClr val="FF0000"/>
+            </a:solidFill>
+          </a:ln>
+        </p:spPr>
+        <p:style>
+          <a:lnRef idx="2">
+            <a:schemeClr val="accent1">
+              <a:shade val="50000"/>
+            </a:schemeClr>
+          </a:lnRef>
+          <a:fillRef idx="1">
+            <a:schemeClr val="accent1"/>
+          </a:fillRef>
+          <a:effectRef idx="0">
+            <a:schemeClr val="accent1"/>
+          </a:effectRef>
+          <a:fontRef idx="minor">
+            <a:schemeClr val="lt1"/>
+          </a:fontRef>
+        </p:style>
+        <p:txBody>
+          <a:bodyPr rtlCol="0" anchor="ctr"/>
+          <a:lstStyle/>
+          <a:p>
+            <a:pPr algn="ctr"/>
+            <a:endParaRPr lang="ko-KR" altLang="en-US"/>
+          </a:p>
+        </p:txBody>
+      </p:sp>
+    </p:spTree>
+    <p:extLst>
+      <p:ext uri="{BB962C8B-B14F-4D97-AF65-F5344CB8AC3E}">
+        <p14:creationId xmlns:p14="http://schemas.microsoft.com/office/powerpoint/2010/main" val="3788504809"/>
+      </p:ext>
+    </p:extLst>
+  </p:cSld>
+  <p:clrMapOvr>
+    <a:masterClrMapping/>
+  </p:clrMapOvr>
+</p:sld>
+</file>
+
+<file path=ppt/slides/slide14.xml><?xml version="1.0" encoding="utf-8"?>
+<p:sld xmlns:a="http://schemas.openxmlformats.org/drawingml/2006/main" xmlns:r="http://schemas.openxmlformats.org/officeDocument/2006/relationships" xmlns:p="http://schemas.openxmlformats.org/presentationml/2006/main">
+  <p:cSld>
+    <p:spTree>
+      <p:nvGrpSpPr>
+        <p:cNvPr id="1" name=""/>
+        <p:cNvGrpSpPr/>
+        <p:nvPr/>
+      </p:nvGrpSpPr>
+      <p:grpSpPr>
+        <a:xfrm>
+          <a:off x="0" y="0"/>
+          <a:ext cx="0" cy="0"/>
+          <a:chOff x="0" y="0"/>
+          <a:chExt cx="0" cy="0"/>
+        </a:xfrm>
+      </p:grpSpPr>
+      <p:sp>
+        <p:nvSpPr>
+          <p:cNvPr id="2" name="제목 1">
+            <a:extLst>
+              <a:ext uri="{FF2B5EF4-FFF2-40B4-BE49-F238E27FC236}">
+                <a16:creationId xmlns:a16="http://schemas.microsoft.com/office/drawing/2014/main" id="{3687D5C3-FD77-409D-9E6F-3374E84F699D}"/>
+              </a:ext>
+            </a:extLst>
+          </p:cNvPr>
+          <p:cNvSpPr>
+            <a:spLocks noGrp="1"/>
+          </p:cNvSpPr>
+          <p:nvPr>
+            <p:ph type="title"/>
+          </p:nvPr>
+        </p:nvSpPr>
+        <p:spPr>
+          <a:xfrm>
+            <a:off x="720000" y="-36000"/>
+            <a:ext cx="10515600" cy="1325563"/>
+          </a:xfrm>
+        </p:spPr>
+        <p:txBody>
+          <a:bodyPr/>
+          <a:lstStyle/>
+          <a:p>
+            <a:r>
+              <a:rPr lang="ko-KR" altLang="en-US" dirty="0"/>
+              <a:t>세부 내용 </a:t>
+            </a:r>
+            <a:r>
+              <a:rPr lang="en-US" altLang="ko-KR" dirty="0"/>
+              <a:t>– </a:t>
+            </a:r>
+            <a:r>
+              <a:rPr lang="ko-KR" altLang="en-US" dirty="0"/>
+              <a:t>최종 확인</a:t>
+            </a:r>
+          </a:p>
+        </p:txBody>
+      </p:sp>
+      <p:sp>
+        <p:nvSpPr>
+          <p:cNvPr id="9" name="내용 개체 틀 2">
+            <a:extLst>
+              <a:ext uri="{FF2B5EF4-FFF2-40B4-BE49-F238E27FC236}">
+                <a16:creationId xmlns:a16="http://schemas.microsoft.com/office/drawing/2014/main" id="{671855BC-C21D-4F85-8BAC-A6E64296972C}"/>
+              </a:ext>
+            </a:extLst>
+          </p:cNvPr>
+          <p:cNvSpPr txBox="1">
+            <a:spLocks/>
+          </p:cNvSpPr>
+          <p:nvPr/>
+        </p:nvSpPr>
+        <p:spPr>
+          <a:xfrm>
+            <a:off x="6820729" y="4996901"/>
+            <a:ext cx="5166805" cy="1232466"/>
+          </a:xfrm>
+          <a:prstGeom prst="rect">
+            <a:avLst/>
+          </a:prstGeom>
+        </p:spPr>
+        <p:txBody>
+          <a:bodyPr vert="horz" lIns="91440" tIns="45720" rIns="91440" bIns="45720" rtlCol="0">
+            <a:noAutofit/>
+          </a:bodyPr>
+          <a:lstStyle>
+            <a:lvl1pPr marL="228600" indent="-228600" algn="l" defTabSz="914400" rtl="0" eaLnBrk="1" latinLnBrk="1" hangingPunct="1">
+              <a:lnSpc>
+                <a:spcPct val="90000"/>
+              </a:lnSpc>
+              <a:spcBef>
+                <a:spcPts val="1000"/>
+              </a:spcBef>
+              <a:buFont typeface="Arial" panose="020B0604020202020204" pitchFamily="34" charset="0"/>
+              <a:buChar char="•"/>
+              <a:defRPr sz="2800" kern="1200">
+                <a:solidFill>
+                  <a:schemeClr val="tx1"/>
+                </a:solidFill>
+                <a:latin typeface="+mn-lt"/>
+                <a:ea typeface="+mn-ea"/>
+                <a:cs typeface="+mn-cs"/>
+              </a:defRPr>
+            </a:lvl1pPr>
+            <a:lvl2pPr marL="685800" indent="-228600" algn="l" defTabSz="914400" rtl="0" eaLnBrk="1" latinLnBrk="1" hangingPunct="1">
+              <a:lnSpc>
+                <a:spcPct val="90000"/>
+              </a:lnSpc>
+              <a:spcBef>
+                <a:spcPts val="500"/>
+              </a:spcBef>
+              <a:buFont typeface="Arial" panose="020B0604020202020204" pitchFamily="34" charset="0"/>
+              <a:buChar char="•"/>
+              <a:defRPr sz="2400" kern="1200">
+                <a:solidFill>
+                  <a:schemeClr val="tx1"/>
+                </a:solidFill>
+                <a:latin typeface="+mn-lt"/>
+                <a:ea typeface="+mn-ea"/>
+                <a:cs typeface="+mn-cs"/>
+              </a:defRPr>
+            </a:lvl2pPr>
+            <a:lvl3pPr marL="1143000" indent="-228600" algn="l" defTabSz="914400" rtl="0" eaLnBrk="1" latinLnBrk="1" hangingPunct="1">
+              <a:lnSpc>
+                <a:spcPct val="90000"/>
+              </a:lnSpc>
+              <a:spcBef>
+                <a:spcPts val="500"/>
+              </a:spcBef>
+              <a:buFont typeface="Arial" panose="020B0604020202020204" pitchFamily="34" charset="0"/>
+              <a:buChar char="•"/>
+              <a:defRPr sz="2000" kern="1200">
+                <a:solidFill>
+                  <a:schemeClr val="tx1"/>
+                </a:solidFill>
+                <a:latin typeface="+mn-lt"/>
+                <a:ea typeface="+mn-ea"/>
+                <a:cs typeface="+mn-cs"/>
+              </a:defRPr>
+            </a:lvl3pPr>
+            <a:lvl4pPr marL="1600200" indent="-228600" algn="l" defTabSz="914400" rtl="0" eaLnBrk="1" latinLnBrk="1" hangingPunct="1">
+              <a:lnSpc>
+                <a:spcPct val="90000"/>
+              </a:lnSpc>
+              <a:spcBef>
+                <a:spcPts val="500"/>
+              </a:spcBef>
+              <a:buFont typeface="Arial" panose="020B0604020202020204" pitchFamily="34" charset="0"/>
+              <a:buChar char="•"/>
+              <a:defRPr sz="1800" kern="1200">
+                <a:solidFill>
+                  <a:schemeClr val="tx1"/>
+                </a:solidFill>
+                <a:latin typeface="+mn-lt"/>
+                <a:ea typeface="+mn-ea"/>
+                <a:cs typeface="+mn-cs"/>
+              </a:defRPr>
+            </a:lvl4pPr>
+            <a:lvl5pPr marL="2057400" indent="-228600" algn="l" defTabSz="914400" rtl="0" eaLnBrk="1" latinLnBrk="1" hangingPunct="1">
+              <a:lnSpc>
+                <a:spcPct val="90000"/>
+              </a:lnSpc>
+              <a:spcBef>
+                <a:spcPts val="500"/>
+              </a:spcBef>
+              <a:buFont typeface="Arial" panose="020B0604020202020204" pitchFamily="34" charset="0"/>
+              <a:buChar char="•"/>
+              <a:defRPr sz="1800" kern="1200">
+                <a:solidFill>
+                  <a:schemeClr val="tx1"/>
+                </a:solidFill>
+                <a:latin typeface="+mn-lt"/>
+                <a:ea typeface="+mn-ea"/>
+                <a:cs typeface="+mn-cs"/>
+              </a:defRPr>
+            </a:lvl5pPr>
+            <a:lvl6pPr marL="2514600" indent="-228600" algn="l" defTabSz="914400" rtl="0" eaLnBrk="1" latinLnBrk="1" hangingPunct="1">
+              <a:lnSpc>
+                <a:spcPct val="90000"/>
+              </a:lnSpc>
+              <a:spcBef>
+                <a:spcPts val="500"/>
+              </a:spcBef>
+              <a:buFont typeface="Arial" panose="020B0604020202020204" pitchFamily="34" charset="0"/>
+              <a:buChar char="•"/>
+              <a:defRPr sz="1800" kern="1200">
+                <a:solidFill>
+                  <a:schemeClr val="tx1"/>
+                </a:solidFill>
+                <a:latin typeface="+mn-lt"/>
+                <a:ea typeface="+mn-ea"/>
+                <a:cs typeface="+mn-cs"/>
+              </a:defRPr>
+            </a:lvl6pPr>
+            <a:lvl7pPr marL="2971800" indent="-228600" algn="l" defTabSz="914400" rtl="0" eaLnBrk="1" latinLnBrk="1" hangingPunct="1">
+              <a:lnSpc>
+                <a:spcPct val="90000"/>
+              </a:lnSpc>
+              <a:spcBef>
+                <a:spcPts val="500"/>
+              </a:spcBef>
+              <a:buFont typeface="Arial" panose="020B0604020202020204" pitchFamily="34" charset="0"/>
+              <a:buChar char="•"/>
+              <a:defRPr sz="1800" kern="1200">
+                <a:solidFill>
+                  <a:schemeClr val="tx1"/>
+                </a:solidFill>
+                <a:latin typeface="+mn-lt"/>
+                <a:ea typeface="+mn-ea"/>
+                <a:cs typeface="+mn-cs"/>
+              </a:defRPr>
+            </a:lvl7pPr>
+            <a:lvl8pPr marL="3429000" indent="-228600" algn="l" defTabSz="914400" rtl="0" eaLnBrk="1" latinLnBrk="1" hangingPunct="1">
+              <a:lnSpc>
+                <a:spcPct val="90000"/>
+              </a:lnSpc>
+              <a:spcBef>
+                <a:spcPts val="500"/>
+              </a:spcBef>
+              <a:buFont typeface="Arial" panose="020B0604020202020204" pitchFamily="34" charset="0"/>
+              <a:buChar char="•"/>
+              <a:defRPr sz="1800" kern="1200">
+                <a:solidFill>
+                  <a:schemeClr val="tx1"/>
+                </a:solidFill>
+                <a:latin typeface="+mn-lt"/>
+                <a:ea typeface="+mn-ea"/>
+                <a:cs typeface="+mn-cs"/>
+              </a:defRPr>
+            </a:lvl8pPr>
+            <a:lvl9pPr marL="3886200" indent="-228600" algn="l" defTabSz="914400" rtl="0" eaLnBrk="1" latinLnBrk="1" hangingPunct="1">
+              <a:lnSpc>
+                <a:spcPct val="90000"/>
+              </a:lnSpc>
+              <a:spcBef>
+                <a:spcPts val="500"/>
+              </a:spcBef>
+              <a:buFont typeface="Arial" panose="020B0604020202020204" pitchFamily="34" charset="0"/>
+              <a:buChar char="•"/>
+              <a:defRPr sz="1800" kern="1200">
+                <a:solidFill>
+                  <a:schemeClr val="tx1"/>
+                </a:solidFill>
+                <a:latin typeface="+mn-lt"/>
+                <a:ea typeface="+mn-ea"/>
+                <a:cs typeface="+mn-cs"/>
+              </a:defRPr>
+            </a:lvl9pPr>
+          </a:lstStyle>
+          <a:p>
+            <a:r>
+              <a:rPr lang="en-US" altLang="ko-KR" dirty="0"/>
+              <a:t>Kali</a:t>
+            </a:r>
+            <a:r>
+              <a:rPr lang="ko-KR" altLang="en-US" dirty="0"/>
+              <a:t>로 포트스캔</a:t>
+            </a:r>
+            <a:endParaRPr lang="en-US" altLang="ko-KR" dirty="0"/>
+          </a:p>
+          <a:p>
+            <a:r>
+              <a:rPr lang="en-US" altLang="ko-KR" dirty="0"/>
+              <a:t>14</a:t>
+            </a:r>
+            <a:r>
+              <a:rPr lang="ko-KR" altLang="en-US" dirty="0"/>
+              <a:t>시 </a:t>
+            </a:r>
+            <a:r>
+              <a:rPr lang="en-US" altLang="ko-KR" dirty="0"/>
+              <a:t>42</a:t>
+            </a:r>
+            <a:r>
+              <a:rPr lang="ko-KR" altLang="en-US" dirty="0"/>
+              <a:t>분 로그 발생</a:t>
+            </a:r>
+            <a:endParaRPr lang="en-US" altLang="ko-KR" dirty="0"/>
+          </a:p>
+          <a:p>
+            <a:r>
+              <a:rPr lang="en-US" altLang="ko-KR" dirty="0"/>
+              <a:t>14</a:t>
+            </a:r>
+            <a:r>
+              <a:rPr lang="ko-KR" altLang="en-US" dirty="0"/>
+              <a:t>시 </a:t>
+            </a:r>
+            <a:r>
+              <a:rPr lang="en-US" altLang="ko-KR" dirty="0"/>
+              <a:t>43</a:t>
+            </a:r>
+            <a:r>
+              <a:rPr lang="ko-KR" altLang="en-US" dirty="0"/>
+              <a:t>분 메시지 발송</a:t>
+            </a:r>
+            <a:endParaRPr lang="en-US" altLang="ko-KR" dirty="0"/>
+          </a:p>
+        </p:txBody>
+      </p:sp>
+      <p:pic>
+        <p:nvPicPr>
+          <p:cNvPr id="4" name="그림 3">
+            <a:extLst>
+              <a:ext uri="{FF2B5EF4-FFF2-40B4-BE49-F238E27FC236}">
+                <a16:creationId xmlns:a16="http://schemas.microsoft.com/office/drawing/2014/main" id="{CA748570-4BA7-426F-BA05-078B7235B0D9}"/>
+              </a:ext>
+            </a:extLst>
+          </p:cNvPr>
+          <p:cNvPicPr>
+            <a:picLocks noChangeAspect="1"/>
+          </p:cNvPicPr>
+          <p:nvPr/>
+        </p:nvPicPr>
+        <p:blipFill rotWithShape="1">
+          <a:blip r:embed="rId2"/>
+          <a:srcRect t="13341"/>
+          <a:stretch/>
+        </p:blipFill>
+        <p:spPr>
+          <a:xfrm>
+            <a:off x="204466" y="4286864"/>
+            <a:ext cx="5524500" cy="2088333"/>
+          </a:xfrm>
+          <a:prstGeom prst="rect">
+            <a:avLst/>
+          </a:prstGeom>
+          <a:ln>
+            <a:solidFill>
+              <a:schemeClr val="tx1"/>
+            </a:solidFill>
+          </a:ln>
+        </p:spPr>
+      </p:pic>
+      <p:pic>
+        <p:nvPicPr>
+          <p:cNvPr id="7" name="그림 6">
+            <a:extLst>
+              <a:ext uri="{FF2B5EF4-FFF2-40B4-BE49-F238E27FC236}">
+                <a16:creationId xmlns:a16="http://schemas.microsoft.com/office/drawing/2014/main" id="{F659257A-1C80-4B05-BA6E-73A40D39B70A}"/>
+              </a:ext>
+            </a:extLst>
+          </p:cNvPr>
+          <p:cNvPicPr>
+            <a:picLocks noChangeAspect="1"/>
+          </p:cNvPicPr>
+          <p:nvPr/>
+        </p:nvPicPr>
+        <p:blipFill rotWithShape="1">
+          <a:blip r:embed="rId3"/>
+          <a:srcRect r="3044"/>
+          <a:stretch/>
+        </p:blipFill>
+        <p:spPr>
+          <a:xfrm>
+            <a:off x="204467" y="1428104"/>
+            <a:ext cx="5550230" cy="2524125"/>
+          </a:xfrm>
+          <a:prstGeom prst="rect">
+            <a:avLst/>
+          </a:prstGeom>
+          <a:ln>
+            <a:solidFill>
+              <a:schemeClr val="tx1"/>
+            </a:solidFill>
+          </a:ln>
+        </p:spPr>
+      </p:pic>
+      <p:pic>
+        <p:nvPicPr>
+          <p:cNvPr id="11" name="그림 10">
+            <a:extLst>
+              <a:ext uri="{FF2B5EF4-FFF2-40B4-BE49-F238E27FC236}">
+                <a16:creationId xmlns:a16="http://schemas.microsoft.com/office/drawing/2014/main" id="{AF20A644-B465-41E9-9C80-00F4759A3E79}"/>
+              </a:ext>
+            </a:extLst>
+          </p:cNvPr>
+          <p:cNvPicPr>
+            <a:picLocks noChangeAspect="1"/>
+          </p:cNvPicPr>
+          <p:nvPr/>
+        </p:nvPicPr>
+        <p:blipFill rotWithShape="1">
+          <a:blip r:embed="rId4">
+            <a:extLst>
+              <a:ext uri="{28A0092B-C50C-407E-A947-70E740481C1C}">
+                <a14:useLocalDpi xmlns:a14="http://schemas.microsoft.com/office/drawing/2010/main" val="0"/>
+              </a:ext>
+            </a:extLst>
+          </a:blip>
+          <a:srcRect b="63194"/>
+          <a:stretch/>
+        </p:blipFill>
+        <p:spPr>
+          <a:xfrm>
+            <a:off x="7359052" y="2119053"/>
+            <a:ext cx="3171825" cy="2524125"/>
+          </a:xfrm>
+          <a:prstGeom prst="rect">
+            <a:avLst/>
+          </a:prstGeom>
+        </p:spPr>
+      </p:pic>
+      <p:sp>
+        <p:nvSpPr>
+          <p:cNvPr id="13" name="화살표: 아래쪽 12">
+            <a:extLst>
+              <a:ext uri="{FF2B5EF4-FFF2-40B4-BE49-F238E27FC236}">
+                <a16:creationId xmlns:a16="http://schemas.microsoft.com/office/drawing/2014/main" id="{2B1F4D92-4022-42B8-922A-08DF8A08C84E}"/>
+              </a:ext>
+            </a:extLst>
+          </p:cNvPr>
+          <p:cNvSpPr/>
+          <p:nvPr/>
+        </p:nvSpPr>
+        <p:spPr>
+          <a:xfrm rot="16200000">
+            <a:off x="6428428" y="3765672"/>
+            <a:ext cx="532660" cy="514905"/>
+          </a:xfrm>
+          <a:prstGeom prst="downArrow">
+            <a:avLst/>
+          </a:prstGeom>
+          <a:solidFill>
+            <a:srgbClr val="0069B8"/>
+          </a:solidFill>
+        </p:spPr>
+        <p:style>
+          <a:lnRef idx="2">
+            <a:schemeClr val="accent1">
+              <a:shade val="50000"/>
+            </a:schemeClr>
+          </a:lnRef>
+          <a:fillRef idx="1">
+            <a:schemeClr val="accent1"/>
+          </a:fillRef>
+          <a:effectRef idx="0">
+            <a:schemeClr val="accent1"/>
+          </a:effectRef>
+          <a:fontRef idx="minor">
+            <a:schemeClr val="lt1"/>
+          </a:fontRef>
+        </p:style>
+        <p:txBody>
+          <a:bodyPr rtlCol="0" anchor="ctr"/>
+          <a:lstStyle/>
+          <a:p>
+            <a:pPr algn="ctr"/>
+            <a:endParaRPr lang="ko-KR" altLang="en-US"/>
+          </a:p>
+        </p:txBody>
+      </p:sp>
+      <p:sp>
+        <p:nvSpPr>
+          <p:cNvPr id="14" name="직사각형 13">
+            <a:extLst>
+              <a:ext uri="{FF2B5EF4-FFF2-40B4-BE49-F238E27FC236}">
+                <a16:creationId xmlns:a16="http://schemas.microsoft.com/office/drawing/2014/main" id="{3AE2C881-FD88-4C49-BC57-708D4E79F917}"/>
+              </a:ext>
+            </a:extLst>
+          </p:cNvPr>
+          <p:cNvSpPr/>
+          <p:nvPr/>
+        </p:nvSpPr>
+        <p:spPr>
+          <a:xfrm>
+            <a:off x="994780" y="1428104"/>
+            <a:ext cx="2476008" cy="225601"/>
+          </a:xfrm>
+          <a:prstGeom prst="rect">
+            <a:avLst/>
+          </a:prstGeom>
+          <a:noFill/>
+          <a:ln w="25400">
+            <a:solidFill>
+              <a:srgbClr val="FF0000"/>
+            </a:solidFill>
+          </a:ln>
+        </p:spPr>
+        <p:style>
+          <a:lnRef idx="2">
+            <a:schemeClr val="accent1">
+              <a:shade val="50000"/>
+            </a:schemeClr>
+          </a:lnRef>
+          <a:fillRef idx="1">
+            <a:schemeClr val="accent1"/>
+          </a:fillRef>
+          <a:effectRef idx="0">
+            <a:schemeClr val="accent1"/>
+          </a:effectRef>
+          <a:fontRef idx="minor">
+            <a:schemeClr val="lt1"/>
+          </a:fontRef>
+        </p:style>
+        <p:txBody>
+          <a:bodyPr rtlCol="0" anchor="ctr"/>
+          <a:lstStyle/>
+          <a:p>
+            <a:pPr algn="ctr"/>
+            <a:endParaRPr lang="ko-KR" altLang="en-US"/>
+          </a:p>
+        </p:txBody>
+      </p:sp>
+      <p:sp>
+        <p:nvSpPr>
+          <p:cNvPr id="16" name="직사각형 15">
+            <a:extLst>
+              <a:ext uri="{FF2B5EF4-FFF2-40B4-BE49-F238E27FC236}">
+                <a16:creationId xmlns:a16="http://schemas.microsoft.com/office/drawing/2014/main" id="{DA0B7D25-0E1F-4E6C-B992-82FE97094940}"/>
+              </a:ext>
+            </a:extLst>
+          </p:cNvPr>
+          <p:cNvSpPr/>
+          <p:nvPr/>
+        </p:nvSpPr>
+        <p:spPr>
+          <a:xfrm>
+            <a:off x="204466" y="4444181"/>
+            <a:ext cx="2479740" cy="198997"/>
+          </a:xfrm>
+          <a:prstGeom prst="rect">
+            <a:avLst/>
+          </a:prstGeom>
+          <a:noFill/>
+          <a:ln w="25400">
+            <a:solidFill>
+              <a:srgbClr val="FF0000"/>
+            </a:solidFill>
+          </a:ln>
+        </p:spPr>
+        <p:style>
+          <a:lnRef idx="2">
+            <a:schemeClr val="accent1">
+              <a:shade val="50000"/>
+            </a:schemeClr>
+          </a:lnRef>
+          <a:fillRef idx="1">
+            <a:schemeClr val="accent1"/>
+          </a:fillRef>
+          <a:effectRef idx="0">
+            <a:schemeClr val="accent1"/>
+          </a:effectRef>
+          <a:fontRef idx="minor">
+            <a:schemeClr val="lt1"/>
+          </a:fontRef>
+        </p:style>
+        <p:txBody>
+          <a:bodyPr rtlCol="0" anchor="ctr"/>
+          <a:lstStyle/>
+          <a:p>
+            <a:pPr algn="ctr"/>
+            <a:endParaRPr lang="ko-KR" altLang="en-US"/>
+          </a:p>
+        </p:txBody>
+      </p:sp>
+      <p:sp>
+        <p:nvSpPr>
+          <p:cNvPr id="17" name="직사각형 16">
+            <a:extLst>
+              <a:ext uri="{FF2B5EF4-FFF2-40B4-BE49-F238E27FC236}">
+                <a16:creationId xmlns:a16="http://schemas.microsoft.com/office/drawing/2014/main" id="{D0145393-C239-49F4-97A2-980C2FA9A924}"/>
+              </a:ext>
+            </a:extLst>
+          </p:cNvPr>
+          <p:cNvSpPr/>
+          <p:nvPr/>
+        </p:nvSpPr>
+        <p:spPr>
+          <a:xfrm>
+            <a:off x="204466" y="4790964"/>
+            <a:ext cx="5524500" cy="400468"/>
+          </a:xfrm>
+          <a:prstGeom prst="rect">
+            <a:avLst/>
+          </a:prstGeom>
+          <a:noFill/>
+          <a:ln w="25400">
+            <a:solidFill>
+              <a:srgbClr val="FF0000"/>
+            </a:solidFill>
+          </a:ln>
+        </p:spPr>
+        <p:style>
+          <a:lnRef idx="2">
+            <a:schemeClr val="accent1">
+              <a:shade val="50000"/>
+            </a:schemeClr>
+          </a:lnRef>
+          <a:fillRef idx="1">
+            <a:schemeClr val="accent1"/>
+          </a:fillRef>
+          <a:effectRef idx="0">
+            <a:schemeClr val="accent1"/>
+          </a:effectRef>
+          <a:fontRef idx="minor">
+            <a:schemeClr val="lt1"/>
+          </a:fontRef>
+        </p:style>
+        <p:txBody>
+          <a:bodyPr rtlCol="0" anchor="ctr"/>
+          <a:lstStyle/>
+          <a:p>
+            <a:pPr algn="ctr"/>
+            <a:endParaRPr lang="ko-KR" altLang="en-US"/>
+          </a:p>
+        </p:txBody>
+      </p:sp>
+      <p:sp>
+        <p:nvSpPr>
+          <p:cNvPr id="18" name="직사각형 17">
+            <a:extLst>
+              <a:ext uri="{FF2B5EF4-FFF2-40B4-BE49-F238E27FC236}">
+                <a16:creationId xmlns:a16="http://schemas.microsoft.com/office/drawing/2014/main" id="{F4DDB7DD-D4DC-482D-944A-4C61168DA454}"/>
+              </a:ext>
+            </a:extLst>
+          </p:cNvPr>
+          <p:cNvSpPr/>
+          <p:nvPr/>
+        </p:nvSpPr>
+        <p:spPr>
+          <a:xfrm>
+            <a:off x="7551173" y="3768850"/>
+            <a:ext cx="2231923" cy="675331"/>
+          </a:xfrm>
+          <a:prstGeom prst="rect">
+            <a:avLst/>
+          </a:prstGeom>
+          <a:noFill/>
+          <a:ln w="25400">
+            <a:solidFill>
+              <a:srgbClr val="FF0000"/>
+            </a:solidFill>
+          </a:ln>
+        </p:spPr>
+        <p:style>
+          <a:lnRef idx="2">
+            <a:schemeClr val="accent1">
+              <a:shade val="50000"/>
+            </a:schemeClr>
+          </a:lnRef>
+          <a:fillRef idx="1">
+            <a:schemeClr val="accent1"/>
+          </a:fillRef>
+          <a:effectRef idx="0">
+            <a:schemeClr val="accent1"/>
+          </a:effectRef>
+          <a:fontRef idx="minor">
+            <a:schemeClr val="lt1"/>
+          </a:fontRef>
+        </p:style>
+        <p:txBody>
+          <a:bodyPr rtlCol="0" anchor="ctr"/>
+          <a:lstStyle/>
+          <a:p>
+            <a:pPr algn="ctr"/>
+            <a:endParaRPr lang="ko-KR" altLang="en-US"/>
+          </a:p>
+        </p:txBody>
+      </p:sp>
+    </p:spTree>
+    <p:extLst>
+      <p:ext uri="{BB962C8B-B14F-4D97-AF65-F5344CB8AC3E}">
+        <p14:creationId xmlns:p14="http://schemas.microsoft.com/office/powerpoint/2010/main" val="1631327925"/>
+      </p:ext>
+    </p:extLst>
+  </p:cSld>
+  <p:clrMapOvr>
+    <a:masterClrMapping/>
+  </p:clrMapOvr>
+</p:sld>
+</file>
+
+<file path=ppt/slides/slide15.xml><?xml version="1.0" encoding="utf-8"?>
+<p:sld xmlns:a="http://schemas.openxmlformats.org/drawingml/2006/main" xmlns:r="http://schemas.openxmlformats.org/officeDocument/2006/relationships" xmlns:p="http://schemas.openxmlformats.org/presentationml/2006/main">
+  <p:cSld>
+    <p:spTree>
+      <p:nvGrpSpPr>
+        <p:cNvPr id="1" name=""/>
+        <p:cNvGrpSpPr/>
+        <p:nvPr/>
+      </p:nvGrpSpPr>
+      <p:grpSpPr>
+        <a:xfrm>
+          <a:off x="0" y="0"/>
+          <a:ext cx="0" cy="0"/>
+          <a:chOff x="0" y="0"/>
+          <a:chExt cx="0" cy="0"/>
+        </a:xfrm>
+      </p:grpSpPr>
+      <p:sp>
+        <p:nvSpPr>
+          <p:cNvPr id="2" name="제목 1">
+            <a:extLst>
+              <a:ext uri="{FF2B5EF4-FFF2-40B4-BE49-F238E27FC236}">
+                <a16:creationId xmlns:a16="http://schemas.microsoft.com/office/drawing/2014/main" id="{3687D5C3-FD77-409D-9E6F-3374E84F699D}"/>
+              </a:ext>
+            </a:extLst>
+          </p:cNvPr>
+          <p:cNvSpPr>
+            <a:spLocks noGrp="1"/>
+          </p:cNvSpPr>
+          <p:nvPr>
+            <p:ph type="title"/>
+          </p:nvPr>
+        </p:nvSpPr>
+        <p:spPr>
+          <a:xfrm>
+            <a:off x="720000" y="-36000"/>
+            <a:ext cx="10515600" cy="1325563"/>
+          </a:xfrm>
+        </p:spPr>
+        <p:txBody>
+          <a:bodyPr/>
+          <a:lstStyle/>
+          <a:p>
+            <a:r>
+              <a:rPr lang="ko-KR" altLang="en-US" dirty="0"/>
+              <a:t>결론</a:t>
+            </a:r>
+          </a:p>
+        </p:txBody>
+      </p:sp>
+    </p:spTree>
+    <p:extLst>
+      <p:ext uri="{BB962C8B-B14F-4D97-AF65-F5344CB8AC3E}">
+        <p14:creationId xmlns:p14="http://schemas.microsoft.com/office/powerpoint/2010/main" val="2814771788"/>
       </p:ext>
     </p:extLst>
   </p:cSld>
@@ -3438,7 +6593,7 @@
           <p:cNvPr id="2" name="제목 1">
             <a:extLst>
               <a:ext uri="{FF2B5EF4-FFF2-40B4-BE49-F238E27FC236}">
-                <a16:creationId xmlns:a16="http://schemas.microsoft.com/office/drawing/2014/main" id="{C9F286B6-A08B-49AC-9405-78E923D3A4A3}"/>
+                <a16:creationId xmlns:a16="http://schemas.microsoft.com/office/drawing/2014/main" id="{6AAD3DF2-F891-44C2-AEB7-B70072D1C690}"/>
               </a:ext>
             </a:extLst>
           </p:cNvPr>
@@ -3449,16 +6604,20 @@
             <p:ph type="title"/>
           </p:nvPr>
         </p:nvSpPr>
-        <p:spPr/>
+        <p:spPr>
+          <a:xfrm>
+            <a:off x="1909704" y="413851"/>
+            <a:ext cx="10515600" cy="1325563"/>
+          </a:xfrm>
+        </p:spPr>
         <p:txBody>
           <a:bodyPr/>
           <a:lstStyle/>
           <a:p>
             <a:r>
-              <a:rPr lang="en-US" altLang="ko-KR" dirty="0"/>
-              <a:t>Twilio</a:t>
-            </a:r>
-            <a:endParaRPr lang="ko-KR" altLang="en-US" dirty="0"/>
+              <a:rPr lang="ko-KR" altLang="en-US" dirty="0"/>
+              <a:t>목차</a:t>
+            </a:r>
           </a:p>
         </p:txBody>
       </p:sp>
@@ -3467,7 +6626,7 @@
           <p:cNvPr id="3" name="내용 개체 틀 2">
             <a:extLst>
               <a:ext uri="{FF2B5EF4-FFF2-40B4-BE49-F238E27FC236}">
-                <a16:creationId xmlns:a16="http://schemas.microsoft.com/office/drawing/2014/main" id="{53BE17FE-E9A9-4400-BD08-A873042DCD2F}"/>
+                <a16:creationId xmlns:a16="http://schemas.microsoft.com/office/drawing/2014/main" id="{A8E59BDD-9741-4C18-9B02-81AC513822A9}"/>
               </a:ext>
             </a:extLst>
           </p:cNvPr>
@@ -3478,46 +6637,92 @@
             <p:ph idx="1"/>
           </p:nvPr>
         </p:nvSpPr>
-        <p:spPr/>
-        <p:txBody>
-          <a:bodyPr/>
+        <p:spPr>
+          <a:xfrm>
+            <a:off x="3689341" y="1897625"/>
+            <a:ext cx="5474323" cy="3883742"/>
+          </a:xfrm>
+        </p:spPr>
+        <p:txBody>
+          <a:bodyPr>
+            <a:noAutofit/>
+          </a:bodyPr>
           <a:lstStyle/>
           <a:p>
-            <a:pPr marL="514350" indent="-514350">
-              <a:buAutoNum type="arabicPeriod"/>
+            <a:pPr marL="0" indent="0">
+              <a:buNone/>
             </a:pPr>
             <a:r>
+              <a:rPr lang="en-US" altLang="ko-KR" dirty="0"/>
+              <a:t>1. </a:t>
+            </a:r>
+            <a:r>
               <a:rPr lang="ko-KR" altLang="en-US" dirty="0"/>
-              <a:t>회원가입</a:t>
+              <a:t>소개</a:t>
             </a:r>
             <a:endParaRPr lang="en-US" altLang="ko-KR" dirty="0"/>
           </a:p>
           <a:p>
-            <a:pPr marL="514350" indent="-514350">
-              <a:buAutoNum type="arabicPeriod"/>
+            <a:pPr marL="0" indent="0">
+              <a:buNone/>
             </a:pPr>
+            <a:endParaRPr lang="en-US" altLang="ko-KR" dirty="0"/>
+          </a:p>
+          <a:p>
+            <a:pPr marL="0" indent="0">
+              <a:buNone/>
+            </a:pPr>
             <a:r>
               <a:rPr lang="en-US" altLang="ko-KR" dirty="0"/>
-              <a:t>SID/Token </a:t>
+              <a:t>2. </a:t>
             </a:r>
             <a:r>
               <a:rPr lang="ko-KR" altLang="en-US" dirty="0"/>
-              <a:t>확인</a:t>
+              <a:t>개요</a:t>
             </a:r>
             <a:endParaRPr lang="en-US" altLang="ko-KR" dirty="0"/>
           </a:p>
           <a:p>
-            <a:pPr marL="514350" indent="-514350">
-              <a:buAutoNum type="arabicPeriod"/>
+            <a:pPr marL="0" indent="0">
+              <a:buNone/>
             </a:pPr>
+            <a:endParaRPr lang="en-US" altLang="ko-KR" dirty="0"/>
+          </a:p>
+          <a:p>
+            <a:pPr marL="0" indent="0">
+              <a:buNone/>
+            </a:pPr>
             <a:r>
               <a:rPr lang="en-US" altLang="ko-KR" dirty="0"/>
-              <a:t>Test </a:t>
+              <a:t>3. </a:t>
             </a:r>
             <a:r>
               <a:rPr lang="ko-KR" altLang="en-US" dirty="0"/>
-              <a:t>번호 확인</a:t>
-            </a:r>
+              <a:t>세부 내용</a:t>
+            </a:r>
+            <a:endParaRPr lang="en-US" altLang="ko-KR" dirty="0"/>
+          </a:p>
+          <a:p>
+            <a:pPr marL="0" indent="0">
+              <a:buNone/>
+            </a:pPr>
+            <a:endParaRPr lang="en-US" altLang="ko-KR" dirty="0"/>
+          </a:p>
+          <a:p>
+            <a:pPr marL="0" indent="0">
+              <a:buNone/>
+            </a:pPr>
+            <a:r>
+              <a:rPr lang="en-US" altLang="ko-KR" dirty="0"/>
+              <a:t>4. </a:t>
+            </a:r>
+            <a:r>
+              <a:rPr lang="ko-KR" altLang="en-US" dirty="0"/>
+              <a:t>결론</a:t>
+            </a:r>
+            <a:endParaRPr lang="en-US" altLang="ko-KR" dirty="0"/>
+          </a:p>
+          <a:p>
             <a:endParaRPr lang="en-US" altLang="ko-KR" dirty="0"/>
           </a:p>
         </p:txBody>
@@ -3525,7 +6730,7 @@
     </p:spTree>
     <p:extLst>
       <p:ext uri="{BB962C8B-B14F-4D97-AF65-F5344CB8AC3E}">
-        <p14:creationId xmlns:p14="http://schemas.microsoft.com/office/powerpoint/2010/main" val="2209386221"/>
+        <p14:creationId xmlns:p14="http://schemas.microsoft.com/office/powerpoint/2010/main" val="2724562835"/>
       </p:ext>
     </p:extLst>
   </p:cSld>
@@ -3557,7 +6762,7 @@
           <p:cNvPr id="2" name="제목 1">
             <a:extLst>
               <a:ext uri="{FF2B5EF4-FFF2-40B4-BE49-F238E27FC236}">
-                <a16:creationId xmlns:a16="http://schemas.microsoft.com/office/drawing/2014/main" id="{3687D5C3-FD77-409D-9E6F-3374E84F699D}"/>
+                <a16:creationId xmlns:a16="http://schemas.microsoft.com/office/drawing/2014/main" id="{6AAD3DF2-F891-44C2-AEB7-B70072D1C690}"/>
               </a:ext>
             </a:extLst>
           </p:cNvPr>
@@ -3568,14 +6773,19 @@
             <p:ph type="title"/>
           </p:nvPr>
         </p:nvSpPr>
-        <p:spPr/>
+        <p:spPr>
+          <a:xfrm>
+            <a:off x="720000" y="-36000"/>
+            <a:ext cx="10515600" cy="1325563"/>
+          </a:xfrm>
+        </p:spPr>
         <p:txBody>
           <a:bodyPr/>
           <a:lstStyle/>
           <a:p>
             <a:r>
               <a:rPr lang="ko-KR" altLang="en-US" dirty="0"/>
-              <a:t>코드 설정</a:t>
+              <a:t>소개</a:t>
             </a:r>
           </a:p>
         </p:txBody>
@@ -3585,7 +6795,7 @@
           <p:cNvPr id="3" name="내용 개체 틀 2">
             <a:extLst>
               <a:ext uri="{FF2B5EF4-FFF2-40B4-BE49-F238E27FC236}">
-                <a16:creationId xmlns:a16="http://schemas.microsoft.com/office/drawing/2014/main" id="{C902EAF9-939B-428D-963F-55B6FDD18900}"/>
+                <a16:creationId xmlns:a16="http://schemas.microsoft.com/office/drawing/2014/main" id="{A8E59BDD-9741-4C18-9B02-81AC513822A9}"/>
               </a:ext>
             </a:extLst>
           </p:cNvPr>
@@ -3601,85 +6811,77 @@
           <a:bodyPr/>
           <a:lstStyle/>
           <a:p>
-            <a:pPr marL="514350" indent="-514350">
-              <a:buAutoNum type="arabicPeriod"/>
+            <a:r>
+              <a:rPr lang="ko-KR" altLang="en-US" dirty="0"/>
+              <a:t>목적</a:t>
+            </a:r>
+            <a:endParaRPr lang="en-US" altLang="ko-KR" dirty="0"/>
+          </a:p>
+          <a:p>
+            <a:pPr marL="0" indent="0">
+              <a:buNone/>
             </a:pPr>
             <a:r>
+              <a:rPr lang="ko-KR" altLang="en-US" dirty="0"/>
+              <a:t>외부 침입을 탐지하여 업무환경이 아닌 평시에도 위험 정도에 따라 즉각 침입에 대응하기 위함</a:t>
+            </a:r>
+            <a:endParaRPr lang="en-US" altLang="ko-KR" dirty="0"/>
+          </a:p>
+          <a:p>
+            <a:pPr marL="0" indent="0">
+              <a:buNone/>
+            </a:pPr>
+            <a:endParaRPr lang="en-US" altLang="ko-KR" dirty="0"/>
+          </a:p>
+          <a:p>
+            <a:r>
               <a:rPr lang="en-US" altLang="ko-KR" dirty="0"/>
-              <a:t>Pip install </a:t>
-            </a:r>
-            <a:r>
-              <a:rPr lang="en-US" altLang="ko-KR" dirty="0" err="1"/>
-              <a:t>twilio</a:t>
-            </a:r>
+              <a:t>As-is</a:t>
+            </a:r>
+          </a:p>
+          <a:p>
+            <a:pPr marL="0" indent="0">
+              <a:buNone/>
+            </a:pPr>
             <a:r>
               <a:rPr lang="en-US" altLang="ko-KR" dirty="0"/>
-              <a:t> </a:t>
+              <a:t> - </a:t>
             </a:r>
             <a:r>
               <a:rPr lang="ko-KR" altLang="en-US" dirty="0"/>
-              <a:t>모듈 설치</a:t>
+              <a:t>근무환경 외 추가적인 알림 시스템 부족</a:t>
             </a:r>
             <a:endParaRPr lang="en-US" altLang="ko-KR" dirty="0"/>
           </a:p>
           <a:p>
-            <a:pPr marL="514350" indent="-514350">
-              <a:buAutoNum type="arabicPeriod"/>
+            <a:r>
+              <a:rPr lang="en-US" altLang="ko-KR" dirty="0"/>
+              <a:t>To-be</a:t>
+            </a:r>
+          </a:p>
+          <a:p>
+            <a:pPr marL="0" indent="0">
+              <a:buNone/>
             </a:pPr>
             <a:r>
               <a:rPr lang="en-US" altLang="ko-KR" dirty="0"/>
-              <a:t>Vim SMS-alert.py </a:t>
+              <a:t> - </a:t>
             </a:r>
             <a:r>
               <a:rPr lang="ko-KR" altLang="en-US" dirty="0"/>
-              <a:t>코딩 파일 편집</a:t>
+              <a:t>근무환경이 아닌 상황에서도 상시 침입에 대한 파악 가능</a:t>
             </a:r>
             <a:endParaRPr lang="en-US" altLang="ko-KR" dirty="0"/>
           </a:p>
           <a:p>
-            <a:pPr marL="514350" indent="-514350">
-              <a:buAutoNum type="arabicPeriod"/>
-            </a:pPr>
-            <a:r>
-              <a:rPr lang="ko-KR" altLang="en-US" dirty="0"/>
-              <a:t>코드 입력</a:t>
-            </a:r>
             <a:endParaRPr lang="en-US" altLang="ko-KR" dirty="0"/>
-          </a:p>
-          <a:p>
-            <a:pPr marL="514350" indent="-514350">
-              <a:buAutoNum type="arabicPeriod"/>
-            </a:pPr>
-            <a:r>
-              <a:rPr lang="en-US" altLang="ko-KR" dirty="0"/>
-              <a:t>Python</a:t>
-            </a:r>
-            <a:r>
-              <a:rPr lang="ko-KR" altLang="en-US" dirty="0"/>
-              <a:t> </a:t>
-            </a:r>
-            <a:r>
-              <a:rPr lang="en-US" altLang="ko-KR" dirty="0"/>
-              <a:t>sms-alert.py</a:t>
-            </a:r>
-            <a:r>
-              <a:rPr lang="ko-KR" altLang="en-US" dirty="0"/>
-              <a:t>로 테스트 실행</a:t>
-            </a:r>
-            <a:endParaRPr lang="en-US" altLang="ko-KR" dirty="0"/>
-          </a:p>
-          <a:p>
-            <a:pPr marL="514350" indent="-514350">
-              <a:buAutoNum type="arabicPeriod"/>
-            </a:pPr>
-            <a:endParaRPr lang="ko-KR" altLang="en-US" dirty="0"/>
           </a:p>
         </p:txBody>
       </p:sp>
     </p:spTree>
     <p:extLst>
       <p:ext uri="{BB962C8B-B14F-4D97-AF65-F5344CB8AC3E}">
-        <p14:creationId xmlns:p14="http://schemas.microsoft.com/office/powerpoint/2010/main" val="1119241358"/>
+        <p14:creationId xmlns:p14="http://schemas.microsoft.com/office/powerpoint/2010/main" val="2630534167"/>
       </p:ext>
     </p:extLst>
   </p:cSld>
@@ -3711,7 +6913,7 @@
           <p:cNvPr id="2" name="제목 1">
             <a:extLst>
               <a:ext uri="{FF2B5EF4-FFF2-40B4-BE49-F238E27FC236}">
-                <a16:creationId xmlns:a16="http://schemas.microsoft.com/office/drawing/2014/main" id="{3687D5C3-FD77-409D-9E6F-3374E84F699D}"/>
+                <a16:creationId xmlns:a16="http://schemas.microsoft.com/office/drawing/2014/main" id="{6AAD3DF2-F891-44C2-AEB7-B70072D1C690}"/>
               </a:ext>
             </a:extLst>
           </p:cNvPr>
@@ -3722,18 +6924,19 @@
             <p:ph type="title"/>
           </p:nvPr>
         </p:nvSpPr>
-        <p:spPr/>
+        <p:spPr>
+          <a:xfrm>
+            <a:off x="720000" y="-36000"/>
+            <a:ext cx="10515600" cy="1325563"/>
+          </a:xfrm>
+        </p:spPr>
         <p:txBody>
           <a:bodyPr/>
           <a:lstStyle/>
           <a:p>
             <a:r>
-              <a:rPr lang="en-US" altLang="ko-KR" dirty="0"/>
-              <a:t>DVWA </a:t>
-            </a:r>
-            <a:r>
               <a:rPr lang="ko-KR" altLang="en-US" dirty="0"/>
-              <a:t>설정</a:t>
+              <a:t>개요</a:t>
             </a:r>
           </a:p>
         </p:txBody>
@@ -3743,7 +6946,7 @@
           <p:cNvPr id="3" name="내용 개체 틀 2">
             <a:extLst>
               <a:ext uri="{FF2B5EF4-FFF2-40B4-BE49-F238E27FC236}">
-                <a16:creationId xmlns:a16="http://schemas.microsoft.com/office/drawing/2014/main" id="{C902EAF9-939B-428D-963F-55B6FDD18900}"/>
+                <a16:creationId xmlns:a16="http://schemas.microsoft.com/office/drawing/2014/main" id="{A8E59BDD-9741-4C18-9B02-81AC513822A9}"/>
               </a:ext>
             </a:extLst>
           </p:cNvPr>
@@ -3756,61 +6959,50 @@
         </p:nvSpPr>
         <p:spPr/>
         <p:txBody>
-          <a:bodyPr/>
+          <a:bodyPr>
+            <a:normAutofit lnSpcReduction="10000"/>
+          </a:bodyPr>
           <a:lstStyle/>
           <a:p>
             <a:pPr marL="514350" indent="-514350">
-              <a:buAutoNum type="arabicPeriod"/>
+              <a:buAutoNum type="arabicParenR"/>
             </a:pPr>
             <a:r>
               <a:rPr lang="en-US" altLang="ko-KR" dirty="0"/>
-              <a:t>Pip install </a:t>
-            </a:r>
-            <a:r>
-              <a:rPr lang="en-US" altLang="ko-KR" dirty="0" err="1"/>
-              <a:t>twilio</a:t>
+              <a:t>IDS </a:t>
+            </a:r>
+            <a:r>
+              <a:rPr lang="ko-KR" altLang="en-US" dirty="0"/>
+              <a:t>설정</a:t>
             </a:r>
             <a:r>
               <a:rPr lang="en-US" altLang="ko-KR" dirty="0"/>
-              <a:t> </a:t>
+              <a:t>(snort)</a:t>
+            </a:r>
+          </a:p>
+          <a:p>
+            <a:pPr marL="0" indent="0">
+              <a:buNone/>
+            </a:pPr>
+            <a:r>
+              <a:rPr lang="en-US" altLang="ko-KR" dirty="0"/>
+              <a:t> - </a:t>
             </a:r>
             <a:r>
               <a:rPr lang="ko-KR" altLang="en-US" dirty="0"/>
-              <a:t>모듈 설치</a:t>
-            </a:r>
-            <a:endParaRPr lang="en-US" altLang="ko-KR" dirty="0"/>
-          </a:p>
-          <a:p>
-            <a:pPr marL="514350" indent="-514350">
-              <a:buAutoNum type="arabicPeriod"/>
-            </a:pPr>
+              <a:t>탐지내용</a:t>
+            </a:r>
             <a:r>
               <a:rPr lang="en-US" altLang="ko-KR" dirty="0"/>
-              <a:t>Vim SMS-alert.py </a:t>
+              <a:t>: </a:t>
             </a:r>
             <a:r>
               <a:rPr lang="ko-KR" altLang="en-US" dirty="0"/>
-              <a:t>코딩 파일 편집</a:t>
-            </a:r>
-            <a:endParaRPr lang="en-US" altLang="ko-KR" dirty="0"/>
-          </a:p>
-          <a:p>
-            <a:pPr marL="514350" indent="-514350">
-              <a:buAutoNum type="arabicPeriod"/>
-            </a:pPr>
-            <a:r>
-              <a:rPr lang="ko-KR" altLang="en-US" dirty="0"/>
-              <a:t>코드 입력</a:t>
-            </a:r>
-            <a:endParaRPr lang="en-US" altLang="ko-KR" dirty="0"/>
-          </a:p>
-          <a:p>
-            <a:pPr marL="514350" indent="-514350">
-              <a:buAutoNum type="arabicPeriod"/>
-            </a:pPr>
+              <a:t>포트 스캔</a:t>
+            </a:r>
             <a:r>
               <a:rPr lang="en-US" altLang="ko-KR" dirty="0"/>
-              <a:t>Python</a:t>
+              <a:t>, web</a:t>
             </a:r>
             <a:r>
               <a:rPr lang="ko-KR" altLang="en-US" dirty="0"/>
@@ -3818,26 +7010,153 @@
             </a:r>
             <a:r>
               <a:rPr lang="en-US" altLang="ko-KR" dirty="0"/>
-              <a:t>sms-alert.py</a:t>
+              <a:t>hacking</a:t>
             </a:r>
             <a:r>
               <a:rPr lang="ko-KR" altLang="en-US" dirty="0"/>
-              <a:t>로 테스트 실행</a:t>
+              <a:t> 등</a:t>
             </a:r>
             <a:endParaRPr lang="en-US" altLang="ko-KR" dirty="0"/>
           </a:p>
           <a:p>
-            <a:pPr marL="514350" indent="-514350">
-              <a:buAutoNum type="arabicPeriod"/>
+            <a:pPr marL="0" indent="0">
+              <a:buNone/>
             </a:pPr>
-            <a:endParaRPr lang="ko-KR" altLang="en-US" dirty="0"/>
+            <a:r>
+              <a:rPr lang="en-US" altLang="ko-KR" dirty="0"/>
+              <a:t> - </a:t>
+            </a:r>
+            <a:r>
+              <a:rPr lang="ko-KR" altLang="en-US" dirty="0"/>
+              <a:t>운영체제</a:t>
+            </a:r>
+            <a:r>
+              <a:rPr lang="en-US" altLang="ko-KR" dirty="0"/>
+              <a:t>: </a:t>
+            </a:r>
+            <a:r>
+              <a:rPr lang="ko-KR" altLang="en-US" dirty="0"/>
+              <a:t>우분투</a:t>
+            </a:r>
+            <a:endParaRPr lang="en-US" altLang="ko-KR" dirty="0"/>
+          </a:p>
+          <a:p>
+            <a:pPr marL="0" indent="0">
+              <a:buNone/>
+            </a:pPr>
+            <a:r>
+              <a:rPr lang="en-US" altLang="ko-KR" dirty="0"/>
+              <a:t>2) </a:t>
+            </a:r>
+            <a:r>
+              <a:rPr lang="ko-KR" altLang="en-US" dirty="0"/>
+              <a:t>문자 발송 코드 작성</a:t>
+            </a:r>
+            <a:endParaRPr lang="en-US" altLang="ko-KR" dirty="0"/>
+          </a:p>
+          <a:p>
+            <a:pPr marL="0" indent="0">
+              <a:buNone/>
+            </a:pPr>
+            <a:r>
+              <a:rPr lang="en-US" altLang="ko-KR" dirty="0"/>
+              <a:t> - </a:t>
+            </a:r>
+            <a:r>
+              <a:rPr lang="ko-KR" altLang="en-US" dirty="0"/>
+              <a:t>언어</a:t>
+            </a:r>
+            <a:r>
+              <a:rPr lang="en-US" altLang="ko-KR" dirty="0"/>
+              <a:t>: Python</a:t>
+            </a:r>
+          </a:p>
+          <a:p>
+            <a:pPr marL="0" indent="0">
+              <a:buNone/>
+            </a:pPr>
+            <a:r>
+              <a:rPr lang="en-US" altLang="ko-KR" dirty="0"/>
+              <a:t> - SMS </a:t>
+            </a:r>
+            <a:r>
+              <a:rPr lang="ko-KR" altLang="en-US" dirty="0"/>
+              <a:t>서비스</a:t>
+            </a:r>
+            <a:r>
+              <a:rPr lang="en-US" altLang="ko-KR" dirty="0"/>
+              <a:t>: Twilio</a:t>
+            </a:r>
+          </a:p>
+          <a:p>
+            <a:pPr marL="0" indent="0">
+              <a:buNone/>
+            </a:pPr>
+            <a:r>
+              <a:rPr lang="en-US" altLang="ko-KR" dirty="0"/>
+              <a:t>3) Crontab </a:t>
+            </a:r>
+            <a:r>
+              <a:rPr lang="ko-KR" altLang="en-US" dirty="0"/>
+              <a:t>설정</a:t>
+            </a:r>
+            <a:endParaRPr lang="en-US" altLang="ko-KR" dirty="0"/>
+          </a:p>
+          <a:p>
+            <a:pPr marL="0" indent="0">
+              <a:buNone/>
+            </a:pPr>
+            <a:r>
+              <a:rPr lang="en-US" altLang="ko-KR" dirty="0"/>
+              <a:t> - 1</a:t>
+            </a:r>
+            <a:r>
+              <a:rPr lang="ko-KR" altLang="en-US" dirty="0"/>
+              <a:t>분 단위로 로그 분석</a:t>
+            </a:r>
+            <a:endParaRPr lang="en-US" altLang="ko-KR" dirty="0"/>
+          </a:p>
+          <a:p>
+            <a:pPr marL="0" indent="0">
+              <a:buNone/>
+            </a:pPr>
+            <a:r>
+              <a:rPr lang="en-US" altLang="ko-KR" dirty="0"/>
+              <a:t>4) </a:t>
+            </a:r>
+            <a:r>
+              <a:rPr lang="ko-KR" altLang="en-US" dirty="0"/>
+              <a:t>외부 침입 탐지 시 </a:t>
+            </a:r>
+            <a:r>
+              <a:rPr lang="en-US" altLang="ko-KR" dirty="0"/>
+              <a:t>alert </a:t>
+            </a:r>
+            <a:r>
+              <a:rPr lang="ko-KR" altLang="en-US" dirty="0" err="1"/>
+              <a:t>문자메세지</a:t>
+            </a:r>
+            <a:r>
+              <a:rPr lang="ko-KR" altLang="en-US" dirty="0"/>
+              <a:t> 발송</a:t>
+            </a:r>
+            <a:endParaRPr lang="en-US" altLang="ko-KR" dirty="0"/>
+          </a:p>
+          <a:p>
+            <a:pPr marL="0" indent="0">
+              <a:buNone/>
+            </a:pPr>
+            <a:endParaRPr lang="en-US" altLang="ko-KR" dirty="0"/>
+          </a:p>
+          <a:p>
+            <a:endParaRPr lang="en-US" altLang="ko-KR" dirty="0"/>
           </a:p>
         </p:txBody>
       </p:sp>
     </p:spTree>
     <p:extLst>
       <p:ext uri="{BB962C8B-B14F-4D97-AF65-F5344CB8AC3E}">
-        <p14:creationId xmlns:p14="http://schemas.microsoft.com/office/powerpoint/2010/main" val="253706828"/>
+        <p14:creationId xmlns:p14="http://schemas.microsoft.com/office/powerpoint/2010/main" val="3469141382"/>
       </p:ext>
     </p:extLst>
   </p:cSld>
@@ -3869,7 +7188,7 @@
           <p:cNvPr id="2" name="제목 1">
             <a:extLst>
               <a:ext uri="{FF2B5EF4-FFF2-40B4-BE49-F238E27FC236}">
-                <a16:creationId xmlns:a16="http://schemas.microsoft.com/office/drawing/2014/main" id="{3687D5C3-FD77-409D-9E6F-3374E84F699D}"/>
+                <a16:creationId xmlns:a16="http://schemas.microsoft.com/office/drawing/2014/main" id="{6AAD3DF2-F891-44C2-AEB7-B70072D1C690}"/>
               </a:ext>
             </a:extLst>
           </p:cNvPr>
@@ -3880,15 +7199,25 @@
             <p:ph type="title"/>
           </p:nvPr>
         </p:nvSpPr>
-        <p:spPr/>
+        <p:spPr>
+          <a:xfrm>
+            <a:off x="720000" y="-36000"/>
+            <a:ext cx="10515600" cy="1325563"/>
+          </a:xfrm>
+        </p:spPr>
         <p:txBody>
           <a:bodyPr/>
           <a:lstStyle/>
           <a:p>
             <a:r>
               <a:rPr lang="ko-KR" altLang="en-US" dirty="0"/>
-              <a:t>로그 분석</a:t>
-            </a:r>
+              <a:t>세부 내용 </a:t>
+            </a:r>
+            <a:r>
+              <a:rPr lang="en-US" altLang="ko-KR" dirty="0"/>
+              <a:t>- IDS</a:t>
+            </a:r>
+            <a:endParaRPr lang="ko-KR" altLang="en-US" dirty="0"/>
           </a:p>
         </p:txBody>
       </p:sp>
@@ -3897,7 +7226,7 @@
           <p:cNvPr id="3" name="내용 개체 틀 2">
             <a:extLst>
               <a:ext uri="{FF2B5EF4-FFF2-40B4-BE49-F238E27FC236}">
-                <a16:creationId xmlns:a16="http://schemas.microsoft.com/office/drawing/2014/main" id="{C902EAF9-939B-428D-963F-55B6FDD18900}"/>
+                <a16:creationId xmlns:a16="http://schemas.microsoft.com/office/drawing/2014/main" id="{A8E59BDD-9741-4C18-9B02-81AC513822A9}"/>
               </a:ext>
             </a:extLst>
           </p:cNvPr>
@@ -3908,67 +7237,141 @@
             <p:ph idx="1"/>
           </p:nvPr>
         </p:nvSpPr>
-        <p:spPr/>
-        <p:txBody>
-          <a:bodyPr/>
+        <p:spPr>
+          <a:xfrm>
+            <a:off x="6599387" y="2045057"/>
+            <a:ext cx="5081336" cy="2370550"/>
+          </a:xfrm>
+        </p:spPr>
+        <p:txBody>
+          <a:bodyPr>
+            <a:noAutofit/>
+          </a:bodyPr>
           <a:lstStyle/>
           <a:p>
-            <a:pPr marL="514350" indent="-514350">
-              <a:buAutoNum type="arabicPeriod"/>
+            <a:pPr marL="0" indent="0">
+              <a:buNone/>
             </a:pPr>
+            <a:endParaRPr lang="en-US" altLang="ko-KR" dirty="0"/>
+          </a:p>
+          <a:p>
             <a:r>
               <a:rPr lang="en-US" altLang="ko-KR" dirty="0"/>
-              <a:t>Log</a:t>
+              <a:t>IDS </a:t>
             </a:r>
             <a:r>
               <a:rPr lang="ko-KR" altLang="en-US" dirty="0"/>
-              <a:t>를 </a:t>
-            </a:r>
+              <a:t>설정</a:t>
+            </a:r>
+            <a:endParaRPr lang="en-US" altLang="ko-KR" dirty="0"/>
+          </a:p>
+          <a:p>
             <a:r>
               <a:rPr lang="en-US" altLang="ko-KR" dirty="0"/>
-              <a:t>diff </a:t>
+              <a:t>HOME_NET</a:t>
             </a:r>
             <a:r>
               <a:rPr lang="ko-KR" altLang="en-US" dirty="0"/>
-              <a:t>명령어로 비교하고 저장</a:t>
+              <a:t>은 피해자 </a:t>
             </a:r>
             <a:r>
               <a:rPr lang="en-US" altLang="ko-KR" dirty="0"/>
-              <a:t>.</a:t>
-            </a:r>
-          </a:p>
-          <a:p>
-            <a:pPr marL="514350" indent="-514350">
-              <a:buAutoNum type="arabicPeriod"/>
-            </a:pPr>
-            <a:r>
-              <a:rPr lang="ko-KR" altLang="en-US" dirty="0"/>
-              <a:t>저장된 </a:t>
-            </a:r>
-            <a:r>
-              <a:rPr lang="en-US" altLang="ko-KR" dirty="0"/>
-              <a:t>txt </a:t>
-            </a:r>
-            <a:r>
-              <a:rPr lang="ko-KR" altLang="en-US" dirty="0"/>
-              <a:t>파일을 </a:t>
-            </a:r>
-            <a:r>
-              <a:rPr lang="ko-KR" altLang="en-US" dirty="0" err="1"/>
-              <a:t>파이썬으로</a:t>
-            </a:r>
-            <a:r>
-              <a:rPr lang="ko-KR" altLang="en-US" dirty="0"/>
-              <a:t> 로딩 후 실행</a:t>
-            </a:r>
-            <a:endParaRPr lang="en-US" altLang="ko-KR" dirty="0"/>
+              <a:t>IP</a:t>
+            </a:r>
+          </a:p>
+        </p:txBody>
+      </p:sp>
+      <p:pic>
+        <p:nvPicPr>
+          <p:cNvPr id="4" name="그림 3">
+            <a:extLst>
+              <a:ext uri="{FF2B5EF4-FFF2-40B4-BE49-F238E27FC236}">
+                <a16:creationId xmlns:a16="http://schemas.microsoft.com/office/drawing/2014/main" id="{F5F5CA55-315D-4424-9628-A39C4B148E84}"/>
+              </a:ext>
+            </a:extLst>
+          </p:cNvPr>
+          <p:cNvPicPr>
+            <a:picLocks noChangeAspect="1"/>
+          </p:cNvPicPr>
+          <p:nvPr/>
+        </p:nvPicPr>
+        <p:blipFill>
+          <a:blip r:embed="rId2"/>
+          <a:stretch>
+            <a:fillRect/>
+          </a:stretch>
+        </p:blipFill>
+        <p:spPr>
+          <a:xfrm>
+            <a:off x="371475" y="1454714"/>
+            <a:ext cx="5724525" cy="4933950"/>
+          </a:xfrm>
+          <a:prstGeom prst="rect">
+            <a:avLst/>
+          </a:prstGeom>
+          <a:ln>
+            <a:solidFill>
+              <a:schemeClr val="tx1"/>
+            </a:solidFill>
+          </a:ln>
+        </p:spPr>
+      </p:pic>
+      <p:sp>
+        <p:nvSpPr>
+          <p:cNvPr id="8" name="직사각형 7">
+            <a:extLst>
+              <a:ext uri="{FF2B5EF4-FFF2-40B4-BE49-F238E27FC236}">
+                <a16:creationId xmlns:a16="http://schemas.microsoft.com/office/drawing/2014/main" id="{5B1879E7-A21A-4CD2-981B-8BBBFA19FBFD}"/>
+              </a:ext>
+            </a:extLst>
+          </p:cNvPr>
+          <p:cNvSpPr/>
+          <p:nvPr/>
+        </p:nvSpPr>
+        <p:spPr>
+          <a:xfrm>
+            <a:off x="2261419" y="3873910"/>
+            <a:ext cx="1582994" cy="167148"/>
+          </a:xfrm>
+          <a:prstGeom prst="rect">
+            <a:avLst/>
+          </a:prstGeom>
+          <a:noFill/>
+          <a:ln w="25400">
+            <a:solidFill>
+              <a:srgbClr val="FF0000"/>
+            </a:solidFill>
+          </a:ln>
+        </p:spPr>
+        <p:style>
+          <a:lnRef idx="2">
+            <a:schemeClr val="accent1">
+              <a:shade val="50000"/>
+            </a:schemeClr>
+          </a:lnRef>
+          <a:fillRef idx="1">
+            <a:schemeClr val="accent1"/>
+          </a:fillRef>
+          <a:effectRef idx="0">
+            <a:schemeClr val="accent1"/>
+          </a:effectRef>
+          <a:fontRef idx="minor">
+            <a:schemeClr val="lt1"/>
+          </a:fontRef>
+        </p:style>
+        <p:txBody>
+          <a:bodyPr rtlCol="0" anchor="ctr"/>
+          <a:lstStyle/>
+          <a:p>
+            <a:pPr algn="ctr"/>
+            <a:endParaRPr lang="ko-KR" altLang="en-US"/>
           </a:p>
         </p:txBody>
       </p:sp>
     </p:spTree>
     <p:extLst>
       <p:ext uri="{BB962C8B-B14F-4D97-AF65-F5344CB8AC3E}">
-        <p14:creationId xmlns:p14="http://schemas.microsoft.com/office/powerpoint/2010/main" val="1820252798"/>
+        <p14:creationId xmlns:p14="http://schemas.microsoft.com/office/powerpoint/2010/main" val="1641325817"/>
       </p:ext>
     </p:extLst>
   </p:cSld>
@@ -4000,7 +7403,7 @@
           <p:cNvPr id="2" name="제목 1">
             <a:extLst>
               <a:ext uri="{FF2B5EF4-FFF2-40B4-BE49-F238E27FC236}">
-                <a16:creationId xmlns:a16="http://schemas.microsoft.com/office/drawing/2014/main" id="{BB7EB0AD-9381-4400-B254-479995C13447}"/>
+                <a16:creationId xmlns:a16="http://schemas.microsoft.com/office/drawing/2014/main" id="{C9F286B6-A08B-49AC-9405-78E923D3A4A3}"/>
               </a:ext>
             </a:extLst>
           </p:cNvPr>
@@ -4011,23 +7414,25 @@
             <p:ph type="title"/>
           </p:nvPr>
         </p:nvSpPr>
-        <p:spPr/>
+        <p:spPr>
+          <a:xfrm>
+            <a:off x="720000" y="-36000"/>
+            <a:ext cx="10515600" cy="1325563"/>
+          </a:xfrm>
+        </p:spPr>
         <p:txBody>
           <a:bodyPr/>
           <a:lstStyle/>
           <a:p>
             <a:r>
-              <a:rPr lang="en-US" altLang="ko-KR" dirty="0" err="1"/>
-              <a:t>Crond</a:t>
+              <a:rPr lang="ko-KR" altLang="en-US" dirty="0"/>
+              <a:t>세부 내용 </a:t>
             </a:r>
             <a:r>
               <a:rPr lang="en-US" altLang="ko-KR" dirty="0"/>
-              <a:t> </a:t>
-            </a:r>
-            <a:r>
-              <a:rPr lang="ko-KR" altLang="en-US" dirty="0"/>
-              <a:t>설정</a:t>
-            </a:r>
+              <a:t>- Twilio</a:t>
+            </a:r>
+            <a:endParaRPr lang="ko-KR" altLang="en-US" dirty="0"/>
           </a:p>
         </p:txBody>
       </p:sp>
@@ -4036,7 +7441,7 @@
           <p:cNvPr id="3" name="내용 개체 틀 2">
             <a:extLst>
               <a:ext uri="{FF2B5EF4-FFF2-40B4-BE49-F238E27FC236}">
-                <a16:creationId xmlns:a16="http://schemas.microsoft.com/office/drawing/2014/main" id="{35A683FC-3F38-408E-99DF-1E2E10C3AF31}"/>
+                <a16:creationId xmlns:a16="http://schemas.microsoft.com/office/drawing/2014/main" id="{53BE17FE-E9A9-4400-BD08-A873042DCD2F}"/>
               </a:ext>
             </a:extLst>
           </p:cNvPr>
@@ -4047,19 +7452,1053 @@
             <p:ph idx="1"/>
           </p:nvPr>
         </p:nvSpPr>
-        <p:spPr/>
-        <p:txBody>
-          <a:bodyPr/>
+        <p:spPr>
+          <a:xfrm>
+            <a:off x="6662437" y="2366918"/>
+            <a:ext cx="5373624" cy="763715"/>
+          </a:xfrm>
+        </p:spPr>
+        <p:txBody>
+          <a:bodyPr>
+            <a:normAutofit fontScale="92500"/>
+          </a:bodyPr>
           <a:lstStyle/>
           <a:p>
-            <a:endParaRPr lang="ko-KR" altLang="en-US" dirty="0"/>
-          </a:p>
-        </p:txBody>
-      </p:sp>
+            <a:r>
+              <a:rPr lang="en-US" altLang="ko-KR" dirty="0"/>
+              <a:t>Twilio </a:t>
+            </a:r>
+            <a:r>
+              <a:rPr lang="ko-KR" altLang="en-US" dirty="0"/>
+              <a:t>사이트 접속 및 회원가입</a:t>
+            </a:r>
+            <a:endParaRPr lang="en-US" altLang="ko-KR" dirty="0"/>
+          </a:p>
+        </p:txBody>
+      </p:sp>
+      <p:pic>
+        <p:nvPicPr>
+          <p:cNvPr id="4" name="그림 3">
+            <a:extLst>
+              <a:ext uri="{FF2B5EF4-FFF2-40B4-BE49-F238E27FC236}">
+                <a16:creationId xmlns:a16="http://schemas.microsoft.com/office/drawing/2014/main" id="{F11B6CC2-6CD1-4217-A2DE-D3EC2F916D3C}"/>
+              </a:ext>
+            </a:extLst>
+          </p:cNvPr>
+          <p:cNvPicPr>
+            <a:picLocks noChangeAspect="1"/>
+          </p:cNvPicPr>
+          <p:nvPr/>
+        </p:nvPicPr>
+        <p:blipFill>
+          <a:blip r:embed="rId2"/>
+          <a:stretch>
+            <a:fillRect/>
+          </a:stretch>
+        </p:blipFill>
+        <p:spPr>
+          <a:xfrm>
+            <a:off x="492252" y="1482961"/>
+            <a:ext cx="5603748" cy="4703146"/>
+          </a:xfrm>
+          <a:prstGeom prst="rect">
+            <a:avLst/>
+          </a:prstGeom>
+          <a:ln>
+            <a:solidFill>
+              <a:schemeClr val="tx1"/>
+            </a:solidFill>
+          </a:ln>
+        </p:spPr>
+      </p:pic>
     </p:spTree>
     <p:extLst>
       <p:ext uri="{BB962C8B-B14F-4D97-AF65-F5344CB8AC3E}">
-        <p14:creationId xmlns:p14="http://schemas.microsoft.com/office/powerpoint/2010/main" val="3301335121"/>
+        <p14:creationId xmlns:p14="http://schemas.microsoft.com/office/powerpoint/2010/main" val="2209386221"/>
+      </p:ext>
+    </p:extLst>
+  </p:cSld>
+  <p:clrMapOvr>
+    <a:masterClrMapping/>
+  </p:clrMapOvr>
+</p:sld>
+</file>
+
+<file path=ppt/slides/slide7.xml><?xml version="1.0" encoding="utf-8"?>
+<p:sld xmlns:a="http://schemas.openxmlformats.org/drawingml/2006/main" xmlns:r="http://schemas.openxmlformats.org/officeDocument/2006/relationships" xmlns:p="http://schemas.openxmlformats.org/presentationml/2006/main">
+  <p:cSld>
+    <p:spTree>
+      <p:nvGrpSpPr>
+        <p:cNvPr id="1" name=""/>
+        <p:cNvGrpSpPr/>
+        <p:nvPr/>
+      </p:nvGrpSpPr>
+      <p:grpSpPr>
+        <a:xfrm>
+          <a:off x="0" y="0"/>
+          <a:ext cx="0" cy="0"/>
+          <a:chOff x="0" y="0"/>
+          <a:chExt cx="0" cy="0"/>
+        </a:xfrm>
+      </p:grpSpPr>
+      <p:sp>
+        <p:nvSpPr>
+          <p:cNvPr id="2" name="제목 1">
+            <a:extLst>
+              <a:ext uri="{FF2B5EF4-FFF2-40B4-BE49-F238E27FC236}">
+                <a16:creationId xmlns:a16="http://schemas.microsoft.com/office/drawing/2014/main" id="{C9F286B6-A08B-49AC-9405-78E923D3A4A3}"/>
+              </a:ext>
+            </a:extLst>
+          </p:cNvPr>
+          <p:cNvSpPr>
+            <a:spLocks noGrp="1"/>
+          </p:cNvSpPr>
+          <p:nvPr>
+            <p:ph type="title"/>
+          </p:nvPr>
+        </p:nvSpPr>
+        <p:spPr>
+          <a:xfrm>
+            <a:off x="720000" y="-36000"/>
+            <a:ext cx="10515600" cy="1325563"/>
+          </a:xfrm>
+        </p:spPr>
+        <p:txBody>
+          <a:bodyPr/>
+          <a:lstStyle/>
+          <a:p>
+            <a:r>
+              <a:rPr lang="ko-KR" altLang="en-US" dirty="0"/>
+              <a:t>세부 내용 </a:t>
+            </a:r>
+            <a:r>
+              <a:rPr lang="en-US" altLang="ko-KR" dirty="0"/>
+              <a:t>- Twilio</a:t>
+            </a:r>
+            <a:endParaRPr lang="ko-KR" altLang="en-US" dirty="0"/>
+          </a:p>
+        </p:txBody>
+      </p:sp>
+      <p:sp>
+        <p:nvSpPr>
+          <p:cNvPr id="3" name="내용 개체 틀 2">
+            <a:extLst>
+              <a:ext uri="{FF2B5EF4-FFF2-40B4-BE49-F238E27FC236}">
+                <a16:creationId xmlns:a16="http://schemas.microsoft.com/office/drawing/2014/main" id="{53BE17FE-E9A9-4400-BD08-A873042DCD2F}"/>
+              </a:ext>
+            </a:extLst>
+          </p:cNvPr>
+          <p:cNvSpPr>
+            <a:spLocks noGrp="1"/>
+          </p:cNvSpPr>
+          <p:nvPr>
+            <p:ph idx="1"/>
+          </p:nvPr>
+        </p:nvSpPr>
+        <p:spPr>
+          <a:xfrm>
+            <a:off x="7001523" y="2940040"/>
+            <a:ext cx="4699247" cy="1232466"/>
+          </a:xfrm>
+        </p:spPr>
+        <p:txBody>
+          <a:bodyPr/>
+          <a:lstStyle/>
+          <a:p>
+            <a:r>
+              <a:rPr lang="en-US" altLang="ko-KR" dirty="0"/>
+              <a:t>SID/Token </a:t>
+            </a:r>
+            <a:r>
+              <a:rPr lang="ko-KR" altLang="en-US" dirty="0"/>
+              <a:t>확인</a:t>
+            </a:r>
+            <a:endParaRPr lang="en-US" altLang="ko-KR" dirty="0"/>
+          </a:p>
+          <a:p>
+            <a:r>
+              <a:rPr lang="en-US" altLang="ko-KR" dirty="0"/>
+              <a:t>Test </a:t>
+            </a:r>
+            <a:r>
+              <a:rPr lang="ko-KR" altLang="en-US" dirty="0"/>
+              <a:t>번호 확인</a:t>
+            </a:r>
+            <a:endParaRPr lang="en-US" altLang="ko-KR" dirty="0"/>
+          </a:p>
+        </p:txBody>
+      </p:sp>
+      <p:pic>
+        <p:nvPicPr>
+          <p:cNvPr id="5" name="그림 4">
+            <a:extLst>
+              <a:ext uri="{FF2B5EF4-FFF2-40B4-BE49-F238E27FC236}">
+                <a16:creationId xmlns:a16="http://schemas.microsoft.com/office/drawing/2014/main" id="{F2905F71-C73F-4434-A0F4-B0852AF70F91}"/>
+              </a:ext>
+            </a:extLst>
+          </p:cNvPr>
+          <p:cNvPicPr>
+            <a:picLocks noChangeAspect="1"/>
+          </p:cNvPicPr>
+          <p:nvPr/>
+        </p:nvPicPr>
+        <p:blipFill>
+          <a:blip r:embed="rId2"/>
+          <a:stretch>
+            <a:fillRect/>
+          </a:stretch>
+        </p:blipFill>
+        <p:spPr>
+          <a:xfrm>
+            <a:off x="491230" y="1805272"/>
+            <a:ext cx="5076825" cy="3810000"/>
+          </a:xfrm>
+          <a:prstGeom prst="rect">
+            <a:avLst/>
+          </a:prstGeom>
+          <a:ln>
+            <a:solidFill>
+              <a:schemeClr val="tx1"/>
+            </a:solidFill>
+          </a:ln>
+        </p:spPr>
+      </p:pic>
+      <p:sp>
+        <p:nvSpPr>
+          <p:cNvPr id="6" name="직사각형 5">
+            <a:extLst>
+              <a:ext uri="{FF2B5EF4-FFF2-40B4-BE49-F238E27FC236}">
+                <a16:creationId xmlns:a16="http://schemas.microsoft.com/office/drawing/2014/main" id="{B6A200AA-70E2-4A07-832A-89C774AA0D53}"/>
+              </a:ext>
+            </a:extLst>
+          </p:cNvPr>
+          <p:cNvSpPr/>
+          <p:nvPr/>
+        </p:nvSpPr>
+        <p:spPr>
+          <a:xfrm>
+            <a:off x="1101213" y="3156155"/>
+            <a:ext cx="3362632" cy="272845"/>
+          </a:xfrm>
+          <a:prstGeom prst="rect">
+            <a:avLst/>
+          </a:prstGeom>
+          <a:noFill/>
+          <a:ln w="25400">
+            <a:solidFill>
+              <a:srgbClr val="FF0000"/>
+            </a:solidFill>
+          </a:ln>
+        </p:spPr>
+        <p:style>
+          <a:lnRef idx="2">
+            <a:schemeClr val="accent1">
+              <a:shade val="50000"/>
+            </a:schemeClr>
+          </a:lnRef>
+          <a:fillRef idx="1">
+            <a:schemeClr val="accent1"/>
+          </a:fillRef>
+          <a:effectRef idx="0">
+            <a:schemeClr val="accent1"/>
+          </a:effectRef>
+          <a:fontRef idx="minor">
+            <a:schemeClr val="lt1"/>
+          </a:fontRef>
+        </p:style>
+        <p:txBody>
+          <a:bodyPr rtlCol="0" anchor="ctr"/>
+          <a:lstStyle/>
+          <a:p>
+            <a:pPr algn="ctr"/>
+            <a:endParaRPr lang="ko-KR" altLang="en-US"/>
+          </a:p>
+        </p:txBody>
+      </p:sp>
+      <p:sp>
+        <p:nvSpPr>
+          <p:cNvPr id="7" name="직사각형 6">
+            <a:extLst>
+              <a:ext uri="{FF2B5EF4-FFF2-40B4-BE49-F238E27FC236}">
+                <a16:creationId xmlns:a16="http://schemas.microsoft.com/office/drawing/2014/main" id="{1E505643-E121-4469-BA4A-BBB867D34790}"/>
+              </a:ext>
+            </a:extLst>
+          </p:cNvPr>
+          <p:cNvSpPr/>
+          <p:nvPr/>
+        </p:nvSpPr>
+        <p:spPr>
+          <a:xfrm>
+            <a:off x="1007807" y="4085829"/>
+            <a:ext cx="663677" cy="272845"/>
+          </a:xfrm>
+          <a:prstGeom prst="rect">
+            <a:avLst/>
+          </a:prstGeom>
+          <a:noFill/>
+          <a:ln w="25400">
+            <a:solidFill>
+              <a:srgbClr val="FF0000"/>
+            </a:solidFill>
+          </a:ln>
+        </p:spPr>
+        <p:style>
+          <a:lnRef idx="2">
+            <a:schemeClr val="accent1">
+              <a:shade val="50000"/>
+            </a:schemeClr>
+          </a:lnRef>
+          <a:fillRef idx="1">
+            <a:schemeClr val="accent1"/>
+          </a:fillRef>
+          <a:effectRef idx="0">
+            <a:schemeClr val="accent1"/>
+          </a:effectRef>
+          <a:fontRef idx="minor">
+            <a:schemeClr val="lt1"/>
+          </a:fontRef>
+        </p:style>
+        <p:txBody>
+          <a:bodyPr rtlCol="0" anchor="ctr"/>
+          <a:lstStyle/>
+          <a:p>
+            <a:pPr algn="ctr"/>
+            <a:endParaRPr lang="ko-KR" altLang="en-US"/>
+          </a:p>
+        </p:txBody>
+      </p:sp>
+      <p:sp>
+        <p:nvSpPr>
+          <p:cNvPr id="8" name="직사각형 7">
+            <a:extLst>
+              <a:ext uri="{FF2B5EF4-FFF2-40B4-BE49-F238E27FC236}">
+                <a16:creationId xmlns:a16="http://schemas.microsoft.com/office/drawing/2014/main" id="{B359262C-2342-4C0F-AD78-130731C2A673}"/>
+              </a:ext>
+            </a:extLst>
+          </p:cNvPr>
+          <p:cNvSpPr/>
+          <p:nvPr/>
+        </p:nvSpPr>
+        <p:spPr>
+          <a:xfrm>
+            <a:off x="1101213" y="5015503"/>
+            <a:ext cx="1327355" cy="272845"/>
+          </a:xfrm>
+          <a:prstGeom prst="rect">
+            <a:avLst/>
+          </a:prstGeom>
+          <a:noFill/>
+          <a:ln w="25400">
+            <a:solidFill>
+              <a:srgbClr val="FF0000"/>
+            </a:solidFill>
+          </a:ln>
+        </p:spPr>
+        <p:style>
+          <a:lnRef idx="2">
+            <a:schemeClr val="accent1">
+              <a:shade val="50000"/>
+            </a:schemeClr>
+          </a:lnRef>
+          <a:fillRef idx="1">
+            <a:schemeClr val="accent1"/>
+          </a:fillRef>
+          <a:effectRef idx="0">
+            <a:schemeClr val="accent1"/>
+          </a:effectRef>
+          <a:fontRef idx="minor">
+            <a:schemeClr val="lt1"/>
+          </a:fontRef>
+        </p:style>
+        <p:txBody>
+          <a:bodyPr rtlCol="0" anchor="ctr"/>
+          <a:lstStyle/>
+          <a:p>
+            <a:pPr algn="ctr"/>
+            <a:endParaRPr lang="ko-KR" altLang="en-US"/>
+          </a:p>
+        </p:txBody>
+      </p:sp>
+    </p:spTree>
+    <p:extLst>
+      <p:ext uri="{BB962C8B-B14F-4D97-AF65-F5344CB8AC3E}">
+        <p14:creationId xmlns:p14="http://schemas.microsoft.com/office/powerpoint/2010/main" val="38550395"/>
+      </p:ext>
+    </p:extLst>
+  </p:cSld>
+  <p:clrMapOvr>
+    <a:masterClrMapping/>
+  </p:clrMapOvr>
+</p:sld>
+</file>
+
+<file path=ppt/slides/slide8.xml><?xml version="1.0" encoding="utf-8"?>
+<p:sld xmlns:a="http://schemas.openxmlformats.org/drawingml/2006/main" xmlns:r="http://schemas.openxmlformats.org/officeDocument/2006/relationships" xmlns:p="http://schemas.openxmlformats.org/presentationml/2006/main">
+  <p:cSld>
+    <p:spTree>
+      <p:nvGrpSpPr>
+        <p:cNvPr id="1" name=""/>
+        <p:cNvGrpSpPr/>
+        <p:nvPr/>
+      </p:nvGrpSpPr>
+      <p:grpSpPr>
+        <a:xfrm>
+          <a:off x="0" y="0"/>
+          <a:ext cx="0" cy="0"/>
+          <a:chOff x="0" y="0"/>
+          <a:chExt cx="0" cy="0"/>
+        </a:xfrm>
+      </p:grpSpPr>
+      <p:sp>
+        <p:nvSpPr>
+          <p:cNvPr id="2" name="제목 1">
+            <a:extLst>
+              <a:ext uri="{FF2B5EF4-FFF2-40B4-BE49-F238E27FC236}">
+                <a16:creationId xmlns:a16="http://schemas.microsoft.com/office/drawing/2014/main" id="{3687D5C3-FD77-409D-9E6F-3374E84F699D}"/>
+              </a:ext>
+            </a:extLst>
+          </p:cNvPr>
+          <p:cNvSpPr>
+            <a:spLocks noGrp="1"/>
+          </p:cNvSpPr>
+          <p:nvPr>
+            <p:ph type="title"/>
+          </p:nvPr>
+        </p:nvSpPr>
+        <p:spPr>
+          <a:xfrm>
+            <a:off x="720000" y="-36000"/>
+            <a:ext cx="10515600" cy="1325563"/>
+          </a:xfrm>
+        </p:spPr>
+        <p:txBody>
+          <a:bodyPr/>
+          <a:lstStyle/>
+          <a:p>
+            <a:r>
+              <a:rPr lang="ko-KR" altLang="en-US" dirty="0"/>
+              <a:t>세부 내용 </a:t>
+            </a:r>
+            <a:r>
+              <a:rPr lang="en-US" altLang="ko-KR" dirty="0"/>
+              <a:t>- </a:t>
+            </a:r>
+            <a:r>
+              <a:rPr lang="ko-KR" altLang="en-US" dirty="0"/>
+              <a:t>코드</a:t>
+            </a:r>
+          </a:p>
+        </p:txBody>
+      </p:sp>
+      <p:sp>
+        <p:nvSpPr>
+          <p:cNvPr id="6" name="내용 개체 틀 2">
+            <a:extLst>
+              <a:ext uri="{FF2B5EF4-FFF2-40B4-BE49-F238E27FC236}">
+                <a16:creationId xmlns:a16="http://schemas.microsoft.com/office/drawing/2014/main" id="{58AF069C-4215-4B61-ADD8-25EDD8602F25}"/>
+              </a:ext>
+            </a:extLst>
+          </p:cNvPr>
+          <p:cNvSpPr txBox="1">
+            <a:spLocks/>
+          </p:cNvSpPr>
+          <p:nvPr/>
+        </p:nvSpPr>
+        <p:spPr>
+          <a:xfrm>
+            <a:off x="6533965" y="2940040"/>
+            <a:ext cx="5166805" cy="1232466"/>
+          </a:xfrm>
+          <a:prstGeom prst="rect">
+            <a:avLst/>
+          </a:prstGeom>
+        </p:spPr>
+        <p:txBody>
+          <a:bodyPr vert="horz" lIns="91440" tIns="45720" rIns="91440" bIns="45720" rtlCol="0">
+            <a:normAutofit/>
+          </a:bodyPr>
+          <a:lstStyle>
+            <a:lvl1pPr marL="228600" indent="-228600" algn="l" defTabSz="914400" rtl="0" eaLnBrk="1" latinLnBrk="1" hangingPunct="1">
+              <a:lnSpc>
+                <a:spcPct val="90000"/>
+              </a:lnSpc>
+              <a:spcBef>
+                <a:spcPts val="1000"/>
+              </a:spcBef>
+              <a:buFont typeface="Arial" panose="020B0604020202020204" pitchFamily="34" charset="0"/>
+              <a:buChar char="•"/>
+              <a:defRPr sz="2800" kern="1200">
+                <a:solidFill>
+                  <a:schemeClr val="tx1"/>
+                </a:solidFill>
+                <a:latin typeface="+mn-lt"/>
+                <a:ea typeface="+mn-ea"/>
+                <a:cs typeface="+mn-cs"/>
+              </a:defRPr>
+            </a:lvl1pPr>
+            <a:lvl2pPr marL="685800" indent="-228600" algn="l" defTabSz="914400" rtl="0" eaLnBrk="1" latinLnBrk="1" hangingPunct="1">
+              <a:lnSpc>
+                <a:spcPct val="90000"/>
+              </a:lnSpc>
+              <a:spcBef>
+                <a:spcPts val="500"/>
+              </a:spcBef>
+              <a:buFont typeface="Arial" panose="020B0604020202020204" pitchFamily="34" charset="0"/>
+              <a:buChar char="•"/>
+              <a:defRPr sz="2400" kern="1200">
+                <a:solidFill>
+                  <a:schemeClr val="tx1"/>
+                </a:solidFill>
+                <a:latin typeface="+mn-lt"/>
+                <a:ea typeface="+mn-ea"/>
+                <a:cs typeface="+mn-cs"/>
+              </a:defRPr>
+            </a:lvl2pPr>
+            <a:lvl3pPr marL="1143000" indent="-228600" algn="l" defTabSz="914400" rtl="0" eaLnBrk="1" latinLnBrk="1" hangingPunct="1">
+              <a:lnSpc>
+                <a:spcPct val="90000"/>
+              </a:lnSpc>
+              <a:spcBef>
+                <a:spcPts val="500"/>
+              </a:spcBef>
+              <a:buFont typeface="Arial" panose="020B0604020202020204" pitchFamily="34" charset="0"/>
+              <a:buChar char="•"/>
+              <a:defRPr sz="2000" kern="1200">
+                <a:solidFill>
+                  <a:schemeClr val="tx1"/>
+                </a:solidFill>
+                <a:latin typeface="+mn-lt"/>
+                <a:ea typeface="+mn-ea"/>
+                <a:cs typeface="+mn-cs"/>
+              </a:defRPr>
+            </a:lvl3pPr>
+            <a:lvl4pPr marL="1600200" indent="-228600" algn="l" defTabSz="914400" rtl="0" eaLnBrk="1" latinLnBrk="1" hangingPunct="1">
+              <a:lnSpc>
+                <a:spcPct val="90000"/>
+              </a:lnSpc>
+              <a:spcBef>
+                <a:spcPts val="500"/>
+              </a:spcBef>
+              <a:buFont typeface="Arial" panose="020B0604020202020204" pitchFamily="34" charset="0"/>
+              <a:buChar char="•"/>
+              <a:defRPr sz="1800" kern="1200">
+                <a:solidFill>
+                  <a:schemeClr val="tx1"/>
+                </a:solidFill>
+                <a:latin typeface="+mn-lt"/>
+                <a:ea typeface="+mn-ea"/>
+                <a:cs typeface="+mn-cs"/>
+              </a:defRPr>
+            </a:lvl4pPr>
+            <a:lvl5pPr marL="2057400" indent="-228600" algn="l" defTabSz="914400" rtl="0" eaLnBrk="1" latinLnBrk="1" hangingPunct="1">
+              <a:lnSpc>
+                <a:spcPct val="90000"/>
+              </a:lnSpc>
+              <a:spcBef>
+                <a:spcPts val="500"/>
+              </a:spcBef>
+              <a:buFont typeface="Arial" panose="020B0604020202020204" pitchFamily="34" charset="0"/>
+              <a:buChar char="•"/>
+              <a:defRPr sz="1800" kern="1200">
+                <a:solidFill>
+                  <a:schemeClr val="tx1"/>
+                </a:solidFill>
+                <a:latin typeface="+mn-lt"/>
+                <a:ea typeface="+mn-ea"/>
+                <a:cs typeface="+mn-cs"/>
+              </a:defRPr>
+            </a:lvl5pPr>
+            <a:lvl6pPr marL="2514600" indent="-228600" algn="l" defTabSz="914400" rtl="0" eaLnBrk="1" latinLnBrk="1" hangingPunct="1">
+              <a:lnSpc>
+                <a:spcPct val="90000"/>
+              </a:lnSpc>
+              <a:spcBef>
+                <a:spcPts val="500"/>
+              </a:spcBef>
+              <a:buFont typeface="Arial" panose="020B0604020202020204" pitchFamily="34" charset="0"/>
+              <a:buChar char="•"/>
+              <a:defRPr sz="1800" kern="1200">
+                <a:solidFill>
+                  <a:schemeClr val="tx1"/>
+                </a:solidFill>
+                <a:latin typeface="+mn-lt"/>
+                <a:ea typeface="+mn-ea"/>
+                <a:cs typeface="+mn-cs"/>
+              </a:defRPr>
+            </a:lvl6pPr>
+            <a:lvl7pPr marL="2971800" indent="-228600" algn="l" defTabSz="914400" rtl="0" eaLnBrk="1" latinLnBrk="1" hangingPunct="1">
+              <a:lnSpc>
+                <a:spcPct val="90000"/>
+              </a:lnSpc>
+              <a:spcBef>
+                <a:spcPts val="500"/>
+              </a:spcBef>
+              <a:buFont typeface="Arial" panose="020B0604020202020204" pitchFamily="34" charset="0"/>
+              <a:buChar char="•"/>
+              <a:defRPr sz="1800" kern="1200">
+                <a:solidFill>
+                  <a:schemeClr val="tx1"/>
+                </a:solidFill>
+                <a:latin typeface="+mn-lt"/>
+                <a:ea typeface="+mn-ea"/>
+                <a:cs typeface="+mn-cs"/>
+              </a:defRPr>
+            </a:lvl7pPr>
+            <a:lvl8pPr marL="3429000" indent="-228600" algn="l" defTabSz="914400" rtl="0" eaLnBrk="1" latinLnBrk="1" hangingPunct="1">
+              <a:lnSpc>
+                <a:spcPct val="90000"/>
+              </a:lnSpc>
+              <a:spcBef>
+                <a:spcPts val="500"/>
+              </a:spcBef>
+              <a:buFont typeface="Arial" panose="020B0604020202020204" pitchFamily="34" charset="0"/>
+              <a:buChar char="•"/>
+              <a:defRPr sz="1800" kern="1200">
+                <a:solidFill>
+                  <a:schemeClr val="tx1"/>
+                </a:solidFill>
+                <a:latin typeface="+mn-lt"/>
+                <a:ea typeface="+mn-ea"/>
+                <a:cs typeface="+mn-cs"/>
+              </a:defRPr>
+            </a:lvl8pPr>
+            <a:lvl9pPr marL="3886200" indent="-228600" algn="l" defTabSz="914400" rtl="0" eaLnBrk="1" latinLnBrk="1" hangingPunct="1">
+              <a:lnSpc>
+                <a:spcPct val="90000"/>
+              </a:lnSpc>
+              <a:spcBef>
+                <a:spcPts val="500"/>
+              </a:spcBef>
+              <a:buFont typeface="Arial" panose="020B0604020202020204" pitchFamily="34" charset="0"/>
+              <a:buChar char="•"/>
+              <a:defRPr sz="1800" kern="1200">
+                <a:solidFill>
+                  <a:schemeClr val="tx1"/>
+                </a:solidFill>
+                <a:latin typeface="+mn-lt"/>
+                <a:ea typeface="+mn-ea"/>
+                <a:cs typeface="+mn-cs"/>
+              </a:defRPr>
+            </a:lvl9pPr>
+          </a:lstStyle>
+          <a:p>
+            <a:r>
+              <a:rPr lang="en-US" altLang="ko-KR" dirty="0"/>
+              <a:t>pip install </a:t>
+            </a:r>
+            <a:r>
+              <a:rPr lang="en-US" altLang="ko-KR" dirty="0" err="1"/>
+              <a:t>twilio</a:t>
+            </a:r>
+            <a:r>
+              <a:rPr lang="ko-KR" altLang="en-US" dirty="0"/>
+              <a:t>로 모듈 설치</a:t>
+            </a:r>
+            <a:endParaRPr lang="en-US" altLang="ko-KR" dirty="0"/>
+          </a:p>
+        </p:txBody>
+      </p:sp>
+      <p:pic>
+        <p:nvPicPr>
+          <p:cNvPr id="7" name="그림 6">
+            <a:extLst>
+              <a:ext uri="{FF2B5EF4-FFF2-40B4-BE49-F238E27FC236}">
+                <a16:creationId xmlns:a16="http://schemas.microsoft.com/office/drawing/2014/main" id="{1C939411-0F09-49FD-8E58-19F89B49CF18}"/>
+              </a:ext>
+            </a:extLst>
+          </p:cNvPr>
+          <p:cNvPicPr>
+            <a:picLocks noChangeAspect="1"/>
+          </p:cNvPicPr>
+          <p:nvPr/>
+        </p:nvPicPr>
+        <p:blipFill>
+          <a:blip r:embed="rId2"/>
+          <a:stretch>
+            <a:fillRect/>
+          </a:stretch>
+        </p:blipFill>
+        <p:spPr>
+          <a:xfrm>
+            <a:off x="491230" y="1548551"/>
+            <a:ext cx="5257800" cy="4524375"/>
+          </a:xfrm>
+          <a:prstGeom prst="rect">
+            <a:avLst/>
+          </a:prstGeom>
+          <a:ln>
+            <a:solidFill>
+              <a:schemeClr val="tx1"/>
+            </a:solidFill>
+          </a:ln>
+        </p:spPr>
+      </p:pic>
+    </p:spTree>
+    <p:extLst>
+      <p:ext uri="{BB962C8B-B14F-4D97-AF65-F5344CB8AC3E}">
+        <p14:creationId xmlns:p14="http://schemas.microsoft.com/office/powerpoint/2010/main" val="1119241358"/>
+      </p:ext>
+    </p:extLst>
+  </p:cSld>
+  <p:clrMapOvr>
+    <a:masterClrMapping/>
+  </p:clrMapOvr>
+</p:sld>
+</file>
+
+<file path=ppt/slides/slide9.xml><?xml version="1.0" encoding="utf-8"?>
+<p:sld xmlns:a="http://schemas.openxmlformats.org/drawingml/2006/main" xmlns:r="http://schemas.openxmlformats.org/officeDocument/2006/relationships" xmlns:p="http://schemas.openxmlformats.org/presentationml/2006/main">
+  <p:cSld>
+    <p:spTree>
+      <p:nvGrpSpPr>
+        <p:cNvPr id="1" name=""/>
+        <p:cNvGrpSpPr/>
+        <p:nvPr/>
+      </p:nvGrpSpPr>
+      <p:grpSpPr>
+        <a:xfrm>
+          <a:off x="0" y="0"/>
+          <a:ext cx="0" cy="0"/>
+          <a:chOff x="0" y="0"/>
+          <a:chExt cx="0" cy="0"/>
+        </a:xfrm>
+      </p:grpSpPr>
+      <p:sp>
+        <p:nvSpPr>
+          <p:cNvPr id="2" name="제목 1">
+            <a:extLst>
+              <a:ext uri="{FF2B5EF4-FFF2-40B4-BE49-F238E27FC236}">
+                <a16:creationId xmlns:a16="http://schemas.microsoft.com/office/drawing/2014/main" id="{3687D5C3-FD77-409D-9E6F-3374E84F699D}"/>
+              </a:ext>
+            </a:extLst>
+          </p:cNvPr>
+          <p:cNvSpPr>
+            <a:spLocks noGrp="1"/>
+          </p:cNvSpPr>
+          <p:nvPr>
+            <p:ph type="title"/>
+          </p:nvPr>
+        </p:nvSpPr>
+        <p:spPr>
+          <a:xfrm>
+            <a:off x="720000" y="-36000"/>
+            <a:ext cx="10515600" cy="1325563"/>
+          </a:xfrm>
+        </p:spPr>
+        <p:txBody>
+          <a:bodyPr/>
+          <a:lstStyle/>
+          <a:p>
+            <a:r>
+              <a:rPr lang="ko-KR" altLang="en-US" dirty="0"/>
+              <a:t>세부 내용 </a:t>
+            </a:r>
+            <a:r>
+              <a:rPr lang="en-US" altLang="ko-KR" dirty="0"/>
+              <a:t>- </a:t>
+            </a:r>
+            <a:r>
+              <a:rPr lang="ko-KR" altLang="en-US" dirty="0"/>
+              <a:t>코드</a:t>
+            </a:r>
+          </a:p>
+        </p:txBody>
+      </p:sp>
+      <p:sp>
+        <p:nvSpPr>
+          <p:cNvPr id="6" name="내용 개체 틀 2">
+            <a:extLst>
+              <a:ext uri="{FF2B5EF4-FFF2-40B4-BE49-F238E27FC236}">
+                <a16:creationId xmlns:a16="http://schemas.microsoft.com/office/drawing/2014/main" id="{58AF069C-4215-4B61-ADD8-25EDD8602F25}"/>
+              </a:ext>
+            </a:extLst>
+          </p:cNvPr>
+          <p:cNvSpPr txBox="1">
+            <a:spLocks/>
+          </p:cNvSpPr>
+          <p:nvPr/>
+        </p:nvSpPr>
+        <p:spPr>
+          <a:xfrm>
+            <a:off x="6727606" y="4591945"/>
+            <a:ext cx="5166805" cy="1232466"/>
+          </a:xfrm>
+          <a:prstGeom prst="rect">
+            <a:avLst/>
+          </a:prstGeom>
+        </p:spPr>
+        <p:txBody>
+          <a:bodyPr vert="horz" lIns="91440" tIns="45720" rIns="91440" bIns="45720" rtlCol="0">
+            <a:normAutofit/>
+          </a:bodyPr>
+          <a:lstStyle>
+            <a:lvl1pPr marL="228600" indent="-228600" algn="l" defTabSz="914400" rtl="0" eaLnBrk="1" latinLnBrk="1" hangingPunct="1">
+              <a:lnSpc>
+                <a:spcPct val="90000"/>
+              </a:lnSpc>
+              <a:spcBef>
+                <a:spcPts val="1000"/>
+              </a:spcBef>
+              <a:buFont typeface="Arial" panose="020B0604020202020204" pitchFamily="34" charset="0"/>
+              <a:buChar char="•"/>
+              <a:defRPr sz="2800" kern="1200">
+                <a:solidFill>
+                  <a:schemeClr val="tx1"/>
+                </a:solidFill>
+                <a:latin typeface="+mn-lt"/>
+                <a:ea typeface="+mn-ea"/>
+                <a:cs typeface="+mn-cs"/>
+              </a:defRPr>
+            </a:lvl1pPr>
+            <a:lvl2pPr marL="685800" indent="-228600" algn="l" defTabSz="914400" rtl="0" eaLnBrk="1" latinLnBrk="1" hangingPunct="1">
+              <a:lnSpc>
+                <a:spcPct val="90000"/>
+              </a:lnSpc>
+              <a:spcBef>
+                <a:spcPts val="500"/>
+              </a:spcBef>
+              <a:buFont typeface="Arial" panose="020B0604020202020204" pitchFamily="34" charset="0"/>
+              <a:buChar char="•"/>
+              <a:defRPr sz="2400" kern="1200">
+                <a:solidFill>
+                  <a:schemeClr val="tx1"/>
+                </a:solidFill>
+                <a:latin typeface="+mn-lt"/>
+                <a:ea typeface="+mn-ea"/>
+                <a:cs typeface="+mn-cs"/>
+              </a:defRPr>
+            </a:lvl2pPr>
+            <a:lvl3pPr marL="1143000" indent="-228600" algn="l" defTabSz="914400" rtl="0" eaLnBrk="1" latinLnBrk="1" hangingPunct="1">
+              <a:lnSpc>
+                <a:spcPct val="90000"/>
+              </a:lnSpc>
+              <a:spcBef>
+                <a:spcPts val="500"/>
+              </a:spcBef>
+              <a:buFont typeface="Arial" panose="020B0604020202020204" pitchFamily="34" charset="0"/>
+              <a:buChar char="•"/>
+              <a:defRPr sz="2000" kern="1200">
+                <a:solidFill>
+                  <a:schemeClr val="tx1"/>
+                </a:solidFill>
+                <a:latin typeface="+mn-lt"/>
+                <a:ea typeface="+mn-ea"/>
+                <a:cs typeface="+mn-cs"/>
+              </a:defRPr>
+            </a:lvl3pPr>
+            <a:lvl4pPr marL="1600200" indent="-228600" algn="l" defTabSz="914400" rtl="0" eaLnBrk="1" latinLnBrk="1" hangingPunct="1">
+              <a:lnSpc>
+                <a:spcPct val="90000"/>
+              </a:lnSpc>
+              <a:spcBef>
+                <a:spcPts val="500"/>
+              </a:spcBef>
+              <a:buFont typeface="Arial" panose="020B0604020202020204" pitchFamily="34" charset="0"/>
+              <a:buChar char="•"/>
+              <a:defRPr sz="1800" kern="1200">
+                <a:solidFill>
+                  <a:schemeClr val="tx1"/>
+                </a:solidFill>
+                <a:latin typeface="+mn-lt"/>
+                <a:ea typeface="+mn-ea"/>
+                <a:cs typeface="+mn-cs"/>
+              </a:defRPr>
+            </a:lvl4pPr>
+            <a:lvl5pPr marL="2057400" indent="-228600" algn="l" defTabSz="914400" rtl="0" eaLnBrk="1" latinLnBrk="1" hangingPunct="1">
+              <a:lnSpc>
+                <a:spcPct val="90000"/>
+              </a:lnSpc>
+              <a:spcBef>
+                <a:spcPts val="500"/>
+              </a:spcBef>
+              <a:buFont typeface="Arial" panose="020B0604020202020204" pitchFamily="34" charset="0"/>
+              <a:buChar char="•"/>
+              <a:defRPr sz="1800" kern="1200">
+                <a:solidFill>
+                  <a:schemeClr val="tx1"/>
+                </a:solidFill>
+                <a:latin typeface="+mn-lt"/>
+                <a:ea typeface="+mn-ea"/>
+                <a:cs typeface="+mn-cs"/>
+              </a:defRPr>
+            </a:lvl5pPr>
+            <a:lvl6pPr marL="2514600" indent="-228600" algn="l" defTabSz="914400" rtl="0" eaLnBrk="1" latinLnBrk="1" hangingPunct="1">
+              <a:lnSpc>
+                <a:spcPct val="90000"/>
+              </a:lnSpc>
+              <a:spcBef>
+                <a:spcPts val="500"/>
+              </a:spcBef>
+              <a:buFont typeface="Arial" panose="020B0604020202020204" pitchFamily="34" charset="0"/>
+              <a:buChar char="•"/>
+              <a:defRPr sz="1800" kern="1200">
+                <a:solidFill>
+                  <a:schemeClr val="tx1"/>
+                </a:solidFill>
+                <a:latin typeface="+mn-lt"/>
+                <a:ea typeface="+mn-ea"/>
+                <a:cs typeface="+mn-cs"/>
+              </a:defRPr>
+            </a:lvl6pPr>
+            <a:lvl7pPr marL="2971800" indent="-228600" algn="l" defTabSz="914400" rtl="0" eaLnBrk="1" latinLnBrk="1" hangingPunct="1">
+              <a:lnSpc>
+                <a:spcPct val="90000"/>
+              </a:lnSpc>
+              <a:spcBef>
+                <a:spcPts val="500"/>
+              </a:spcBef>
+              <a:buFont typeface="Arial" panose="020B0604020202020204" pitchFamily="34" charset="0"/>
+              <a:buChar char="•"/>
+              <a:defRPr sz="1800" kern="1200">
+                <a:solidFill>
+                  <a:schemeClr val="tx1"/>
+                </a:solidFill>
+                <a:latin typeface="+mn-lt"/>
+                <a:ea typeface="+mn-ea"/>
+                <a:cs typeface="+mn-cs"/>
+              </a:defRPr>
+            </a:lvl7pPr>
+            <a:lvl8pPr marL="3429000" indent="-228600" algn="l" defTabSz="914400" rtl="0" eaLnBrk="1" latinLnBrk="1" hangingPunct="1">
+              <a:lnSpc>
+                <a:spcPct val="90000"/>
+              </a:lnSpc>
+              <a:spcBef>
+                <a:spcPts val="500"/>
+              </a:spcBef>
+              <a:buFont typeface="Arial" panose="020B0604020202020204" pitchFamily="34" charset="0"/>
+              <a:buChar char="•"/>
+              <a:defRPr sz="1800" kern="1200">
+                <a:solidFill>
+                  <a:schemeClr val="tx1"/>
+                </a:solidFill>
+                <a:latin typeface="+mn-lt"/>
+                <a:ea typeface="+mn-ea"/>
+                <a:cs typeface="+mn-cs"/>
+              </a:defRPr>
+            </a:lvl8pPr>
+            <a:lvl9pPr marL="3886200" indent="-228600" algn="l" defTabSz="914400" rtl="0" eaLnBrk="1" latinLnBrk="1" hangingPunct="1">
+              <a:lnSpc>
+                <a:spcPct val="90000"/>
+              </a:lnSpc>
+              <a:spcBef>
+                <a:spcPts val="500"/>
+              </a:spcBef>
+              <a:buFont typeface="Arial" panose="020B0604020202020204" pitchFamily="34" charset="0"/>
+              <a:buChar char="•"/>
+              <a:defRPr sz="1800" kern="1200">
+                <a:solidFill>
+                  <a:schemeClr val="tx1"/>
+                </a:solidFill>
+                <a:latin typeface="+mn-lt"/>
+                <a:ea typeface="+mn-ea"/>
+                <a:cs typeface="+mn-cs"/>
+              </a:defRPr>
+            </a:lvl9pPr>
+          </a:lstStyle>
+          <a:p>
+            <a:r>
+              <a:rPr lang="en-US" altLang="ko-KR" dirty="0"/>
+              <a:t>sms-alert.py </a:t>
+            </a:r>
+            <a:r>
+              <a:rPr lang="ko-KR" altLang="en-US" dirty="0"/>
+              <a:t>파일 코딩</a:t>
+            </a:r>
+            <a:endParaRPr lang="en-US" altLang="ko-KR" dirty="0"/>
+          </a:p>
+          <a:p>
+            <a:pPr marL="0" indent="0">
+              <a:buNone/>
+            </a:pPr>
+            <a:r>
+              <a:rPr lang="en-US" altLang="ko-KR" dirty="0"/>
+              <a:t>(</a:t>
+            </a:r>
+            <a:r>
+              <a:rPr lang="ko-KR" altLang="en-US" dirty="0"/>
+              <a:t>위치</a:t>
+            </a:r>
+            <a:r>
+              <a:rPr lang="en-US" altLang="ko-KR" dirty="0"/>
+              <a:t>: /root)</a:t>
+            </a:r>
+          </a:p>
+        </p:txBody>
+      </p:sp>
+      <p:pic>
+        <p:nvPicPr>
+          <p:cNvPr id="4" name="그림 3">
+            <a:extLst>
+              <a:ext uri="{FF2B5EF4-FFF2-40B4-BE49-F238E27FC236}">
+                <a16:creationId xmlns:a16="http://schemas.microsoft.com/office/drawing/2014/main" id="{DDD8422C-FF4D-4ADB-BF8D-9FD9CDEDCA89}"/>
+              </a:ext>
+            </a:extLst>
+          </p:cNvPr>
+          <p:cNvPicPr>
+            <a:picLocks noChangeAspect="1"/>
+          </p:cNvPicPr>
+          <p:nvPr/>
+        </p:nvPicPr>
+        <p:blipFill>
+          <a:blip r:embed="rId2"/>
+          <a:stretch>
+            <a:fillRect/>
+          </a:stretch>
+        </p:blipFill>
+        <p:spPr>
+          <a:xfrm>
+            <a:off x="633092" y="1217203"/>
+            <a:ext cx="5095875" cy="3990975"/>
+          </a:xfrm>
+          <a:prstGeom prst="rect">
+            <a:avLst/>
+          </a:prstGeom>
+          <a:ln>
+            <a:solidFill>
+              <a:schemeClr val="tx1"/>
+            </a:solidFill>
+          </a:ln>
+        </p:spPr>
+      </p:pic>
+      <p:pic>
+        <p:nvPicPr>
+          <p:cNvPr id="5" name="그림 4">
+            <a:extLst>
+              <a:ext uri="{FF2B5EF4-FFF2-40B4-BE49-F238E27FC236}">
+                <a16:creationId xmlns:a16="http://schemas.microsoft.com/office/drawing/2014/main" id="{5A913C0F-2A13-4396-8422-0F8AD04D581B}"/>
+              </a:ext>
+            </a:extLst>
+          </p:cNvPr>
+          <p:cNvPicPr>
+            <a:picLocks noChangeAspect="1"/>
+          </p:cNvPicPr>
+          <p:nvPr/>
+        </p:nvPicPr>
+        <p:blipFill>
+          <a:blip r:embed="rId3"/>
+          <a:stretch>
+            <a:fillRect/>
+          </a:stretch>
+        </p:blipFill>
+        <p:spPr>
+          <a:xfrm>
+            <a:off x="6503261" y="1217203"/>
+            <a:ext cx="5086350" cy="2466975"/>
+          </a:xfrm>
+          <a:prstGeom prst="rect">
+            <a:avLst/>
+          </a:prstGeom>
+          <a:ln>
+            <a:solidFill>
+              <a:schemeClr val="tx1"/>
+            </a:solidFill>
+          </a:ln>
+        </p:spPr>
+      </p:pic>
+    </p:spTree>
+    <p:extLst>
+      <p:ext uri="{BB962C8B-B14F-4D97-AF65-F5344CB8AC3E}">
+        <p14:creationId xmlns:p14="http://schemas.microsoft.com/office/powerpoint/2010/main" val="466163015"/>
       </p:ext>
     </p:extLst>
   </p:cSld>
